--- a/Lecture Slides/VideoLectureSlides/9.2.pptx
+++ b/Lecture Slides/VideoLectureSlides/9.2.pptx
@@ -5,21 +5,17 @@
     <p:sldMasterId id="2147483660" r:id="rId4"/>
   </p:sldMasterIdLst>
   <p:notesMasterIdLst>
-    <p:notesMasterId r:id="rId17"/>
+    <p:notesMasterId r:id="rId13"/>
   </p:notesMasterIdLst>
   <p:sldIdLst>
     <p:sldId id="256" r:id="rId5"/>
-    <p:sldId id="297" r:id="rId6"/>
-    <p:sldId id="298" r:id="rId7"/>
-    <p:sldId id="299" r:id="rId8"/>
-    <p:sldId id="259" r:id="rId9"/>
-    <p:sldId id="301" r:id="rId10"/>
-    <p:sldId id="268" r:id="rId11"/>
-    <p:sldId id="263" r:id="rId12"/>
-    <p:sldId id="287" r:id="rId13"/>
-    <p:sldId id="261" r:id="rId14"/>
-    <p:sldId id="262" r:id="rId15"/>
-    <p:sldId id="302" r:id="rId16"/>
+    <p:sldId id="258" r:id="rId6"/>
+    <p:sldId id="269" r:id="rId7"/>
+    <p:sldId id="272" r:id="rId8"/>
+    <p:sldId id="268" r:id="rId9"/>
+    <p:sldId id="287" r:id="rId10"/>
+    <p:sldId id="270" r:id="rId11"/>
+    <p:sldId id="271" r:id="rId12"/>
   </p:sldIdLst>
   <p:sldSz cx="9144000" cy="6858000" type="screen4x3"/>
   <p:notesSz cx="6858000" cy="9144000"/>
@@ -498,6 +494,90 @@
     </a:lvl9pPr>
   </p:notesStyle>
 </p:notesMaster>
+</file>
+
+<file path=ppt/notesSlides/notesSlide1.xml><?xml version="1.0" encoding="utf-8"?>
+<p:notes xmlns:a="http://schemas.openxmlformats.org/drawingml/2006/main" xmlns:r="http://schemas.openxmlformats.org/officeDocument/2006/relationships" xmlns:p="http://schemas.openxmlformats.org/presentationml/2006/main">
+  <p:cSld>
+    <p:spTree>
+      <p:nvGrpSpPr>
+        <p:cNvPr id="1" name=""/>
+        <p:cNvGrpSpPr/>
+        <p:nvPr/>
+      </p:nvGrpSpPr>
+      <p:grpSpPr>
+        <a:xfrm>
+          <a:off x="0" y="0"/>
+          <a:ext cx="0" cy="0"/>
+          <a:chOff x="0" y="0"/>
+          <a:chExt cx="0" cy="0"/>
+        </a:xfrm>
+      </p:grpSpPr>
+      <p:sp>
+        <p:nvSpPr>
+          <p:cNvPr id="2" name="Slide Image Placeholder 1"/>
+          <p:cNvSpPr>
+            <a:spLocks noGrp="1" noRot="1" noChangeAspect="1"/>
+          </p:cNvSpPr>
+          <p:nvPr>
+            <p:ph type="sldImg"/>
+          </p:nvPr>
+        </p:nvSpPr>
+        <p:spPr/>
+      </p:sp>
+      <p:sp>
+        <p:nvSpPr>
+          <p:cNvPr id="3" name="Notes Placeholder 2"/>
+          <p:cNvSpPr>
+            <a:spLocks noGrp="1"/>
+          </p:cNvSpPr>
+          <p:nvPr>
+            <p:ph type="body" idx="1"/>
+          </p:nvPr>
+        </p:nvSpPr>
+        <p:spPr/>
+        <p:txBody>
+          <a:bodyPr/>
+          <a:lstStyle/>
+          <a:p>
+            <a:endParaRPr lang="en-US" dirty="0"/>
+          </a:p>
+        </p:txBody>
+      </p:sp>
+      <p:sp>
+        <p:nvSpPr>
+          <p:cNvPr id="4" name="Slide Number Placeholder 3"/>
+          <p:cNvSpPr>
+            <a:spLocks noGrp="1"/>
+          </p:cNvSpPr>
+          <p:nvPr>
+            <p:ph type="sldNum" sz="quarter" idx="5"/>
+          </p:nvPr>
+        </p:nvSpPr>
+        <p:spPr/>
+        <p:txBody>
+          <a:bodyPr/>
+          <a:lstStyle/>
+          <a:p>
+            <a:fld id="{198B1ED1-A6A8-44D7-9A75-7C99E7381227}" type="slidenum">
+              <a:rPr lang="en-US" smtClean="0"/>
+              <a:t>8</a:t>
+            </a:fld>
+            <a:endParaRPr lang="en-US"/>
+          </a:p>
+        </p:txBody>
+      </p:sp>
+    </p:spTree>
+    <p:extLst>
+      <p:ext uri="{BB962C8B-B14F-4D97-AF65-F5344CB8AC3E}">
+        <p14:creationId xmlns:p14="http://schemas.microsoft.com/office/powerpoint/2010/main" val="1082635479"/>
+      </p:ext>
+    </p:extLst>
+  </p:cSld>
+  <p:clrMapOvr>
+    <a:masterClrMapping/>
+  </p:clrMapOvr>
+</p:notes>
 </file>
 
 <file path=ppt/slideLayouts/slideLayout1.xml><?xml version="1.0" encoding="utf-8"?>
@@ -3682,9 +3762,10 @@
           <a:lstStyle/>
           <a:p>
             <a:r>
-              <a:rPr lang="en-US" dirty="0"/>
-              <a:t>Power and Efficiency in Particles</a:t>
-            </a:r>
+              <a:rPr lang="en-US"/>
+              <a:t>The Equations of Motion with Rectangular Coordinates</a:t>
+            </a:r>
+            <a:endParaRPr lang="en-US" dirty="0"/>
           </a:p>
         </p:txBody>
       </p:sp>
@@ -3737,7 +3818,7 @@
 </p:sld>
 </file>
 
-<file path=ppt/slides/slide10.xml><?xml version="1.0" encoding="utf-8"?>
+<file path=ppt/slides/slide2.xml><?xml version="1.0" encoding="utf-8"?>
 <p:sld xmlns:a="http://schemas.openxmlformats.org/drawingml/2006/main" xmlns:r="http://schemas.openxmlformats.org/officeDocument/2006/relationships" xmlns:p="http://schemas.openxmlformats.org/presentationml/2006/main">
   <p:cSld>
     <p:spTree>
@@ -3766,314 +3847,20 @@
         </p:nvSpPr>
         <p:spPr/>
         <p:txBody>
-          <a:bodyPr/>
+          <a:bodyPr>
+            <a:normAutofit fontScale="90000"/>
+          </a:bodyPr>
           <a:lstStyle/>
           <a:p>
             <a:r>
               <a:rPr lang="en-US" dirty="0"/>
-              <a:t>Power Worked Example</a:t>
+              <a:t>Newton’s Second Law and the Force Mass and Acceleration Method</a:t>
             </a:r>
           </a:p>
         </p:txBody>
       </p:sp>
-      <p:sp>
-        <p:nvSpPr>
-          <p:cNvPr id="3" name="Content Placeholder 2"/>
-          <p:cNvSpPr>
-            <a:spLocks noGrp="1"/>
-          </p:cNvSpPr>
-          <p:nvPr>
-            <p:ph idx="1"/>
-          </p:nvPr>
-        </p:nvSpPr>
-        <p:spPr>
-          <a:xfrm>
-            <a:off x="457200" y="1600201"/>
-            <a:ext cx="8229600" cy="1981200"/>
-          </a:xfrm>
-        </p:spPr>
-        <p:txBody>
-          <a:bodyPr/>
-          <a:lstStyle/>
-          <a:p>
-            <a:r>
-              <a:rPr lang="en-US" dirty="0"/>
-              <a:t>If a car delivers an average 100 hp to the road and weighs a total of 1.2 tons, how long will it take to go from 0-60 mph?</a:t>
-            </a:r>
-          </a:p>
-        </p:txBody>
-      </p:sp>
-      <p:sp>
-        <p:nvSpPr>
-          <p:cNvPr id="4" name="Slide Number Placeholder 3"/>
-          <p:cNvSpPr>
-            <a:spLocks noGrp="1"/>
-          </p:cNvSpPr>
-          <p:nvPr>
-            <p:ph type="sldNum" sz="quarter" idx="12"/>
-          </p:nvPr>
-        </p:nvSpPr>
-        <p:spPr/>
-        <p:txBody>
-          <a:bodyPr/>
-          <a:lstStyle/>
-          <a:p>
-            <a:fld id="{929262FE-7F58-4A1E-8AF3-5A510A86DEBD}" type="slidenum">
-              <a:rPr lang="en-US" smtClean="0"/>
-              <a:t>10</a:t>
-            </a:fld>
-            <a:endParaRPr lang="en-US"/>
-          </a:p>
-        </p:txBody>
-      </p:sp>
-      <p:pic>
-        <p:nvPicPr>
-          <p:cNvPr id="1026" name="Picture 2" descr="Road, Car, Motion, Vehicle, Auto, Car On Road, Car Road">
-            <a:extLst>
-              <a:ext uri="{FF2B5EF4-FFF2-40B4-BE49-F238E27FC236}">
-                <a16:creationId xmlns:a16="http://schemas.microsoft.com/office/drawing/2014/main" id="{DE1368F6-B63C-4F90-AE20-8EDAF9984C40}"/>
-              </a:ext>
-            </a:extLst>
-          </p:cNvPr>
-          <p:cNvPicPr>
-            <a:picLocks noChangeAspect="1" noChangeArrowheads="1"/>
-          </p:cNvPicPr>
-          <p:nvPr/>
-        </p:nvPicPr>
-        <p:blipFill rotWithShape="1">
-          <a:blip r:embed="rId2">
-            <a:extLst>
-              <a:ext uri="{28A0092B-C50C-407E-A947-70E740481C1C}">
-                <a14:useLocalDpi xmlns:a14="http://schemas.microsoft.com/office/drawing/2010/main" val="0"/>
-              </a:ext>
-            </a:extLst>
-          </a:blip>
-          <a:srcRect t="18881" r="23333" b="17585"/>
-          <a:stretch/>
-        </p:blipFill>
-        <p:spPr bwMode="auto">
-          <a:xfrm>
-            <a:off x="1828800" y="3763964"/>
-            <a:ext cx="5486400" cy="2922104"/>
-          </a:xfrm>
-          <a:prstGeom prst="rect">
-            <a:avLst/>
-          </a:prstGeom>
-          <a:noFill/>
-          <a:extLst>
-            <a:ext uri="{909E8E84-426E-40DD-AFC4-6F175D3DCCD1}">
-              <a14:hiddenFill xmlns:a14="http://schemas.microsoft.com/office/drawing/2010/main">
-                <a:solidFill>
-                  <a:srgbClr val="FFFFFF"/>
-                </a:solidFill>
-              </a14:hiddenFill>
-            </a:ext>
-          </a:extLst>
-        </p:spPr>
-      </p:pic>
-    </p:spTree>
-    <p:extLst>
-      <p:ext uri="{BB962C8B-B14F-4D97-AF65-F5344CB8AC3E}">
-        <p14:creationId xmlns:p14="http://schemas.microsoft.com/office/powerpoint/2010/main" val="3439906407"/>
-      </p:ext>
-    </p:extLst>
-  </p:cSld>
-  <p:clrMapOvr>
-    <a:masterClrMapping/>
-  </p:clrMapOvr>
-</p:sld>
-</file>
-
-<file path=ppt/slides/slide11.xml><?xml version="1.0" encoding="utf-8"?>
-<p:sld xmlns:a="http://schemas.openxmlformats.org/drawingml/2006/main" xmlns:r="http://schemas.openxmlformats.org/officeDocument/2006/relationships" xmlns:p="http://schemas.openxmlformats.org/presentationml/2006/main">
-  <p:cSld>
-    <p:spTree>
-      <p:nvGrpSpPr>
-        <p:cNvPr id="1" name=""/>
-        <p:cNvGrpSpPr/>
-        <p:nvPr/>
-      </p:nvGrpSpPr>
-      <p:grpSpPr>
-        <a:xfrm>
-          <a:off x="0" y="0"/>
-          <a:ext cx="0" cy="0"/>
-          <a:chOff x="0" y="0"/>
-          <a:chExt cx="0" cy="0"/>
-        </a:xfrm>
-      </p:grpSpPr>
-      <p:sp>
-        <p:nvSpPr>
-          <p:cNvPr id="2" name="Title 1"/>
-          <p:cNvSpPr>
-            <a:spLocks noGrp="1"/>
-          </p:cNvSpPr>
-          <p:nvPr>
-            <p:ph type="title"/>
-          </p:nvPr>
-        </p:nvSpPr>
-        <p:spPr/>
-        <p:txBody>
-          <a:bodyPr/>
-          <a:lstStyle/>
-          <a:p>
-            <a:r>
-              <a:rPr lang="en-US" dirty="0"/>
-              <a:t>Power Practice Problem</a:t>
-            </a:r>
-          </a:p>
-        </p:txBody>
-      </p:sp>
-      <p:sp>
-        <p:nvSpPr>
-          <p:cNvPr id="3" name="Content Placeholder 2"/>
-          <p:cNvSpPr>
-            <a:spLocks noGrp="1"/>
-          </p:cNvSpPr>
-          <p:nvPr>
-            <p:ph idx="1"/>
-          </p:nvPr>
-        </p:nvSpPr>
-        <p:spPr>
-          <a:xfrm>
-            <a:off x="457200" y="1600200"/>
-            <a:ext cx="3962400" cy="4190999"/>
-          </a:xfrm>
-        </p:spPr>
-        <p:txBody>
-          <a:bodyPr>
-            <a:normAutofit lnSpcReduction="10000"/>
-          </a:bodyPr>
-          <a:lstStyle/>
-          <a:p>
-            <a:r>
-              <a:rPr lang="en-US" dirty="0"/>
-              <a:t>Your car broke down and now needs to be repaired.  How much power is required for a lift to raise your 1.2 ton car 6 ft off the ground in 15 seconds?</a:t>
-            </a:r>
-          </a:p>
-        </p:txBody>
-      </p:sp>
-      <p:sp>
-        <p:nvSpPr>
-          <p:cNvPr id="4" name="Slide Number Placeholder 3"/>
-          <p:cNvSpPr>
-            <a:spLocks noGrp="1"/>
-          </p:cNvSpPr>
-          <p:nvPr>
-            <p:ph type="sldNum" sz="quarter" idx="12"/>
-          </p:nvPr>
-        </p:nvSpPr>
-        <p:spPr/>
-        <p:txBody>
-          <a:bodyPr/>
-          <a:lstStyle/>
-          <a:p>
-            <a:fld id="{929262FE-7F58-4A1E-8AF3-5A510A86DEBD}" type="slidenum">
-              <a:rPr lang="en-US" smtClean="0"/>
-              <a:t>11</a:t>
-            </a:fld>
-            <a:endParaRPr lang="en-US"/>
-          </a:p>
-        </p:txBody>
-      </p:sp>
-      <p:pic>
-        <p:nvPicPr>
-          <p:cNvPr id="5" name="Picture 2" descr="Car, Mechanic, Automobile, Service, Repair, Auto">
-            <a:extLst>
-              <a:ext uri="{FF2B5EF4-FFF2-40B4-BE49-F238E27FC236}">
-                <a16:creationId xmlns:a16="http://schemas.microsoft.com/office/drawing/2014/main" id="{7F265686-AA72-4D02-8D17-481832CC9665}"/>
-              </a:ext>
-            </a:extLst>
-          </p:cNvPr>
-          <p:cNvPicPr>
-            <a:picLocks noChangeAspect="1" noChangeArrowheads="1"/>
-          </p:cNvPicPr>
-          <p:nvPr/>
-        </p:nvPicPr>
-        <p:blipFill rotWithShape="1">
-          <a:blip r:embed="rId2">
-            <a:extLst>
-              <a:ext uri="{28A0092B-C50C-407E-A947-70E740481C1C}">
-                <a14:useLocalDpi xmlns:a14="http://schemas.microsoft.com/office/drawing/2010/main" val="0"/>
-              </a:ext>
-            </a:extLst>
-          </a:blip>
-          <a:srcRect l="13333" t="3894" r="4167"/>
-          <a:stretch/>
-        </p:blipFill>
-        <p:spPr bwMode="auto">
-          <a:xfrm>
-            <a:off x="4419600" y="1885131"/>
-            <a:ext cx="4648200" cy="3621136"/>
-          </a:xfrm>
-          <a:prstGeom prst="rect">
-            <a:avLst/>
-          </a:prstGeom>
-          <a:noFill/>
-          <a:extLst>
-            <a:ext uri="{909E8E84-426E-40DD-AFC4-6F175D3DCCD1}">
-              <a14:hiddenFill xmlns:a14="http://schemas.microsoft.com/office/drawing/2010/main">
-                <a:solidFill>
-                  <a:srgbClr val="FFFFFF"/>
-                </a:solidFill>
-              </a14:hiddenFill>
-            </a:ext>
-          </a:extLst>
-        </p:spPr>
-      </p:pic>
-    </p:spTree>
-    <p:extLst>
-      <p:ext uri="{BB962C8B-B14F-4D97-AF65-F5344CB8AC3E}">
-        <p14:creationId xmlns:p14="http://schemas.microsoft.com/office/powerpoint/2010/main" val="3905561962"/>
-      </p:ext>
-    </p:extLst>
-  </p:cSld>
-  <p:clrMapOvr>
-    <a:masterClrMapping/>
-  </p:clrMapOvr>
-</p:sld>
-</file>
-
-<file path=ppt/slides/slide12.xml><?xml version="1.0" encoding="utf-8"?>
-<p:sld xmlns:a="http://schemas.openxmlformats.org/drawingml/2006/main" xmlns:r="http://schemas.openxmlformats.org/officeDocument/2006/relationships" xmlns:p="http://schemas.openxmlformats.org/presentationml/2006/main">
-  <p:cSld>
-    <p:spTree>
-      <p:nvGrpSpPr>
-        <p:cNvPr id="1" name=""/>
-        <p:cNvGrpSpPr/>
-        <p:nvPr/>
-      </p:nvGrpSpPr>
-      <p:grpSpPr>
-        <a:xfrm>
-          <a:off x="0" y="0"/>
-          <a:ext cx="0" cy="0"/>
-          <a:chOff x="0" y="0"/>
-          <a:chExt cx="0" cy="0"/>
-        </a:xfrm>
-      </p:grpSpPr>
-      <p:sp>
-        <p:nvSpPr>
-          <p:cNvPr id="2" name="Title 1"/>
-          <p:cNvSpPr>
-            <a:spLocks noGrp="1"/>
-          </p:cNvSpPr>
-          <p:nvPr>
-            <p:ph type="title"/>
-          </p:nvPr>
-        </p:nvSpPr>
-        <p:spPr/>
-        <p:txBody>
-          <a:bodyPr/>
-          <a:lstStyle/>
-          <a:p>
-            <a:r>
-              <a:rPr lang="en-US" dirty="0"/>
-              <a:t>Power Practice Problem</a:t>
-            </a:r>
-          </a:p>
-        </p:txBody>
-      </p:sp>
-      <mc:AlternateContent xmlns:mc="http://schemas.openxmlformats.org/markup-compatibility/2006" xmlns:a14="http://schemas.microsoft.com/office/drawing/2010/main">
-        <mc:Choice Requires="a14">
+      <mc:AlternateContent xmlns:mc="http://schemas.openxmlformats.org/markup-compatibility/2006">
+        <mc:Choice xmlns:a14="http://schemas.microsoft.com/office/drawing/2010/main" Requires="a14">
           <p:sp>
             <p:nvSpPr>
               <p:cNvPr id="3" name="Content Placeholder 2"/>
@@ -4087,7 +3874,7 @@
             <p:spPr>
               <a:xfrm>
                 <a:off x="457200" y="1600200"/>
-                <a:ext cx="8001000" cy="3581400"/>
+                <a:ext cx="8229600" cy="4648200"/>
               </a:xfrm>
             </p:spPr>
             <p:txBody>
@@ -4096,16 +3883,37 @@
               </a:bodyPr>
               <a:lstStyle/>
               <a:p>
-                <a:pPr marL="0" indent="0">
-                  <a:buNone/>
-                </a:pPr>
                 <a:r>
                   <a:rPr lang="en-US" dirty="0"/>
-                  <a:t>The drag force of air on a car is equal to...</a:t>
+                  <a:t>The </a:t>
+                </a:r>
+                <a:r>
+                  <a:rPr lang="en-US" b="1" dirty="0"/>
+                  <a:t>force mass and acceleration method</a:t>
+                </a:r>
+                <a:r>
+                  <a:rPr lang="en-US" dirty="0"/>
+                  <a:t> in </a:t>
+                </a:r>
+                <a:r>
+                  <a:rPr lang="en-US" b="1" dirty="0"/>
+                  <a:t>kinetics</a:t>
+                </a:r>
+                <a:r>
+                  <a:rPr lang="en-US" dirty="0"/>
+                  <a:t> builds directly on </a:t>
+                </a:r>
+                <a:r>
+                  <a:rPr lang="en-US" b="1" dirty="0"/>
+                  <a:t>Newton’s Second Law</a:t>
+                </a:r>
+                <a:r>
+                  <a:rPr lang="en-US" dirty="0"/>
+                  <a:t> which states that...</a:t>
                 </a:r>
               </a:p>
               <a:p>
-                <a:pPr marL="0" indent="0">
+                <a:pPr marL="0" indent="0" algn="ctr">
                   <a:buNone/>
                 </a:pPr>
                 <a14:m>
@@ -4114,255 +3922,168 @@
                       <m:jc m:val="centerGroup"/>
                     </m:oMathParaPr>
                     <m:oMath xmlns:m="http://schemas.openxmlformats.org/officeDocument/2006/math">
-                      <m:sSub>
-                        <m:sSubPr>
+                      <m:nary>
+                        <m:naryPr>
+                          <m:chr m:val="∑"/>
+                          <m:subHide m:val="on"/>
+                          <m:supHide m:val="on"/>
                           <m:ctrlPr>
                             <a:rPr lang="en-US" i="1" smtClean="0">
                               <a:latin typeface="Cambria Math" panose="02040503050406030204" pitchFamily="18" charset="0"/>
                             </a:rPr>
                           </m:ctrlPr>
-                        </m:sSubPr>
+                        </m:naryPr>
+                        <m:sub/>
+                        <m:sup/>
                         <m:e>
-                          <m:r>
-                            <a:rPr lang="en-US" b="0" i="1" smtClean="0">
-                              <a:latin typeface="Cambria Math"/>
-                            </a:rPr>
-                            <m:t>𝐹</m:t>
-                          </m:r>
+                          <m:acc>
+                            <m:accPr>
+                              <m:chr m:val="⃗"/>
+                              <m:ctrlPr>
+                                <a:rPr lang="en-US" i="1">
+                                  <a:latin typeface="Cambria Math" panose="02040503050406030204" pitchFamily="18" charset="0"/>
+                                </a:rPr>
+                              </m:ctrlPr>
+                            </m:accPr>
+                            <m:e>
+                              <m:r>
+                                <a:rPr lang="en-US" i="1">
+                                  <a:latin typeface="Cambria Math" panose="02040503050406030204" pitchFamily="18" charset="0"/>
+                                </a:rPr>
+                                <m:t>𝐹</m:t>
+                              </m:r>
+                            </m:e>
+                          </m:acc>
                         </m:e>
-                        <m:sub>
-                          <m:r>
-                            <a:rPr lang="en-US" b="0" i="1" smtClean="0">
-                              <a:latin typeface="Cambria Math"/>
-                            </a:rPr>
-                            <m:t>𝑑</m:t>
-                          </m:r>
-                        </m:sub>
-                      </m:sSub>
+                      </m:nary>
                       <m:r>
                         <a:rPr lang="en-US" b="0" i="1" smtClean="0">
                           <a:latin typeface="Cambria Math"/>
                         </a:rPr>
                         <m:t>=</m:t>
                       </m:r>
-                      <m:f>
-                        <m:fPr>
+                      <m:r>
+                        <a:rPr lang="en-US" b="0" i="1" smtClean="0">
+                          <a:latin typeface="Cambria Math"/>
+                        </a:rPr>
+                        <m:t>𝑚</m:t>
+                      </m:r>
+                      <m:acc>
+                        <m:accPr>
+                          <m:chr m:val="⃗"/>
                           <m:ctrlPr>
                             <a:rPr lang="en-US" b="0" i="1" smtClean="0">
                               <a:latin typeface="Cambria Math" panose="02040503050406030204" pitchFamily="18" charset="0"/>
                             </a:rPr>
                           </m:ctrlPr>
-                        </m:fPr>
-                        <m:num>
-                          <m:r>
-                            <a:rPr lang="en-US" b="0" i="1" smtClean="0">
-                              <a:latin typeface="Cambria Math"/>
-                            </a:rPr>
-                            <m:t>1</m:t>
-                          </m:r>
-                        </m:num>
-                        <m:den>
-                          <m:r>
-                            <a:rPr lang="en-US" b="0" i="1" smtClean="0">
-                              <a:latin typeface="Cambria Math"/>
-                            </a:rPr>
-                            <m:t>2</m:t>
-                          </m:r>
-                        </m:den>
-                      </m:f>
-                      <m:r>
-                        <a:rPr lang="en-US" b="0" i="1" smtClean="0">
-                          <a:latin typeface="Cambria Math"/>
-                          <a:ea typeface="Cambria Math"/>
-                        </a:rPr>
-                        <m:t>𝜌</m:t>
-                      </m:r>
-                      <m:sSup>
-                        <m:sSupPr>
-                          <m:ctrlPr>
-                            <a:rPr lang="en-US" b="0" i="1" smtClean="0">
-                              <a:latin typeface="Cambria Math" panose="02040503050406030204" pitchFamily="18" charset="0"/>
-                              <a:ea typeface="Cambria Math"/>
-                            </a:rPr>
-                          </m:ctrlPr>
-                        </m:sSupPr>
+                        </m:accPr>
                         <m:e>
                           <m:r>
                             <a:rPr lang="en-US" b="0" i="1" smtClean="0">
-                              <a:latin typeface="Cambria Math"/>
-                              <a:ea typeface="Cambria Math"/>
+                              <a:latin typeface="Cambria Math" panose="02040503050406030204" pitchFamily="18" charset="0"/>
                             </a:rPr>
-                            <m:t>𝑣</m:t>
+                            <m:t>𝑎</m:t>
                           </m:r>
                         </m:e>
-                        <m:sup>
-                          <m:r>
-                            <a:rPr lang="en-US" b="0" i="1" smtClean="0">
-                              <a:latin typeface="Cambria Math"/>
-                              <a:ea typeface="Cambria Math"/>
-                            </a:rPr>
-                            <m:t>2</m:t>
-                          </m:r>
-                        </m:sup>
-                      </m:sSup>
-                      <m:sSub>
-                        <m:sSubPr>
-                          <m:ctrlPr>
-                            <a:rPr lang="en-US" b="0" i="1" smtClean="0">
-                              <a:latin typeface="Cambria Math" panose="02040503050406030204" pitchFamily="18" charset="0"/>
-                              <a:ea typeface="Cambria Math"/>
-                            </a:rPr>
-                          </m:ctrlPr>
-                        </m:sSubPr>
-                        <m:e>
-                          <m:r>
-                            <a:rPr lang="en-US" b="0" i="1" smtClean="0">
-                              <a:latin typeface="Cambria Math"/>
-                              <a:ea typeface="Cambria Math"/>
-                            </a:rPr>
-                            <m:t>𝑐</m:t>
-                          </m:r>
-                        </m:e>
-                        <m:sub>
-                          <m:r>
-                            <a:rPr lang="en-US" b="0" i="1" smtClean="0">
-                              <a:latin typeface="Cambria Math"/>
-                              <a:ea typeface="Cambria Math"/>
-                            </a:rPr>
-                            <m:t>𝑑</m:t>
-                          </m:r>
-                        </m:sub>
-                      </m:sSub>
-                      <m:r>
-                        <a:rPr lang="en-US" b="0" i="1" smtClean="0">
-                          <a:latin typeface="Cambria Math"/>
-                          <a:ea typeface="Cambria Math"/>
-                        </a:rPr>
-                        <m:t>𝐴</m:t>
-                      </m:r>
+                      </m:acc>
                     </m:oMath>
                   </m:oMathPara>
                 </a14:m>
-                <a:endParaRPr lang="en-US" b="0" dirty="0">
-                  <a:ea typeface="Cambria Math"/>
-                </a:endParaRPr>
+                <a:endParaRPr lang="en-US" b="1" dirty="0"/>
               </a:p>
               <a:p>
-                <a:pPr marL="0" indent="0">
-                  <a:buNone/>
-                </a:pPr>
                 <a:r>
-                  <a:rPr lang="en-US" dirty="0">
-                    <a:ea typeface="Cambria Math"/>
-                  </a:rPr>
-                  <a:t>where </a:t>
+                  <a:rPr lang="en-US" dirty="0"/>
+                  <a:t>If we add known and unknown values into this equation, it is known as the </a:t>
+                </a:r>
+                <a:r>
+                  <a:rPr lang="en-US" b="1" dirty="0"/>
+                  <a:t>equation of motion</a:t>
+                </a:r>
+                <a:r>
+                  <a:rPr lang="en-US" dirty="0"/>
+                  <a:t>.</a:t>
+                </a:r>
+              </a:p>
+              <a:p>
+                <a:r>
+                  <a:rPr lang="en-US" dirty="0"/>
+                  <a:t>It is important to remember that </a:t>
                 </a:r>
                 <a14:m>
                   <m:oMath xmlns:m="http://schemas.openxmlformats.org/officeDocument/2006/math">
-                    <m:r>
-                      <a:rPr lang="en-US" i="1">
-                        <a:latin typeface="Cambria Math"/>
-                        <a:ea typeface="Cambria Math"/>
-                      </a:rPr>
-                      <m:t>𝜌</m:t>
-                    </m:r>
+                    <m:acc>
+                      <m:accPr>
+                        <m:chr m:val="⃗"/>
+                        <m:ctrlPr>
+                          <a:rPr lang="en-US" i="1">
+                            <a:latin typeface="Cambria Math" panose="02040503050406030204" pitchFamily="18" charset="0"/>
+                          </a:rPr>
+                        </m:ctrlPr>
+                      </m:accPr>
+                      <m:e>
+                        <m:r>
+                          <a:rPr lang="en-US" i="1">
+                            <a:latin typeface="Cambria Math" panose="02040503050406030204" pitchFamily="18" charset="0"/>
+                          </a:rPr>
+                          <m:t>𝐹</m:t>
+                        </m:r>
+                      </m:e>
+                    </m:acc>
                   </m:oMath>
                 </a14:m>
                 <a:r>
-                  <a:rPr lang="en-US" b="0" dirty="0">
-                    <a:ea typeface="Cambria Math"/>
-                  </a:rPr>
-                  <a:t> is the density of the air, </a:t>
+                  <a:rPr lang="en-US" dirty="0"/>
+                  <a:t> and </a:t>
                 </a:r>
                 <a14:m>
                   <m:oMath xmlns:m="http://schemas.openxmlformats.org/officeDocument/2006/math">
-                    <m:r>
-                      <a:rPr lang="en-US" i="1">
-                        <a:latin typeface="Cambria Math"/>
-                        <a:ea typeface="Cambria Math"/>
-                      </a:rPr>
-                      <m:t>𝑣</m:t>
-                    </m:r>
+                    <m:acc>
+                      <m:accPr>
+                        <m:chr m:val="⃗"/>
+                        <m:ctrlPr>
+                          <a:rPr lang="en-US" i="1">
+                            <a:latin typeface="Cambria Math" panose="02040503050406030204" pitchFamily="18" charset="0"/>
+                          </a:rPr>
+                        </m:ctrlPr>
+                      </m:accPr>
+                      <m:e>
+                        <m:r>
+                          <a:rPr lang="en-US" i="1">
+                            <a:latin typeface="Cambria Math" panose="02040503050406030204" pitchFamily="18" charset="0"/>
+                          </a:rPr>
+                          <m:t>𝑎</m:t>
+                        </m:r>
+                      </m:e>
+                    </m:acc>
                   </m:oMath>
                 </a14:m>
                 <a:r>
-                  <a:rPr lang="en-US" b="0" dirty="0">
-                    <a:ea typeface="Cambria Math"/>
-                  </a:rPr>
-                  <a:t> is the velocity, </a:t>
-                </a:r>
-                <a14:m>
-                  <m:oMath xmlns:m="http://schemas.openxmlformats.org/officeDocument/2006/math">
-                    <m:sSub>
-                      <m:sSubPr>
-                        <m:ctrlPr>
-                          <a:rPr lang="en-US" i="1">
-                            <a:latin typeface="Cambria Math" panose="02040503050406030204" pitchFamily="18" charset="0"/>
-                            <a:ea typeface="Cambria Math"/>
-                          </a:rPr>
-                        </m:ctrlPr>
-                      </m:sSubPr>
-                      <m:e>
-                        <m:r>
-                          <a:rPr lang="en-US" i="1">
-                            <a:latin typeface="Cambria Math"/>
-                            <a:ea typeface="Cambria Math"/>
-                          </a:rPr>
-                          <m:t>𝑐</m:t>
-                        </m:r>
-                      </m:e>
-                      <m:sub>
-                        <m:r>
-                          <a:rPr lang="en-US" i="1">
-                            <a:latin typeface="Cambria Math"/>
-                            <a:ea typeface="Cambria Math"/>
-                          </a:rPr>
-                          <m:t>𝑑</m:t>
-                        </m:r>
-                      </m:sub>
-                    </m:sSub>
-                  </m:oMath>
-                </a14:m>
-                <a:r>
-                  <a:rPr lang="en-US" b="0" dirty="0">
-                    <a:ea typeface="Cambria Math"/>
-                  </a:rPr>
-                  <a:t> is the drag coefficient, and </a:t>
-                </a:r>
-                <a14:m>
-                  <m:oMath xmlns:m="http://schemas.openxmlformats.org/officeDocument/2006/math">
-                    <m:r>
-                      <a:rPr lang="en-US" i="1">
-                        <a:latin typeface="Cambria Math"/>
-                        <a:ea typeface="Cambria Math"/>
-                      </a:rPr>
-                      <m:t>𝐴</m:t>
-                    </m:r>
-                  </m:oMath>
-                </a14:m>
-                <a:r>
-                  <a:rPr lang="en-US" dirty="0">
-                    <a:ea typeface="Cambria Math"/>
-                  </a:rPr>
-                  <a:t> is the frontal area.  If a Mazda RX7 has a drag coefficient of .29, a frontal area of 5.95 square feet, and a max power output of 146 hp, and the density of air is .002326 slug/ft</a:t>
+                  <a:rPr lang="en-US" dirty="0"/>
+                  <a:t> are vectors, so in many cases we will break these force and acceleration vectors down into components and have </a:t>
                 </a:r>
                 <a:r>
-                  <a:rPr lang="en-US" baseline="30000" dirty="0">
-                    <a:ea typeface="Cambria Math"/>
-                  </a:rPr>
-                  <a:t>3</a:t>
+                  <a:rPr lang="en-US" b="1" dirty="0"/>
+                  <a:t>equations of motion</a:t>
                 </a:r>
                 <a:r>
-                  <a:rPr lang="en-US" dirty="0">
-                    <a:ea typeface="Cambria Math"/>
-                  </a:rPr>
-                  <a:t> what is the theoretical top speed of the Mazda assuming it only has to fight wind resistance?</a:t>
+                  <a:rPr lang="en-US" dirty="0"/>
+                  <a:t> for each component direction.</a:t>
                 </a:r>
+              </a:p>
+              <a:p>
+                <a:r>
+                  <a:rPr lang="en-US" dirty="0"/>
+                  <a:t>By solving this equation (or equations) we can find either the forces given the accelerations, or the accelerations given the forces.</a:t>
+                </a:r>
+              </a:p>
+              <a:p>
+                <a:endParaRPr lang="en-US" dirty="0"/>
               </a:p>
             </p:txBody>
           </p:sp>
         </mc:Choice>
-        <mc:Fallback xmlns="">
+        <mc:Fallback>
           <p:sp>
             <p:nvSpPr>
               <p:cNvPr id="3" name="Content Placeholder 2"/>
@@ -4376,12 +4097,12 @@
             <p:spPr>
               <a:xfrm>
                 <a:off x="457200" y="1600200"/>
-                <a:ext cx="8001000" cy="3581400"/>
+                <a:ext cx="8229600" cy="4648200"/>
               </a:xfrm>
               <a:blipFill>
                 <a:blip r:embed="rId2"/>
                 <a:stretch>
-                  <a:fillRect l="-1219" t="-3237"/>
+                  <a:fillRect l="-1037" t="-2493" r="-148" b="-3150"/>
                 </a:stretch>
               </a:blipFill>
             </p:spPr>
@@ -4417,2100 +4138,16 @@
           <a:p>
             <a:fld id="{929262FE-7F58-4A1E-8AF3-5A510A86DEBD}" type="slidenum">
               <a:rPr lang="en-US" smtClean="0"/>
-              <a:t>12</a:t>
+              <a:t>2</a:t>
             </a:fld>
             <a:endParaRPr lang="en-US"/>
-          </a:p>
-        </p:txBody>
-      </p:sp>
-      <p:pic>
-        <p:nvPicPr>
-          <p:cNvPr id="2050" name="Picture 2" descr="Mazda-RX-7-FD.jpg"/>
-          <p:cNvPicPr>
-            <a:picLocks noChangeAspect="1" noChangeArrowheads="1"/>
-          </p:cNvPicPr>
-          <p:nvPr/>
-        </p:nvPicPr>
-        <p:blipFill>
-          <a:blip r:embed="rId3">
-            <a:extLst>
-              <a:ext uri="{28A0092B-C50C-407E-A947-70E740481C1C}">
-                <a14:useLocalDpi xmlns:a14="http://schemas.microsoft.com/office/drawing/2010/main" val="0"/>
-              </a:ext>
-            </a:extLst>
-          </a:blip>
-          <a:srcRect/>
-          <a:stretch>
-            <a:fillRect/>
-          </a:stretch>
-        </p:blipFill>
-        <p:spPr bwMode="auto">
-          <a:xfrm>
-            <a:off x="2743200" y="4683986"/>
-            <a:ext cx="3657600" cy="1854926"/>
-          </a:xfrm>
-          <a:prstGeom prst="rect">
-            <a:avLst/>
-          </a:prstGeom>
-          <a:noFill/>
-          <a:extLst>
-            <a:ext uri="{909E8E84-426E-40DD-AFC4-6F175D3DCCD1}">
-              <a14:hiddenFill xmlns:a14="http://schemas.microsoft.com/office/drawing/2010/main">
-                <a:solidFill>
-                  <a:srgbClr val="FFFFFF"/>
-                </a:solidFill>
-              </a14:hiddenFill>
-            </a:ext>
-          </a:extLst>
-        </p:spPr>
-      </p:pic>
-    </p:spTree>
-    <p:extLst>
-      <p:ext uri="{BB962C8B-B14F-4D97-AF65-F5344CB8AC3E}">
-        <p14:creationId xmlns:p14="http://schemas.microsoft.com/office/powerpoint/2010/main" val="3943206623"/>
-      </p:ext>
-    </p:extLst>
-  </p:cSld>
-  <p:clrMapOvr>
-    <a:masterClrMapping/>
-  </p:clrMapOvr>
-</p:sld>
-</file>
-
-<file path=ppt/slides/slide2.xml><?xml version="1.0" encoding="utf-8"?>
-<p:sld xmlns:a="http://schemas.openxmlformats.org/drawingml/2006/main" xmlns:r="http://schemas.openxmlformats.org/officeDocument/2006/relationships" xmlns:p="http://schemas.openxmlformats.org/presentationml/2006/main">
-  <p:cSld>
-    <p:spTree>
-      <p:nvGrpSpPr>
-        <p:cNvPr id="1" name=""/>
-        <p:cNvGrpSpPr/>
-        <p:nvPr/>
-      </p:nvGrpSpPr>
-      <p:grpSpPr>
-        <a:xfrm>
-          <a:off x="0" y="0"/>
-          <a:ext cx="0" cy="0"/>
-          <a:chOff x="0" y="0"/>
-          <a:chExt cx="0" cy="0"/>
-        </a:xfrm>
-      </p:grpSpPr>
-      <p:sp>
-        <p:nvSpPr>
-          <p:cNvPr id="2" name="Title 1">
-            <a:extLst>
-              <a:ext uri="{FF2B5EF4-FFF2-40B4-BE49-F238E27FC236}">
-                <a16:creationId xmlns:a16="http://schemas.microsoft.com/office/drawing/2014/main" id="{03A2256D-408D-4D01-BBB8-EEE1C5E7378B}"/>
-              </a:ext>
-            </a:extLst>
-          </p:cNvPr>
-          <p:cNvSpPr>
-            <a:spLocks noGrp="1"/>
-          </p:cNvSpPr>
-          <p:nvPr>
-            <p:ph type="title"/>
-          </p:nvPr>
-        </p:nvSpPr>
-        <p:spPr/>
-        <p:txBody>
-          <a:bodyPr/>
-          <a:lstStyle/>
-          <a:p>
-            <a:r>
-              <a:rPr lang="en-US" dirty="0"/>
-              <a:t>Power</a:t>
-            </a:r>
-          </a:p>
-        </p:txBody>
-      </p:sp>
-      <mc:AlternateContent xmlns:mc="http://schemas.openxmlformats.org/markup-compatibility/2006">
-        <mc:Choice xmlns:a14="http://schemas.microsoft.com/office/drawing/2010/main" Requires="a14">
-          <p:sp>
-            <p:nvSpPr>
-              <p:cNvPr id="3" name="Content Placeholder 2">
-                <a:extLst>
-                  <a:ext uri="{FF2B5EF4-FFF2-40B4-BE49-F238E27FC236}">
-                    <a16:creationId xmlns:a16="http://schemas.microsoft.com/office/drawing/2014/main" id="{21A52C65-EBDF-415B-A90C-25E73480269E}"/>
-                  </a:ext>
-                </a:extLst>
-              </p:cNvPr>
-              <p:cNvSpPr>
-                <a:spLocks noGrp="1"/>
-              </p:cNvSpPr>
-              <p:nvPr>
-                <p:ph idx="1"/>
-              </p:nvPr>
-            </p:nvSpPr>
-            <p:spPr/>
-            <p:txBody>
-              <a:bodyPr/>
-              <a:lstStyle/>
-              <a:p>
-                <a:r>
-                  <a:rPr lang="en-US" dirty="0"/>
-                  <a:t>The concept of power is simply the </a:t>
-                </a:r>
-                <a:r>
-                  <a:rPr lang="en-US" b="1" dirty="0"/>
-                  <a:t>rate at which you can perform work</a:t>
-                </a:r>
-                <a:r>
-                  <a:rPr lang="en-US" dirty="0"/>
-                  <a:t>.</a:t>
-                </a:r>
-              </a:p>
-              <a:p>
-                <a:pPr lvl="1"/>
-                <a:r>
-                  <a:rPr lang="en-US" dirty="0"/>
-                  <a:t>Because of the conservation of energy relationship, this is equal to the rate at which energy is changing.</a:t>
-                </a:r>
-              </a:p>
-              <a:p>
-                <a:r>
-                  <a:rPr lang="en-US" dirty="0"/>
-                  <a:t>Putting this into an equation, we arrive at the following</a:t>
-                </a:r>
-              </a:p>
-              <a:p>
-                <a:pPr marL="0" indent="0">
-                  <a:buNone/>
-                </a:pPr>
-                <a14:m>
-                  <m:oMathPara xmlns:m="http://schemas.openxmlformats.org/officeDocument/2006/math">
-                    <m:oMathParaPr>
-                      <m:jc m:val="centerGroup"/>
-                    </m:oMathParaPr>
-                    <m:oMath xmlns:m="http://schemas.openxmlformats.org/officeDocument/2006/math">
-                      <m:r>
-                        <a:rPr lang="en-US" b="0" i="1" smtClean="0">
-                          <a:latin typeface="Cambria Math" panose="02040503050406030204" pitchFamily="18" charset="0"/>
-                        </a:rPr>
-                        <m:t>𝑃𝑜𝑤𝑒𝑟</m:t>
-                      </m:r>
-                      <m:r>
-                        <a:rPr lang="en-US" b="0" i="1" smtClean="0">
-                          <a:latin typeface="Cambria Math" panose="02040503050406030204" pitchFamily="18" charset="0"/>
-                        </a:rPr>
-                        <m:t>=</m:t>
-                      </m:r>
-                      <m:r>
-                        <a:rPr lang="en-US" i="1">
-                          <a:latin typeface="Cambria Math" panose="02040503050406030204" pitchFamily="18" charset="0"/>
-                        </a:rPr>
-                        <m:t>𝑃</m:t>
-                      </m:r>
-                      <m:r>
-                        <a:rPr lang="en-US" i="1">
-                          <a:latin typeface="Cambria Math"/>
-                        </a:rPr>
-                        <m:t>= </m:t>
-                      </m:r>
-                      <m:f>
-                        <m:fPr>
-                          <m:ctrlPr>
-                            <a:rPr lang="en-US" i="1">
-                              <a:latin typeface="Cambria Math" panose="02040503050406030204" pitchFamily="18" charset="0"/>
-                            </a:rPr>
-                          </m:ctrlPr>
-                        </m:fPr>
-                        <m:num>
-                          <m:r>
-                            <a:rPr lang="en-US" b="0" i="1" smtClean="0">
-                              <a:latin typeface="Cambria Math" panose="02040503050406030204" pitchFamily="18" charset="0"/>
-                            </a:rPr>
-                            <m:t>𝑑</m:t>
-                          </m:r>
-                          <m:r>
-                            <a:rPr lang="en-US" i="1">
-                              <a:latin typeface="Cambria Math"/>
-                            </a:rPr>
-                            <m:t>𝑊</m:t>
-                          </m:r>
-                        </m:num>
-                        <m:den>
-                          <m:r>
-                            <a:rPr lang="en-US" b="0" i="1" smtClean="0">
-                              <a:latin typeface="Cambria Math" panose="02040503050406030204" pitchFamily="18" charset="0"/>
-                            </a:rPr>
-                            <m:t>𝑑</m:t>
-                          </m:r>
-                          <m:r>
-                            <a:rPr lang="en-US" i="1">
-                              <a:latin typeface="Cambria Math"/>
-                              <a:ea typeface="Cambria Math"/>
-                            </a:rPr>
-                            <m:t>𝑡</m:t>
-                          </m:r>
-                        </m:den>
-                      </m:f>
-                      <m:r>
-                        <a:rPr lang="en-US" b="0" i="1" smtClean="0">
-                          <a:latin typeface="Cambria Math" panose="02040503050406030204" pitchFamily="18" charset="0"/>
-                          <a:ea typeface="Cambria Math"/>
-                        </a:rPr>
-                        <m:t>=</m:t>
-                      </m:r>
-                      <m:acc>
-                        <m:accPr>
-                          <m:chr m:val="̇"/>
-                          <m:ctrlPr>
-                            <a:rPr lang="en-US" b="0" i="1" smtClean="0">
-                              <a:latin typeface="Cambria Math" panose="02040503050406030204" pitchFamily="18" charset="0"/>
-                              <a:ea typeface="Cambria Math"/>
-                            </a:rPr>
-                          </m:ctrlPr>
-                        </m:accPr>
-                        <m:e>
-                          <m:r>
-                            <a:rPr lang="en-US" b="0" i="1" smtClean="0">
-                              <a:latin typeface="Cambria Math" panose="02040503050406030204" pitchFamily="18" charset="0"/>
-                              <a:ea typeface="Cambria Math"/>
-                            </a:rPr>
-                            <m:t>𝑊</m:t>
-                          </m:r>
-                        </m:e>
-                      </m:acc>
-                    </m:oMath>
-                  </m:oMathPara>
-                </a14:m>
-                <a:endParaRPr lang="en-US" dirty="0"/>
-              </a:p>
-            </p:txBody>
-          </p:sp>
-        </mc:Choice>
-        <mc:Fallback>
-          <p:sp>
-            <p:nvSpPr>
-              <p:cNvPr id="3" name="Content Placeholder 2">
-                <a:extLst>
-                  <a:ext uri="{FF2B5EF4-FFF2-40B4-BE49-F238E27FC236}">
-                    <a16:creationId xmlns:a16="http://schemas.microsoft.com/office/drawing/2014/main" id="{21A52C65-EBDF-415B-A90C-25E73480269E}"/>
-                  </a:ext>
-                </a:extLst>
-              </p:cNvPr>
-              <p:cNvSpPr>
-                <a:spLocks noGrp="1" noRot="1" noChangeAspect="1" noMove="1" noResize="1" noEditPoints="1" noAdjustHandles="1" noChangeArrowheads="1" noChangeShapeType="1" noTextEdit="1"/>
-              </p:cNvSpPr>
-              <p:nvPr>
-                <p:ph idx="1"/>
-              </p:nvPr>
-            </p:nvSpPr>
-            <p:spPr>
-              <a:blipFill>
-                <a:blip r:embed="rId2"/>
-                <a:stretch>
-                  <a:fillRect l="-1704" t="-1752" r="-444"/>
-                </a:stretch>
-              </a:blipFill>
-            </p:spPr>
-            <p:txBody>
-              <a:bodyPr/>
-              <a:lstStyle/>
-              <a:p>
-                <a:r>
-                  <a:rPr lang="en-US">
-                    <a:noFill/>
-                  </a:rPr>
-                  <a:t> </a:t>
-                </a:r>
-              </a:p>
-            </p:txBody>
-          </p:sp>
-        </mc:Fallback>
-      </mc:AlternateContent>
-    </p:spTree>
-    <p:extLst>
-      <p:ext uri="{BB962C8B-B14F-4D97-AF65-F5344CB8AC3E}">
-        <p14:creationId xmlns:p14="http://schemas.microsoft.com/office/powerpoint/2010/main" val="991979740"/>
-      </p:ext>
-    </p:extLst>
-  </p:cSld>
-  <p:clrMapOvr>
-    <a:masterClrMapping/>
-  </p:clrMapOvr>
-  <p:timing>
-    <p:tnLst>
-      <p:par>
-        <p:cTn id="1" dur="indefinite" restart="never" nodeType="tmRoot">
-          <p:childTnLst>
-            <p:seq concurrent="1" nextAc="seek">
-              <p:cTn id="2" dur="indefinite" nodeType="mainSeq">
-                <p:childTnLst>
-                  <p:par>
-                    <p:cTn id="3" fill="hold">
-                      <p:stCondLst>
-                        <p:cond delay="indefinite"/>
-                      </p:stCondLst>
-                      <p:childTnLst>
-                        <p:par>
-                          <p:cTn id="4" fill="hold">
-                            <p:stCondLst>
-                              <p:cond delay="0"/>
-                            </p:stCondLst>
-                            <p:childTnLst>
-                              <p:par>
-                                <p:cTn id="5" presetID="1" presetClass="entr" presetSubtype="0" fill="hold" grpId="0" nodeType="clickEffect">
-                                  <p:stCondLst>
-                                    <p:cond delay="0"/>
-                                  </p:stCondLst>
-                                  <p:childTnLst>
-                                    <p:set>
-                                      <p:cBhvr>
-                                        <p:cTn id="6" dur="1" fill="hold">
-                                          <p:stCondLst>
-                                            <p:cond delay="0"/>
-                                          </p:stCondLst>
-                                        </p:cTn>
-                                        <p:tgtEl>
-                                          <p:spTgt spid="3">
-                                            <p:txEl>
-                                              <p:pRg st="0" end="0"/>
-                                            </p:txEl>
-                                          </p:spTgt>
-                                        </p:tgtEl>
-                                        <p:attrNameLst>
-                                          <p:attrName>style.visibility</p:attrName>
-                                        </p:attrNameLst>
-                                      </p:cBhvr>
-                                      <p:to>
-                                        <p:strVal val="visible"/>
-                                      </p:to>
-                                    </p:set>
-                                  </p:childTnLst>
-                                </p:cTn>
-                              </p:par>
-                            </p:childTnLst>
-                          </p:cTn>
-                        </p:par>
-                      </p:childTnLst>
-                    </p:cTn>
-                  </p:par>
-                  <p:par>
-                    <p:cTn id="7" fill="hold">
-                      <p:stCondLst>
-                        <p:cond delay="indefinite"/>
-                      </p:stCondLst>
-                      <p:childTnLst>
-                        <p:par>
-                          <p:cTn id="8" fill="hold">
-                            <p:stCondLst>
-                              <p:cond delay="0"/>
-                            </p:stCondLst>
-                            <p:childTnLst>
-                              <p:par>
-                                <p:cTn id="9" presetID="1" presetClass="entr" presetSubtype="0" fill="hold" grpId="0" nodeType="clickEffect">
-                                  <p:stCondLst>
-                                    <p:cond delay="0"/>
-                                  </p:stCondLst>
-                                  <p:childTnLst>
-                                    <p:set>
-                                      <p:cBhvr>
-                                        <p:cTn id="10" dur="1" fill="hold">
-                                          <p:stCondLst>
-                                            <p:cond delay="0"/>
-                                          </p:stCondLst>
-                                        </p:cTn>
-                                        <p:tgtEl>
-                                          <p:spTgt spid="3">
-                                            <p:txEl>
-                                              <p:pRg st="1" end="1"/>
-                                            </p:txEl>
-                                          </p:spTgt>
-                                        </p:tgtEl>
-                                        <p:attrNameLst>
-                                          <p:attrName>style.visibility</p:attrName>
-                                        </p:attrNameLst>
-                                      </p:cBhvr>
-                                      <p:to>
-                                        <p:strVal val="visible"/>
-                                      </p:to>
-                                    </p:set>
-                                  </p:childTnLst>
-                                </p:cTn>
-                              </p:par>
-                            </p:childTnLst>
-                          </p:cTn>
-                        </p:par>
-                      </p:childTnLst>
-                    </p:cTn>
-                  </p:par>
-                  <p:par>
-                    <p:cTn id="11" fill="hold">
-                      <p:stCondLst>
-                        <p:cond delay="indefinite"/>
-                      </p:stCondLst>
-                      <p:childTnLst>
-                        <p:par>
-                          <p:cTn id="12" fill="hold">
-                            <p:stCondLst>
-                              <p:cond delay="0"/>
-                            </p:stCondLst>
-                            <p:childTnLst>
-                              <p:par>
-                                <p:cTn id="13" presetID="1" presetClass="entr" presetSubtype="0" fill="hold" grpId="0" nodeType="clickEffect">
-                                  <p:stCondLst>
-                                    <p:cond delay="0"/>
-                                  </p:stCondLst>
-                                  <p:childTnLst>
-                                    <p:set>
-                                      <p:cBhvr>
-                                        <p:cTn id="14" dur="1" fill="hold">
-                                          <p:stCondLst>
-                                            <p:cond delay="0"/>
-                                          </p:stCondLst>
-                                        </p:cTn>
-                                        <p:tgtEl>
-                                          <p:spTgt spid="3">
-                                            <p:txEl>
-                                              <p:pRg st="2" end="2"/>
-                                            </p:txEl>
-                                          </p:spTgt>
-                                        </p:tgtEl>
-                                        <p:attrNameLst>
-                                          <p:attrName>style.visibility</p:attrName>
-                                        </p:attrNameLst>
-                                      </p:cBhvr>
-                                      <p:to>
-                                        <p:strVal val="visible"/>
-                                      </p:to>
-                                    </p:set>
-                                  </p:childTnLst>
-                                </p:cTn>
-                              </p:par>
-                            </p:childTnLst>
-                          </p:cTn>
-                        </p:par>
-                      </p:childTnLst>
-                    </p:cTn>
-                  </p:par>
-                  <p:par>
-                    <p:cTn id="15" fill="hold">
-                      <p:stCondLst>
-                        <p:cond delay="indefinite"/>
-                      </p:stCondLst>
-                      <p:childTnLst>
-                        <p:par>
-                          <p:cTn id="16" fill="hold">
-                            <p:stCondLst>
-                              <p:cond delay="0"/>
-                            </p:stCondLst>
-                            <p:childTnLst>
-                              <p:par>
-                                <p:cTn id="17" presetID="1" presetClass="entr" presetSubtype="0" fill="hold" grpId="0" nodeType="clickEffect">
-                                  <p:stCondLst>
-                                    <p:cond delay="0"/>
-                                  </p:stCondLst>
-                                  <p:childTnLst>
-                                    <p:set>
-                                      <p:cBhvr>
-                                        <p:cTn id="18" dur="1" fill="hold">
-                                          <p:stCondLst>
-                                            <p:cond delay="0"/>
-                                          </p:stCondLst>
-                                        </p:cTn>
-                                        <p:tgtEl>
-                                          <p:spTgt spid="3">
-                                            <p:txEl>
-                                              <p:pRg st="3" end="3"/>
-                                            </p:txEl>
-                                          </p:spTgt>
-                                        </p:tgtEl>
-                                        <p:attrNameLst>
-                                          <p:attrName>style.visibility</p:attrName>
-                                        </p:attrNameLst>
-                                      </p:cBhvr>
-                                      <p:to>
-                                        <p:strVal val="visible"/>
-                                      </p:to>
-                                    </p:set>
-                                  </p:childTnLst>
-                                </p:cTn>
-                              </p:par>
-                            </p:childTnLst>
-                          </p:cTn>
-                        </p:par>
-                      </p:childTnLst>
-                    </p:cTn>
-                  </p:par>
-                </p:childTnLst>
-              </p:cTn>
-              <p:prevCondLst>
-                <p:cond evt="onPrev" delay="0">
-                  <p:tgtEl>
-                    <p:sldTgt/>
-                  </p:tgtEl>
-                </p:cond>
-              </p:prevCondLst>
-              <p:nextCondLst>
-                <p:cond evt="onNext" delay="0">
-                  <p:tgtEl>
-                    <p:sldTgt/>
-                  </p:tgtEl>
-                </p:cond>
-              </p:nextCondLst>
-            </p:seq>
-          </p:childTnLst>
-        </p:cTn>
-      </p:par>
-    </p:tnLst>
-    <p:bldLst>
-      <p:bldP spid="3" grpId="0" uiExpand="1" build="p"/>
-    </p:bldLst>
-  </p:timing>
-</p:sld>
-</file>
-
-<file path=ppt/slides/slide3.xml><?xml version="1.0" encoding="utf-8"?>
-<p:sld xmlns:a="http://schemas.openxmlformats.org/drawingml/2006/main" xmlns:r="http://schemas.openxmlformats.org/officeDocument/2006/relationships" xmlns:p="http://schemas.openxmlformats.org/presentationml/2006/main">
-  <p:cSld>
-    <p:spTree>
-      <p:nvGrpSpPr>
-        <p:cNvPr id="1" name=""/>
-        <p:cNvGrpSpPr/>
-        <p:nvPr/>
-      </p:nvGrpSpPr>
-      <p:grpSpPr>
-        <a:xfrm>
-          <a:off x="0" y="0"/>
-          <a:ext cx="0" cy="0"/>
-          <a:chOff x="0" y="0"/>
-          <a:chExt cx="0" cy="0"/>
-        </a:xfrm>
-      </p:grpSpPr>
-      <p:sp>
-        <p:nvSpPr>
-          <p:cNvPr id="2" name="Title 1"/>
-          <p:cNvSpPr>
-            <a:spLocks noGrp="1"/>
-          </p:cNvSpPr>
-          <p:nvPr>
-            <p:ph type="title"/>
-          </p:nvPr>
-        </p:nvSpPr>
-        <p:spPr/>
-        <p:txBody>
-          <a:bodyPr/>
-          <a:lstStyle/>
-          <a:p>
-            <a:r>
-              <a:rPr lang="en-US" dirty="0"/>
-              <a:t>Power</a:t>
-            </a:r>
-          </a:p>
-        </p:txBody>
-      </p:sp>
-      <mc:AlternateContent xmlns:mc="http://schemas.openxmlformats.org/markup-compatibility/2006" xmlns:a14="http://schemas.microsoft.com/office/drawing/2010/main">
-        <mc:Choice Requires="a14">
-          <p:sp>
-            <p:nvSpPr>
-              <p:cNvPr id="3" name="Content Placeholder 2"/>
-              <p:cNvSpPr>
-                <a:spLocks noGrp="1"/>
-              </p:cNvSpPr>
-              <p:nvPr>
-                <p:ph idx="1"/>
-              </p:nvPr>
-            </p:nvSpPr>
-            <p:spPr/>
-            <p:txBody>
-              <a:bodyPr>
-                <a:normAutofit fontScale="92500"/>
-              </a:bodyPr>
-              <a:lstStyle/>
-              <a:p>
-                <a:r>
-                  <a:rPr lang="en-US" dirty="0"/>
-                  <a:t>If we look at the average power exerted over a set period of time, we can simply divide the work done (or change in energy) by the time it took to do that work</a:t>
-                </a:r>
-              </a:p>
-              <a:p>
-                <a:pPr marL="0" indent="0">
-                  <a:buNone/>
-                </a:pPr>
-                <a14:m>
-                  <m:oMathPara xmlns:m="http://schemas.openxmlformats.org/officeDocument/2006/math">
-                    <m:oMathParaPr>
-                      <m:jc m:val="centerGroup"/>
-                    </m:oMathParaPr>
-                    <m:oMath xmlns:m="http://schemas.openxmlformats.org/officeDocument/2006/math">
-                      <m:sSub>
-                        <m:sSubPr>
-                          <m:ctrlPr>
-                            <a:rPr lang="en-US" b="0" i="1" smtClean="0">
-                              <a:latin typeface="Cambria Math" panose="02040503050406030204" pitchFamily="18" charset="0"/>
-                            </a:rPr>
-                          </m:ctrlPr>
-                        </m:sSubPr>
-                        <m:e>
-                          <m:r>
-                            <a:rPr lang="en-US" b="0" i="1" smtClean="0">
-                              <a:latin typeface="Cambria Math" panose="02040503050406030204" pitchFamily="18" charset="0"/>
-                            </a:rPr>
-                            <m:t>𝑃</m:t>
-                          </m:r>
-                        </m:e>
-                        <m:sub>
-                          <m:r>
-                            <a:rPr lang="en-US" b="0" i="1" smtClean="0">
-                              <a:latin typeface="Cambria Math" panose="02040503050406030204" pitchFamily="18" charset="0"/>
-                            </a:rPr>
-                            <m:t>𝑎𝑣𝑒</m:t>
-                          </m:r>
-                        </m:sub>
-                      </m:sSub>
-                      <m:r>
-                        <a:rPr lang="en-US" b="0" i="1" smtClean="0">
-                          <a:latin typeface="Cambria Math"/>
-                        </a:rPr>
-                        <m:t>= </m:t>
-                      </m:r>
-                      <m:f>
-                        <m:fPr>
-                          <m:ctrlPr>
-                            <a:rPr lang="en-US" b="0" i="1" smtClean="0">
-                              <a:latin typeface="Cambria Math" panose="02040503050406030204" pitchFamily="18" charset="0"/>
-                            </a:rPr>
-                          </m:ctrlPr>
-                        </m:fPr>
-                        <m:num>
-                          <m:r>
-                            <a:rPr lang="en-US" b="0" i="1" smtClean="0">
-                              <a:latin typeface="Cambria Math"/>
-                            </a:rPr>
-                            <m:t>𝑊</m:t>
-                          </m:r>
-                        </m:num>
-                        <m:den>
-                          <m:r>
-                            <a:rPr lang="en-US" b="0" i="1" smtClean="0">
-                              <a:latin typeface="Cambria Math"/>
-                              <a:ea typeface="Cambria Math"/>
-                            </a:rPr>
-                            <m:t>𝑡</m:t>
-                          </m:r>
-                        </m:den>
-                      </m:f>
-                    </m:oMath>
-                  </m:oMathPara>
-                </a14:m>
-                <a:endParaRPr lang="en-US" dirty="0"/>
-              </a:p>
-              <a:p>
-                <a:r>
-                  <a:rPr lang="en-US" dirty="0"/>
-                  <a:t>Working in the other direction, we can also define work as the average power times the time</a:t>
-                </a:r>
-              </a:p>
-              <a:p>
-                <a:pPr marL="0" indent="0">
-                  <a:buNone/>
-                </a:pPr>
-                <a14:m>
-                  <m:oMathPara xmlns:m="http://schemas.openxmlformats.org/officeDocument/2006/math">
-                    <m:oMathParaPr>
-                      <m:jc m:val="centerGroup"/>
-                    </m:oMathParaPr>
-                    <m:oMath xmlns:m="http://schemas.openxmlformats.org/officeDocument/2006/math">
-                      <m:r>
-                        <a:rPr lang="en-US" b="0" i="1" smtClean="0">
-                          <a:latin typeface="Cambria Math"/>
-                          <a:ea typeface="Cambria Math"/>
-                        </a:rPr>
-                        <m:t>(</m:t>
-                      </m:r>
-                      <m:sSub>
-                        <m:sSubPr>
-                          <m:ctrlPr>
-                            <a:rPr lang="en-US" i="1">
-                              <a:latin typeface="Cambria Math" panose="02040503050406030204" pitchFamily="18" charset="0"/>
-                            </a:rPr>
-                          </m:ctrlPr>
-                        </m:sSubPr>
-                        <m:e>
-                          <m:r>
-                            <a:rPr lang="en-US" i="1">
-                              <a:latin typeface="Cambria Math" panose="02040503050406030204" pitchFamily="18" charset="0"/>
-                            </a:rPr>
-                            <m:t>𝑃</m:t>
-                          </m:r>
-                        </m:e>
-                        <m:sub>
-                          <m:r>
-                            <a:rPr lang="en-US" i="1">
-                              <a:latin typeface="Cambria Math" panose="02040503050406030204" pitchFamily="18" charset="0"/>
-                            </a:rPr>
-                            <m:t>𝑎𝑣𝑒</m:t>
-                          </m:r>
-                        </m:sub>
-                      </m:sSub>
-                      <m:r>
-                        <a:rPr lang="en-US" b="0" i="1" smtClean="0">
-                          <a:latin typeface="Cambria Math"/>
-                          <a:ea typeface="Cambria Math"/>
-                        </a:rPr>
-                        <m:t>)(</m:t>
-                      </m:r>
-                      <m:r>
-                        <a:rPr lang="en-US" i="1">
-                          <a:latin typeface="Cambria Math"/>
-                          <a:ea typeface="Cambria Math"/>
-                        </a:rPr>
-                        <m:t>𝑡</m:t>
-                      </m:r>
-                      <m:r>
-                        <a:rPr lang="en-US" b="0" i="1" smtClean="0">
-                          <a:latin typeface="Cambria Math"/>
-                          <a:ea typeface="Cambria Math"/>
-                        </a:rPr>
-                        <m:t>)</m:t>
-                      </m:r>
-                      <m:r>
-                        <a:rPr lang="en-US" i="1">
-                          <a:latin typeface="Cambria Math"/>
-                        </a:rPr>
-                        <m:t>=</m:t>
-                      </m:r>
-                      <m:r>
-                        <a:rPr lang="en-US" i="1">
-                          <a:latin typeface="Cambria Math"/>
-                        </a:rPr>
-                        <m:t>𝑊</m:t>
-                      </m:r>
-                    </m:oMath>
-                  </m:oMathPara>
-                </a14:m>
-                <a:endParaRPr lang="en-US" dirty="0"/>
-              </a:p>
-            </p:txBody>
-          </p:sp>
-        </mc:Choice>
-        <mc:Fallback xmlns="">
-          <p:sp>
-            <p:nvSpPr>
-              <p:cNvPr id="3" name="Content Placeholder 2"/>
-              <p:cNvSpPr>
-                <a:spLocks noGrp="1" noRot="1" noChangeAspect="1" noMove="1" noResize="1" noEditPoints="1" noAdjustHandles="1" noChangeArrowheads="1" noChangeShapeType="1" noTextEdit="1"/>
-              </p:cNvSpPr>
-              <p:nvPr>
-                <p:ph idx="1"/>
-              </p:nvPr>
-            </p:nvSpPr>
-            <p:spPr>
-              <a:blipFill>
-                <a:blip r:embed="rId2"/>
-                <a:stretch>
-                  <a:fillRect l="-1481" t="-1617" r="-1407"/>
-                </a:stretch>
-              </a:blipFill>
-            </p:spPr>
-            <p:txBody>
-              <a:bodyPr/>
-              <a:lstStyle/>
-              <a:p>
-                <a:r>
-                  <a:rPr lang="en-US">
-                    <a:noFill/>
-                  </a:rPr>
-                  <a:t> </a:t>
-                </a:r>
-              </a:p>
-            </p:txBody>
-          </p:sp>
-        </mc:Fallback>
-      </mc:AlternateContent>
-      <p:sp>
-        <p:nvSpPr>
-          <p:cNvPr id="4" name="Slide Number Placeholder 3"/>
-          <p:cNvSpPr>
-            <a:spLocks noGrp="1"/>
-          </p:cNvSpPr>
-          <p:nvPr>
-            <p:ph type="sldNum" sz="quarter" idx="12"/>
-          </p:nvPr>
-        </p:nvSpPr>
-        <p:spPr/>
-        <p:txBody>
-          <a:bodyPr/>
-          <a:lstStyle/>
-          <a:p>
-            <a:pPr marL="0" marR="0" lvl="0" indent="0" algn="r" defTabSz="914400" rtl="0" eaLnBrk="1" fontAlgn="auto" latinLnBrk="0" hangingPunct="1">
-              <a:lnSpc>
-                <a:spcPct val="100000"/>
-              </a:lnSpc>
-              <a:spcBef>
-                <a:spcPts val="0"/>
-              </a:spcBef>
-              <a:spcAft>
-                <a:spcPts val="0"/>
-              </a:spcAft>
-              <a:buClrTx/>
-              <a:buSzTx/>
-              <a:buFontTx/>
-              <a:buNone/>
-              <a:tabLst/>
-              <a:defRPr/>
-            </a:pPr>
-            <a:fld id="{929262FE-7F58-4A1E-8AF3-5A510A86DEBD}" type="slidenum">
-              <a:rPr kumimoji="0" lang="en-US" sz="1200" b="0" i="0" u="none" strike="noStrike" kern="1200" cap="none" spc="0" normalizeH="0" baseline="0" noProof="0" smtClean="0">
-                <a:ln>
-                  <a:noFill/>
-                </a:ln>
-                <a:solidFill>
-                  <a:srgbClr val="4F81BD">
-                    <a:lumMod val="50000"/>
-                  </a:srgbClr>
-                </a:solidFill>
-                <a:effectLst/>
-                <a:uLnTx/>
-                <a:uFillTx/>
-                <a:latin typeface="Calibri"/>
-                <a:ea typeface="+mn-ea"/>
-                <a:cs typeface="+mn-cs"/>
-              </a:rPr>
-              <a:pPr marL="0" marR="0" lvl="0" indent="0" algn="r" defTabSz="914400" rtl="0" eaLnBrk="1" fontAlgn="auto" latinLnBrk="0" hangingPunct="1">
-                <a:lnSpc>
-                  <a:spcPct val="100000"/>
-                </a:lnSpc>
-                <a:spcBef>
-                  <a:spcPts val="0"/>
-                </a:spcBef>
-                <a:spcAft>
-                  <a:spcPts val="0"/>
-                </a:spcAft>
-                <a:buClrTx/>
-                <a:buSzTx/>
-                <a:buFontTx/>
-                <a:buNone/>
-                <a:tabLst/>
-                <a:defRPr/>
-              </a:pPr>
-              <a:t>3</a:t>
-            </a:fld>
-            <a:endParaRPr kumimoji="0" lang="en-US" sz="1200" b="0" i="0" u="none" strike="noStrike" kern="1200" cap="none" spc="0" normalizeH="0" baseline="0" noProof="0">
-              <a:ln>
-                <a:noFill/>
-              </a:ln>
-              <a:solidFill>
-                <a:srgbClr val="4F81BD">
-                  <a:lumMod val="50000"/>
-                </a:srgbClr>
-              </a:solidFill>
-              <a:effectLst/>
-              <a:uLnTx/>
-              <a:uFillTx/>
-              <a:latin typeface="Calibri"/>
-              <a:ea typeface="+mn-ea"/>
-              <a:cs typeface="+mn-cs"/>
-            </a:endParaRPr>
           </a:p>
         </p:txBody>
       </p:sp>
     </p:spTree>
     <p:extLst>
       <p:ext uri="{BB962C8B-B14F-4D97-AF65-F5344CB8AC3E}">
-        <p14:creationId xmlns:p14="http://schemas.microsoft.com/office/powerpoint/2010/main" val="3452144473"/>
-      </p:ext>
-    </p:extLst>
-  </p:cSld>
-  <p:clrMapOvr>
-    <a:masterClrMapping/>
-  </p:clrMapOvr>
-  <p:timing>
-    <p:tnLst>
-      <p:par>
-        <p:cTn id="1" dur="indefinite" restart="never" nodeType="tmRoot">
-          <p:childTnLst>
-            <p:seq concurrent="1" nextAc="seek">
-              <p:cTn id="2" dur="indefinite" nodeType="mainSeq">
-                <p:childTnLst>
-                  <p:par>
-                    <p:cTn id="3" fill="hold">
-                      <p:stCondLst>
-                        <p:cond delay="indefinite"/>
-                      </p:stCondLst>
-                      <p:childTnLst>
-                        <p:par>
-                          <p:cTn id="4" fill="hold">
-                            <p:stCondLst>
-                              <p:cond delay="0"/>
-                            </p:stCondLst>
-                            <p:childTnLst>
-                              <p:par>
-                                <p:cTn id="5" presetID="1" presetClass="entr" presetSubtype="0" fill="hold" grpId="0" nodeType="clickEffect">
-                                  <p:stCondLst>
-                                    <p:cond delay="0"/>
-                                  </p:stCondLst>
-                                  <p:childTnLst>
-                                    <p:set>
-                                      <p:cBhvr>
-                                        <p:cTn id="6" dur="1" fill="hold">
-                                          <p:stCondLst>
-                                            <p:cond delay="0"/>
-                                          </p:stCondLst>
-                                        </p:cTn>
-                                        <p:tgtEl>
-                                          <p:spTgt spid="3">
-                                            <p:txEl>
-                                              <p:pRg st="0" end="0"/>
-                                            </p:txEl>
-                                          </p:spTgt>
-                                        </p:tgtEl>
-                                        <p:attrNameLst>
-                                          <p:attrName>style.visibility</p:attrName>
-                                        </p:attrNameLst>
-                                      </p:cBhvr>
-                                      <p:to>
-                                        <p:strVal val="visible"/>
-                                      </p:to>
-                                    </p:set>
-                                  </p:childTnLst>
-                                </p:cTn>
-                              </p:par>
-                            </p:childTnLst>
-                          </p:cTn>
-                        </p:par>
-                      </p:childTnLst>
-                    </p:cTn>
-                  </p:par>
-                  <p:par>
-                    <p:cTn id="7" fill="hold">
-                      <p:stCondLst>
-                        <p:cond delay="indefinite"/>
-                      </p:stCondLst>
-                      <p:childTnLst>
-                        <p:par>
-                          <p:cTn id="8" fill="hold">
-                            <p:stCondLst>
-                              <p:cond delay="0"/>
-                            </p:stCondLst>
-                            <p:childTnLst>
-                              <p:par>
-                                <p:cTn id="9" presetID="1" presetClass="entr" presetSubtype="0" fill="hold" grpId="0" nodeType="clickEffect">
-                                  <p:stCondLst>
-                                    <p:cond delay="0"/>
-                                  </p:stCondLst>
-                                  <p:childTnLst>
-                                    <p:set>
-                                      <p:cBhvr>
-                                        <p:cTn id="10" dur="1" fill="hold">
-                                          <p:stCondLst>
-                                            <p:cond delay="0"/>
-                                          </p:stCondLst>
-                                        </p:cTn>
-                                        <p:tgtEl>
-                                          <p:spTgt spid="3">
-                                            <p:txEl>
-                                              <p:pRg st="1" end="1"/>
-                                            </p:txEl>
-                                          </p:spTgt>
-                                        </p:tgtEl>
-                                        <p:attrNameLst>
-                                          <p:attrName>style.visibility</p:attrName>
-                                        </p:attrNameLst>
-                                      </p:cBhvr>
-                                      <p:to>
-                                        <p:strVal val="visible"/>
-                                      </p:to>
-                                    </p:set>
-                                  </p:childTnLst>
-                                </p:cTn>
-                              </p:par>
-                            </p:childTnLst>
-                          </p:cTn>
-                        </p:par>
-                      </p:childTnLst>
-                    </p:cTn>
-                  </p:par>
-                  <p:par>
-                    <p:cTn id="11" fill="hold">
-                      <p:stCondLst>
-                        <p:cond delay="indefinite"/>
-                      </p:stCondLst>
-                      <p:childTnLst>
-                        <p:par>
-                          <p:cTn id="12" fill="hold">
-                            <p:stCondLst>
-                              <p:cond delay="0"/>
-                            </p:stCondLst>
-                            <p:childTnLst>
-                              <p:par>
-                                <p:cTn id="13" presetID="1" presetClass="entr" presetSubtype="0" fill="hold" grpId="0" nodeType="clickEffect">
-                                  <p:stCondLst>
-                                    <p:cond delay="0"/>
-                                  </p:stCondLst>
-                                  <p:childTnLst>
-                                    <p:set>
-                                      <p:cBhvr>
-                                        <p:cTn id="14" dur="1" fill="hold">
-                                          <p:stCondLst>
-                                            <p:cond delay="0"/>
-                                          </p:stCondLst>
-                                        </p:cTn>
-                                        <p:tgtEl>
-                                          <p:spTgt spid="3">
-                                            <p:txEl>
-                                              <p:pRg st="2" end="2"/>
-                                            </p:txEl>
-                                          </p:spTgt>
-                                        </p:tgtEl>
-                                        <p:attrNameLst>
-                                          <p:attrName>style.visibility</p:attrName>
-                                        </p:attrNameLst>
-                                      </p:cBhvr>
-                                      <p:to>
-                                        <p:strVal val="visible"/>
-                                      </p:to>
-                                    </p:set>
-                                  </p:childTnLst>
-                                </p:cTn>
-                              </p:par>
-                            </p:childTnLst>
-                          </p:cTn>
-                        </p:par>
-                      </p:childTnLst>
-                    </p:cTn>
-                  </p:par>
-                  <p:par>
-                    <p:cTn id="15" fill="hold">
-                      <p:stCondLst>
-                        <p:cond delay="indefinite"/>
-                      </p:stCondLst>
-                      <p:childTnLst>
-                        <p:par>
-                          <p:cTn id="16" fill="hold">
-                            <p:stCondLst>
-                              <p:cond delay="0"/>
-                            </p:stCondLst>
-                            <p:childTnLst>
-                              <p:par>
-                                <p:cTn id="17" presetID="1" presetClass="entr" presetSubtype="0" fill="hold" grpId="0" nodeType="clickEffect">
-                                  <p:stCondLst>
-                                    <p:cond delay="0"/>
-                                  </p:stCondLst>
-                                  <p:childTnLst>
-                                    <p:set>
-                                      <p:cBhvr>
-                                        <p:cTn id="18" dur="1" fill="hold">
-                                          <p:stCondLst>
-                                            <p:cond delay="0"/>
-                                          </p:stCondLst>
-                                        </p:cTn>
-                                        <p:tgtEl>
-                                          <p:spTgt spid="3">
-                                            <p:txEl>
-                                              <p:pRg st="3" end="3"/>
-                                            </p:txEl>
-                                          </p:spTgt>
-                                        </p:tgtEl>
-                                        <p:attrNameLst>
-                                          <p:attrName>style.visibility</p:attrName>
-                                        </p:attrNameLst>
-                                      </p:cBhvr>
-                                      <p:to>
-                                        <p:strVal val="visible"/>
-                                      </p:to>
-                                    </p:set>
-                                  </p:childTnLst>
-                                </p:cTn>
-                              </p:par>
-                            </p:childTnLst>
-                          </p:cTn>
-                        </p:par>
-                      </p:childTnLst>
-                    </p:cTn>
-                  </p:par>
-                </p:childTnLst>
-              </p:cTn>
-              <p:prevCondLst>
-                <p:cond evt="onPrev" delay="0">
-                  <p:tgtEl>
-                    <p:sldTgt/>
-                  </p:tgtEl>
-                </p:cond>
-              </p:prevCondLst>
-              <p:nextCondLst>
-                <p:cond evt="onNext" delay="0">
-                  <p:tgtEl>
-                    <p:sldTgt/>
-                  </p:tgtEl>
-                </p:cond>
-              </p:nextCondLst>
-            </p:seq>
-          </p:childTnLst>
-        </p:cTn>
-      </p:par>
-    </p:tnLst>
-    <p:bldLst>
-      <p:bldP spid="3" grpId="0" build="p"/>
-    </p:bldLst>
-  </p:timing>
-</p:sld>
-</file>
-
-<file path=ppt/slides/slide4.xml><?xml version="1.0" encoding="utf-8"?>
-<p:sld xmlns:a="http://schemas.openxmlformats.org/drawingml/2006/main" xmlns:r="http://schemas.openxmlformats.org/officeDocument/2006/relationships" xmlns:p="http://schemas.openxmlformats.org/presentationml/2006/main">
-  <p:cSld>
-    <p:spTree>
-      <p:nvGrpSpPr>
-        <p:cNvPr id="1" name=""/>
-        <p:cNvGrpSpPr/>
-        <p:nvPr/>
-      </p:nvGrpSpPr>
-      <p:grpSpPr>
-        <a:xfrm>
-          <a:off x="0" y="0"/>
-          <a:ext cx="0" cy="0"/>
-          <a:chOff x="0" y="0"/>
-          <a:chExt cx="0" cy="0"/>
-        </a:xfrm>
-      </p:grpSpPr>
-      <p:sp>
-        <p:nvSpPr>
-          <p:cNvPr id="2" name="Title 1">
-            <a:extLst>
-              <a:ext uri="{FF2B5EF4-FFF2-40B4-BE49-F238E27FC236}">
-                <a16:creationId xmlns:a16="http://schemas.microsoft.com/office/drawing/2014/main" id="{C801553E-6EC1-49AC-BE71-596628474C10}"/>
-              </a:ext>
-            </a:extLst>
-          </p:cNvPr>
-          <p:cNvSpPr>
-            <a:spLocks noGrp="1"/>
-          </p:cNvSpPr>
-          <p:nvPr>
-            <p:ph type="title"/>
-          </p:nvPr>
-        </p:nvSpPr>
-        <p:spPr/>
-        <p:txBody>
-          <a:bodyPr/>
-          <a:lstStyle/>
-          <a:p>
-            <a:r>
-              <a:rPr lang="en-US" dirty="0"/>
-              <a:t>Power</a:t>
-            </a:r>
-          </a:p>
-        </p:txBody>
-      </p:sp>
-      <p:sp>
-        <p:nvSpPr>
-          <p:cNvPr id="3" name="Content Placeholder 2">
-            <a:extLst>
-              <a:ext uri="{FF2B5EF4-FFF2-40B4-BE49-F238E27FC236}">
-                <a16:creationId xmlns:a16="http://schemas.microsoft.com/office/drawing/2014/main" id="{132A610D-CA09-480C-8852-FFAE264B7093}"/>
-              </a:ext>
-            </a:extLst>
-          </p:cNvPr>
-          <p:cNvSpPr>
-            <a:spLocks noGrp="1"/>
-          </p:cNvSpPr>
-          <p:nvPr>
-            <p:ph idx="1"/>
-          </p:nvPr>
-        </p:nvSpPr>
-        <p:spPr>
-          <a:xfrm>
-            <a:off x="457200" y="1600201"/>
-            <a:ext cx="8229600" cy="2821494"/>
-          </a:xfrm>
-        </p:spPr>
-        <p:txBody>
-          <a:bodyPr>
-            <a:normAutofit fontScale="92500" lnSpcReduction="20000"/>
-          </a:bodyPr>
-          <a:lstStyle/>
-          <a:p>
-            <a:r>
-              <a:rPr lang="en-US" dirty="0"/>
-              <a:t>In examining the impact of power, we can imagine the two cars of similar mass shown below.</a:t>
-            </a:r>
-          </a:p>
-          <a:p>
-            <a:pPr lvl="1"/>
-            <a:r>
-              <a:rPr lang="en-US" dirty="0"/>
-              <a:t>They will both take the same amount of work to go from a standstill to a set speed.</a:t>
-            </a:r>
-          </a:p>
-          <a:p>
-            <a:pPr lvl="1"/>
-            <a:r>
-              <a:rPr lang="en-US" dirty="0"/>
-              <a:t>The more powerful car however will be able to make this change more quickly.</a:t>
-            </a:r>
-          </a:p>
-        </p:txBody>
-      </p:sp>
-      <p:pic>
-        <p:nvPicPr>
-          <p:cNvPr id="1026" name="Picture 2" descr="Two cars with differing power.">
-            <a:extLst>
-              <a:ext uri="{FF2B5EF4-FFF2-40B4-BE49-F238E27FC236}">
-                <a16:creationId xmlns:a16="http://schemas.microsoft.com/office/drawing/2014/main" id="{70DA2D8B-9EFA-4959-B703-E9E6D36EE876}"/>
-              </a:ext>
-            </a:extLst>
-          </p:cNvPr>
-          <p:cNvPicPr>
-            <a:picLocks noChangeAspect="1" noChangeArrowheads="1"/>
-          </p:cNvPicPr>
-          <p:nvPr/>
-        </p:nvPicPr>
-        <p:blipFill>
-          <a:blip r:embed="rId2">
-            <a:extLst>
-              <a:ext uri="{28A0092B-C50C-407E-A947-70E740481C1C}">
-                <a14:useLocalDpi xmlns:a14="http://schemas.microsoft.com/office/drawing/2010/main" val="0"/>
-              </a:ext>
-            </a:extLst>
-          </a:blip>
-          <a:srcRect/>
-          <a:stretch>
-            <a:fillRect/>
-          </a:stretch>
-        </p:blipFill>
-        <p:spPr bwMode="auto">
-          <a:xfrm>
-            <a:off x="1485900" y="4421695"/>
-            <a:ext cx="6172200" cy="2129409"/>
-          </a:xfrm>
-          <a:prstGeom prst="rect">
-            <a:avLst/>
-          </a:prstGeom>
-          <a:noFill/>
-          <a:extLst>
-            <a:ext uri="{909E8E84-426E-40DD-AFC4-6F175D3DCCD1}">
-              <a14:hiddenFill xmlns:a14="http://schemas.microsoft.com/office/drawing/2010/main">
-                <a:solidFill>
-                  <a:srgbClr val="FFFFFF"/>
-                </a:solidFill>
-              </a14:hiddenFill>
-            </a:ext>
-          </a:extLst>
-        </p:spPr>
-      </p:pic>
-    </p:spTree>
-    <p:extLst>
-      <p:ext uri="{BB962C8B-B14F-4D97-AF65-F5344CB8AC3E}">
-        <p14:creationId xmlns:p14="http://schemas.microsoft.com/office/powerpoint/2010/main" val="1021310584"/>
-      </p:ext>
-    </p:extLst>
-  </p:cSld>
-  <p:clrMapOvr>
-    <a:masterClrMapping/>
-  </p:clrMapOvr>
-  <p:timing>
-    <p:tnLst>
-      <p:par>
-        <p:cTn id="1" dur="indefinite" restart="never" nodeType="tmRoot">
-          <p:childTnLst>
-            <p:seq concurrent="1" nextAc="seek">
-              <p:cTn id="2" dur="indefinite" nodeType="mainSeq">
-                <p:childTnLst>
-                  <p:par>
-                    <p:cTn id="3" fill="hold">
-                      <p:stCondLst>
-                        <p:cond delay="indefinite"/>
-                      </p:stCondLst>
-                      <p:childTnLst>
-                        <p:par>
-                          <p:cTn id="4" fill="hold">
-                            <p:stCondLst>
-                              <p:cond delay="0"/>
-                            </p:stCondLst>
-                            <p:childTnLst>
-                              <p:par>
-                                <p:cTn id="5" presetID="1" presetClass="entr" presetSubtype="0" fill="hold" grpId="0" nodeType="clickEffect">
-                                  <p:stCondLst>
-                                    <p:cond delay="0"/>
-                                  </p:stCondLst>
-                                  <p:childTnLst>
-                                    <p:set>
-                                      <p:cBhvr>
-                                        <p:cTn id="6" dur="1" fill="hold">
-                                          <p:stCondLst>
-                                            <p:cond delay="0"/>
-                                          </p:stCondLst>
-                                        </p:cTn>
-                                        <p:tgtEl>
-                                          <p:spTgt spid="3">
-                                            <p:txEl>
-                                              <p:pRg st="0" end="0"/>
-                                            </p:txEl>
-                                          </p:spTgt>
-                                        </p:tgtEl>
-                                        <p:attrNameLst>
-                                          <p:attrName>style.visibility</p:attrName>
-                                        </p:attrNameLst>
-                                      </p:cBhvr>
-                                      <p:to>
-                                        <p:strVal val="visible"/>
-                                      </p:to>
-                                    </p:set>
-                                  </p:childTnLst>
-                                </p:cTn>
-                              </p:par>
-                            </p:childTnLst>
-                          </p:cTn>
-                        </p:par>
-                      </p:childTnLst>
-                    </p:cTn>
-                  </p:par>
-                  <p:par>
-                    <p:cTn id="7" fill="hold">
-                      <p:stCondLst>
-                        <p:cond delay="indefinite"/>
-                      </p:stCondLst>
-                      <p:childTnLst>
-                        <p:par>
-                          <p:cTn id="8" fill="hold">
-                            <p:stCondLst>
-                              <p:cond delay="0"/>
-                            </p:stCondLst>
-                            <p:childTnLst>
-                              <p:par>
-                                <p:cTn id="9" presetID="1" presetClass="entr" presetSubtype="0" fill="hold" nodeType="clickEffect">
-                                  <p:stCondLst>
-                                    <p:cond delay="0"/>
-                                  </p:stCondLst>
-                                  <p:childTnLst>
-                                    <p:set>
-                                      <p:cBhvr>
-                                        <p:cTn id="10" dur="1" fill="hold">
-                                          <p:stCondLst>
-                                            <p:cond delay="0"/>
-                                          </p:stCondLst>
-                                        </p:cTn>
-                                        <p:tgtEl>
-                                          <p:spTgt spid="1026"/>
-                                        </p:tgtEl>
-                                        <p:attrNameLst>
-                                          <p:attrName>style.visibility</p:attrName>
-                                        </p:attrNameLst>
-                                      </p:cBhvr>
-                                      <p:to>
-                                        <p:strVal val="visible"/>
-                                      </p:to>
-                                    </p:set>
-                                  </p:childTnLst>
-                                </p:cTn>
-                              </p:par>
-                            </p:childTnLst>
-                          </p:cTn>
-                        </p:par>
-                      </p:childTnLst>
-                    </p:cTn>
-                  </p:par>
-                  <p:par>
-                    <p:cTn id="11" fill="hold">
-                      <p:stCondLst>
-                        <p:cond delay="indefinite"/>
-                      </p:stCondLst>
-                      <p:childTnLst>
-                        <p:par>
-                          <p:cTn id="12" fill="hold">
-                            <p:stCondLst>
-                              <p:cond delay="0"/>
-                            </p:stCondLst>
-                            <p:childTnLst>
-                              <p:par>
-                                <p:cTn id="13" presetID="1" presetClass="entr" presetSubtype="0" fill="hold" grpId="0" nodeType="clickEffect">
-                                  <p:stCondLst>
-                                    <p:cond delay="0"/>
-                                  </p:stCondLst>
-                                  <p:childTnLst>
-                                    <p:set>
-                                      <p:cBhvr>
-                                        <p:cTn id="14" dur="1" fill="hold">
-                                          <p:stCondLst>
-                                            <p:cond delay="0"/>
-                                          </p:stCondLst>
-                                        </p:cTn>
-                                        <p:tgtEl>
-                                          <p:spTgt spid="3">
-                                            <p:txEl>
-                                              <p:pRg st="1" end="1"/>
-                                            </p:txEl>
-                                          </p:spTgt>
-                                        </p:tgtEl>
-                                        <p:attrNameLst>
-                                          <p:attrName>style.visibility</p:attrName>
-                                        </p:attrNameLst>
-                                      </p:cBhvr>
-                                      <p:to>
-                                        <p:strVal val="visible"/>
-                                      </p:to>
-                                    </p:set>
-                                  </p:childTnLst>
-                                </p:cTn>
-                              </p:par>
-                            </p:childTnLst>
-                          </p:cTn>
-                        </p:par>
-                      </p:childTnLst>
-                    </p:cTn>
-                  </p:par>
-                  <p:par>
-                    <p:cTn id="15" fill="hold">
-                      <p:stCondLst>
-                        <p:cond delay="indefinite"/>
-                      </p:stCondLst>
-                      <p:childTnLst>
-                        <p:par>
-                          <p:cTn id="16" fill="hold">
-                            <p:stCondLst>
-                              <p:cond delay="0"/>
-                            </p:stCondLst>
-                            <p:childTnLst>
-                              <p:par>
-                                <p:cTn id="17" presetID="1" presetClass="entr" presetSubtype="0" fill="hold" grpId="0" nodeType="clickEffect">
-                                  <p:stCondLst>
-                                    <p:cond delay="0"/>
-                                  </p:stCondLst>
-                                  <p:childTnLst>
-                                    <p:set>
-                                      <p:cBhvr>
-                                        <p:cTn id="18" dur="1" fill="hold">
-                                          <p:stCondLst>
-                                            <p:cond delay="0"/>
-                                          </p:stCondLst>
-                                        </p:cTn>
-                                        <p:tgtEl>
-                                          <p:spTgt spid="3">
-                                            <p:txEl>
-                                              <p:pRg st="2" end="2"/>
-                                            </p:txEl>
-                                          </p:spTgt>
-                                        </p:tgtEl>
-                                        <p:attrNameLst>
-                                          <p:attrName>style.visibility</p:attrName>
-                                        </p:attrNameLst>
-                                      </p:cBhvr>
-                                      <p:to>
-                                        <p:strVal val="visible"/>
-                                      </p:to>
-                                    </p:set>
-                                  </p:childTnLst>
-                                </p:cTn>
-                              </p:par>
-                            </p:childTnLst>
-                          </p:cTn>
-                        </p:par>
-                      </p:childTnLst>
-                    </p:cTn>
-                  </p:par>
-                </p:childTnLst>
-              </p:cTn>
-              <p:prevCondLst>
-                <p:cond evt="onPrev" delay="0">
-                  <p:tgtEl>
-                    <p:sldTgt/>
-                  </p:tgtEl>
-                </p:cond>
-              </p:prevCondLst>
-              <p:nextCondLst>
-                <p:cond evt="onNext" delay="0">
-                  <p:tgtEl>
-                    <p:sldTgt/>
-                  </p:tgtEl>
-                </p:cond>
-              </p:nextCondLst>
-            </p:seq>
-          </p:childTnLst>
-        </p:cTn>
-      </p:par>
-    </p:tnLst>
-    <p:bldLst>
-      <p:bldP spid="3" grpId="0" uiExpand="1" build="p"/>
-    </p:bldLst>
-  </p:timing>
-</p:sld>
-</file>
-
-<file path=ppt/slides/slide5.xml><?xml version="1.0" encoding="utf-8"?>
-<p:sld xmlns:a="http://schemas.openxmlformats.org/drawingml/2006/main" xmlns:r="http://schemas.openxmlformats.org/officeDocument/2006/relationships" xmlns:p="http://schemas.openxmlformats.org/presentationml/2006/main">
-  <p:cSld>
-    <p:spTree>
-      <p:nvGrpSpPr>
-        <p:cNvPr id="1" name=""/>
-        <p:cNvGrpSpPr/>
-        <p:nvPr/>
-      </p:nvGrpSpPr>
-      <p:grpSpPr>
-        <a:xfrm>
-          <a:off x="0" y="0"/>
-          <a:ext cx="0" cy="0"/>
-          <a:chOff x="0" y="0"/>
-          <a:chExt cx="0" cy="0"/>
-        </a:xfrm>
-      </p:grpSpPr>
-      <p:sp>
-        <p:nvSpPr>
-          <p:cNvPr id="2" name="Title 1"/>
-          <p:cNvSpPr>
-            <a:spLocks noGrp="1"/>
-          </p:cNvSpPr>
-          <p:nvPr>
-            <p:ph type="title"/>
-          </p:nvPr>
-        </p:nvSpPr>
-        <p:spPr/>
-        <p:txBody>
-          <a:bodyPr>
-            <a:normAutofit fontScale="90000"/>
-          </a:bodyPr>
-          <a:lstStyle/>
-          <a:p>
-            <a:r>
-              <a:rPr lang="en-US" dirty="0"/>
-              <a:t>Power (Translational and Rotational)</a:t>
-            </a:r>
-          </a:p>
-        </p:txBody>
-      </p:sp>
-      <mc:AlternateContent xmlns:mc="http://schemas.openxmlformats.org/markup-compatibility/2006" xmlns:a14="http://schemas.microsoft.com/office/drawing/2010/main">
-        <mc:Choice Requires="a14">
-          <p:sp>
-            <p:nvSpPr>
-              <p:cNvPr id="3" name="Content Placeholder 2"/>
-              <p:cNvSpPr>
-                <a:spLocks noGrp="1"/>
-              </p:cNvSpPr>
-              <p:nvPr>
-                <p:ph idx="1"/>
-              </p:nvPr>
-            </p:nvSpPr>
-            <p:spPr/>
-            <p:txBody>
-              <a:bodyPr>
-                <a:normAutofit lnSpcReduction="10000"/>
-              </a:bodyPr>
-              <a:lstStyle/>
-              <a:p>
-                <a:r>
-                  <a:rPr lang="en-US" dirty="0"/>
-                  <a:t>For a translational system with no rotation...</a:t>
-                </a:r>
-              </a:p>
-              <a:p>
-                <a:pPr marL="0" indent="0">
-                  <a:buNone/>
-                </a:pPr>
-                <a14:m>
-                  <m:oMathPara xmlns:m="http://schemas.openxmlformats.org/officeDocument/2006/math">
-                    <m:oMathParaPr>
-                      <m:jc m:val="centerGroup"/>
-                    </m:oMathParaPr>
-                    <m:oMath xmlns:m="http://schemas.openxmlformats.org/officeDocument/2006/math">
-                      <m:r>
-                        <a:rPr lang="en-US" i="1">
-                          <a:latin typeface="Cambria Math"/>
-                          <a:ea typeface="Cambria Math"/>
-                        </a:rPr>
-                        <m:t>𝒫</m:t>
-                      </m:r>
-                      <m:r>
-                        <a:rPr lang="en-US" i="1">
-                          <a:latin typeface="Cambria Math"/>
-                        </a:rPr>
-                        <m:t>= </m:t>
-                      </m:r>
-                      <m:f>
-                        <m:fPr>
-                          <m:ctrlPr>
-                            <a:rPr lang="en-US" i="1">
-                              <a:latin typeface="Cambria Math" panose="02040503050406030204" pitchFamily="18" charset="0"/>
-                            </a:rPr>
-                          </m:ctrlPr>
-                        </m:fPr>
-                        <m:num>
-                          <m:r>
-                            <a:rPr lang="en-US" i="1">
-                              <a:latin typeface="Cambria Math"/>
-                            </a:rPr>
-                            <m:t>𝑊</m:t>
-                          </m:r>
-                        </m:num>
-                        <m:den>
-                          <m:r>
-                            <a:rPr lang="en-US" i="1">
-                              <a:latin typeface="Cambria Math"/>
-                              <a:ea typeface="Cambria Math"/>
-                            </a:rPr>
-                            <m:t>𝑡</m:t>
-                          </m:r>
-                        </m:den>
-                      </m:f>
-                      <m:r>
-                        <a:rPr lang="en-US" b="0" i="1" smtClean="0">
-                          <a:latin typeface="Cambria Math"/>
-                          <a:ea typeface="Cambria Math"/>
-                        </a:rPr>
-                        <m:t>=</m:t>
-                      </m:r>
-                      <m:f>
-                        <m:fPr>
-                          <m:ctrlPr>
-                            <a:rPr lang="en-US" i="1">
-                              <a:latin typeface="Cambria Math" panose="02040503050406030204" pitchFamily="18" charset="0"/>
-                            </a:rPr>
-                          </m:ctrlPr>
-                        </m:fPr>
-                        <m:num>
-                          <m:r>
-                            <a:rPr lang="en-US" b="0" i="1" smtClean="0">
-                              <a:latin typeface="Cambria Math"/>
-                            </a:rPr>
-                            <m:t>(</m:t>
-                          </m:r>
-                          <m:r>
-                            <a:rPr lang="en-US" b="0" i="1" smtClean="0">
-                              <a:latin typeface="Cambria Math"/>
-                            </a:rPr>
-                            <m:t>𝐹</m:t>
-                          </m:r>
-                          <m:r>
-                            <a:rPr lang="en-US" b="0" i="1" smtClean="0">
-                              <a:latin typeface="Cambria Math"/>
-                            </a:rPr>
-                            <m:t>) (</m:t>
-                          </m:r>
-                          <m:r>
-                            <a:rPr lang="en-US" b="0" i="1" smtClean="0">
-                              <a:latin typeface="Cambria Math"/>
-                            </a:rPr>
-                            <m:t>𝑑</m:t>
-                          </m:r>
-                          <m:r>
-                            <a:rPr lang="en-US" b="0" i="1" smtClean="0">
-                              <a:latin typeface="Cambria Math"/>
-                            </a:rPr>
-                            <m:t>)</m:t>
-                          </m:r>
-                        </m:num>
-                        <m:den>
-                          <m:r>
-                            <a:rPr lang="en-US" i="1">
-                              <a:latin typeface="Cambria Math"/>
-                              <a:ea typeface="Cambria Math"/>
-                            </a:rPr>
-                            <m:t>𝑡</m:t>
-                          </m:r>
-                        </m:den>
-                      </m:f>
-                      <m:r>
-                        <a:rPr lang="en-US" b="0" i="1" smtClean="0">
-                          <a:latin typeface="Cambria Math"/>
-                          <a:ea typeface="Cambria Math"/>
-                        </a:rPr>
-                        <m:t>=(</m:t>
-                      </m:r>
-                      <m:r>
-                        <a:rPr lang="en-US" i="1">
-                          <a:latin typeface="Cambria Math"/>
-                        </a:rPr>
-                        <m:t>𝐹</m:t>
-                      </m:r>
-                      <m:r>
-                        <a:rPr lang="en-US" b="0" i="1" smtClean="0">
-                          <a:latin typeface="Cambria Math"/>
-                        </a:rPr>
-                        <m:t>)</m:t>
-                      </m:r>
-                      <m:r>
-                        <a:rPr lang="en-US" i="1">
-                          <a:latin typeface="Cambria Math"/>
-                        </a:rPr>
-                        <m:t> </m:t>
-                      </m:r>
-                      <m:r>
-                        <a:rPr lang="en-US" b="0" i="1" smtClean="0">
-                          <a:latin typeface="Cambria Math"/>
-                        </a:rPr>
-                        <m:t>(</m:t>
-                      </m:r>
-                      <m:r>
-                        <a:rPr lang="en-US" b="0" i="1" smtClean="0">
-                          <a:latin typeface="Cambria Math"/>
-                        </a:rPr>
-                        <m:t>𝑣</m:t>
-                      </m:r>
-                      <m:r>
-                        <a:rPr lang="en-US" b="0" i="1" smtClean="0">
-                          <a:latin typeface="Cambria Math"/>
-                        </a:rPr>
-                        <m:t>)</m:t>
-                      </m:r>
-                    </m:oMath>
-                  </m:oMathPara>
-                </a14:m>
-                <a:endParaRPr lang="en-US" dirty="0"/>
-              </a:p>
-              <a:p>
-                <a:r>
-                  <a:rPr lang="en-US" dirty="0"/>
-                  <a:t>For a rotational system with no translation...</a:t>
-                </a:r>
-              </a:p>
-              <a:p>
-                <a:pPr marL="0" indent="0">
-                  <a:buNone/>
-                </a:pPr>
-                <a14:m>
-                  <m:oMathPara xmlns:m="http://schemas.openxmlformats.org/officeDocument/2006/math">
-                    <m:oMathParaPr>
-                      <m:jc m:val="centerGroup"/>
-                    </m:oMathParaPr>
-                    <m:oMath xmlns:m="http://schemas.openxmlformats.org/officeDocument/2006/math">
-                      <m:r>
-                        <a:rPr lang="en-US" i="1">
-                          <a:latin typeface="Cambria Math"/>
-                          <a:ea typeface="Cambria Math"/>
-                        </a:rPr>
-                        <m:t>𝒫</m:t>
-                      </m:r>
-                      <m:r>
-                        <a:rPr lang="en-US" i="1">
-                          <a:latin typeface="Cambria Math"/>
-                        </a:rPr>
-                        <m:t>= </m:t>
-                      </m:r>
-                      <m:f>
-                        <m:fPr>
-                          <m:ctrlPr>
-                            <a:rPr lang="en-US" i="1">
-                              <a:latin typeface="Cambria Math" panose="02040503050406030204" pitchFamily="18" charset="0"/>
-                            </a:rPr>
-                          </m:ctrlPr>
-                        </m:fPr>
-                        <m:num>
-                          <m:r>
-                            <a:rPr lang="en-US" i="1">
-                              <a:latin typeface="Cambria Math"/>
-                            </a:rPr>
-                            <m:t>𝑊</m:t>
-                          </m:r>
-                        </m:num>
-                        <m:den>
-                          <m:r>
-                            <a:rPr lang="en-US" i="1">
-                              <a:latin typeface="Cambria Math"/>
-                              <a:ea typeface="Cambria Math"/>
-                            </a:rPr>
-                            <m:t>𝑡</m:t>
-                          </m:r>
-                        </m:den>
-                      </m:f>
-                      <m:r>
-                        <a:rPr lang="en-US" i="1">
-                          <a:latin typeface="Cambria Math"/>
-                          <a:ea typeface="Cambria Math"/>
-                        </a:rPr>
-                        <m:t>=</m:t>
-                      </m:r>
-                      <m:f>
-                        <m:fPr>
-                          <m:ctrlPr>
-                            <a:rPr lang="en-US" i="1">
-                              <a:latin typeface="Cambria Math" panose="02040503050406030204" pitchFamily="18" charset="0"/>
-                            </a:rPr>
-                          </m:ctrlPr>
-                        </m:fPr>
-                        <m:num>
-                          <m:r>
-                            <a:rPr lang="en-US" b="0" i="1" smtClean="0">
-                              <a:latin typeface="Cambria Math"/>
-                            </a:rPr>
-                            <m:t>(</m:t>
-                          </m:r>
-                          <m:r>
-                            <a:rPr lang="en-US" b="0" i="1" smtClean="0">
-                              <a:latin typeface="Cambria Math"/>
-                            </a:rPr>
-                            <m:t>𝑀</m:t>
-                          </m:r>
-                          <m:r>
-                            <a:rPr lang="en-US" b="0" i="1" smtClean="0">
-                              <a:latin typeface="Cambria Math"/>
-                            </a:rPr>
-                            <m:t>) (∆</m:t>
-                          </m:r>
-                          <m:r>
-                            <a:rPr lang="en-US" b="0" i="1" smtClean="0">
-                              <a:latin typeface="Cambria Math"/>
-                              <a:ea typeface="Cambria Math"/>
-                            </a:rPr>
-                            <m:t>𝜃</m:t>
-                          </m:r>
-                          <m:r>
-                            <a:rPr lang="en-US" b="0" i="1" smtClean="0">
-                              <a:latin typeface="Cambria Math"/>
-                              <a:ea typeface="Cambria Math"/>
-                            </a:rPr>
-                            <m:t>)</m:t>
-                          </m:r>
-                        </m:num>
-                        <m:den>
-                          <m:r>
-                            <a:rPr lang="en-US" i="1">
-                              <a:latin typeface="Cambria Math"/>
-                              <a:ea typeface="Cambria Math"/>
-                            </a:rPr>
-                            <m:t>𝑡</m:t>
-                          </m:r>
-                        </m:den>
-                      </m:f>
-                      <m:r>
-                        <a:rPr lang="en-US" i="1">
-                          <a:latin typeface="Cambria Math"/>
-                          <a:ea typeface="Cambria Math"/>
-                        </a:rPr>
-                        <m:t>=</m:t>
-                      </m:r>
-                      <m:r>
-                        <a:rPr lang="en-US" b="0" i="1" smtClean="0">
-                          <a:latin typeface="Cambria Math"/>
-                          <a:ea typeface="Cambria Math"/>
-                        </a:rPr>
-                        <m:t>(</m:t>
-                      </m:r>
-                      <m:r>
-                        <a:rPr lang="en-US" b="0" i="1" smtClean="0">
-                          <a:latin typeface="Cambria Math"/>
-                          <a:ea typeface="Cambria Math"/>
-                        </a:rPr>
-                        <m:t>𝑀</m:t>
-                      </m:r>
-                      <m:r>
-                        <a:rPr lang="en-US" b="0" i="1" smtClean="0">
-                          <a:latin typeface="Cambria Math"/>
-                          <a:ea typeface="Cambria Math"/>
-                        </a:rPr>
-                        <m:t>) (</m:t>
-                      </m:r>
-                      <m:r>
-                        <a:rPr lang="en-US" i="1" smtClean="0">
-                          <a:latin typeface="Cambria Math"/>
-                          <a:ea typeface="Cambria Math"/>
-                        </a:rPr>
-                        <m:t>𝜔</m:t>
-                      </m:r>
-                      <m:r>
-                        <a:rPr lang="en-US" b="0" i="1" smtClean="0">
-                          <a:latin typeface="Cambria Math"/>
-                          <a:ea typeface="Cambria Math"/>
-                        </a:rPr>
-                        <m:t>)</m:t>
-                      </m:r>
-                    </m:oMath>
-                  </m:oMathPara>
-                </a14:m>
-                <a:endParaRPr lang="en-US" dirty="0"/>
-              </a:p>
-              <a:p>
-                <a:r>
-                  <a:rPr lang="en-US" dirty="0"/>
-                  <a:t>For a general system with translation and rotation...</a:t>
-                </a:r>
-              </a:p>
-              <a:p>
-                <a:pPr marL="0" indent="0">
-                  <a:buNone/>
-                </a:pPr>
-                <a14:m>
-                  <m:oMathPara xmlns:m="http://schemas.openxmlformats.org/officeDocument/2006/math">
-                    <m:oMathParaPr>
-                      <m:jc m:val="centerGroup"/>
-                    </m:oMathParaPr>
-                    <m:oMath xmlns:m="http://schemas.openxmlformats.org/officeDocument/2006/math">
-                      <m:r>
-                        <a:rPr lang="en-US" i="1">
-                          <a:latin typeface="Cambria Math"/>
-                          <a:ea typeface="Cambria Math"/>
-                        </a:rPr>
-                        <m:t>𝒫</m:t>
-                      </m:r>
-                      <m:r>
-                        <a:rPr lang="en-US" i="1">
-                          <a:latin typeface="Cambria Math"/>
-                          <a:ea typeface="Cambria Math"/>
-                        </a:rPr>
-                        <m:t>=(</m:t>
-                      </m:r>
-                      <m:r>
-                        <a:rPr lang="en-US" i="1">
-                          <a:latin typeface="Cambria Math"/>
-                        </a:rPr>
-                        <m:t>𝐹</m:t>
-                      </m:r>
-                      <m:r>
-                        <a:rPr lang="en-US" b="0" i="1" smtClean="0">
-                          <a:latin typeface="Cambria Math"/>
-                        </a:rPr>
-                        <m:t>)</m:t>
-                      </m:r>
-                      <m:r>
-                        <a:rPr lang="en-US" i="1">
-                          <a:latin typeface="Cambria Math"/>
-                        </a:rPr>
-                        <m:t>  </m:t>
-                      </m:r>
-                      <m:r>
-                        <a:rPr lang="en-US" b="0" i="1" smtClean="0">
-                          <a:latin typeface="Cambria Math"/>
-                        </a:rPr>
-                        <m:t>(</m:t>
-                      </m:r>
-                      <m:r>
-                        <a:rPr lang="en-US" i="1">
-                          <a:latin typeface="Cambria Math"/>
-                        </a:rPr>
-                        <m:t>𝑣</m:t>
-                      </m:r>
-                      <m:r>
-                        <a:rPr lang="en-US" b="0" i="1" smtClean="0">
-                          <a:latin typeface="Cambria Math"/>
-                        </a:rPr>
-                        <m:t>)</m:t>
-                      </m:r>
-                      <m:r>
-                        <a:rPr lang="en-US" b="0" i="0" smtClean="0">
-                          <a:latin typeface="Cambria Math"/>
-                        </a:rPr>
-                        <m:t>+</m:t>
-                      </m:r>
-                      <m:r>
-                        <a:rPr lang="en-US" b="0" i="1" smtClean="0">
-                          <a:latin typeface="Cambria Math"/>
-                        </a:rPr>
-                        <m:t>(</m:t>
-                      </m:r>
-                      <m:r>
-                        <a:rPr lang="en-US" i="1">
-                          <a:latin typeface="Cambria Math"/>
-                          <a:ea typeface="Cambria Math"/>
-                        </a:rPr>
-                        <m:t>𝑀</m:t>
-                      </m:r>
-                      <m:r>
-                        <a:rPr lang="en-US" b="0" i="1" smtClean="0">
-                          <a:latin typeface="Cambria Math"/>
-                          <a:ea typeface="Cambria Math"/>
-                        </a:rPr>
-                        <m:t>)</m:t>
-                      </m:r>
-                      <m:r>
-                        <a:rPr lang="en-US" i="1">
-                          <a:latin typeface="Cambria Math"/>
-                        </a:rPr>
-                        <m:t> </m:t>
-                      </m:r>
-                      <m:r>
-                        <a:rPr lang="en-US" b="0" i="1" smtClean="0">
-                          <a:latin typeface="Cambria Math"/>
-                        </a:rPr>
-                        <m:t>(</m:t>
-                      </m:r>
-                      <m:r>
-                        <a:rPr lang="en-US" i="1">
-                          <a:latin typeface="Cambria Math"/>
-                          <a:ea typeface="Cambria Math"/>
-                        </a:rPr>
-                        <m:t>𝜔</m:t>
-                      </m:r>
-                      <m:r>
-                        <a:rPr lang="en-US" b="0" i="1" smtClean="0">
-                          <a:latin typeface="Cambria Math"/>
-                          <a:ea typeface="Cambria Math"/>
-                        </a:rPr>
-                        <m:t>) </m:t>
-                      </m:r>
-                    </m:oMath>
-                  </m:oMathPara>
-                </a14:m>
-                <a:endParaRPr lang="en-US" dirty="0"/>
-              </a:p>
-              <a:p>
-                <a:pPr marL="0" indent="0">
-                  <a:buNone/>
-                </a:pPr>
-                <a:endParaRPr lang="en-US" dirty="0"/>
-              </a:p>
-              <a:p>
-                <a:pPr marL="0" indent="0">
-                  <a:buNone/>
-                </a:pPr>
-                <a:endParaRPr lang="en-US" dirty="0"/>
-              </a:p>
-              <a:p>
-                <a:pPr marL="0" indent="0">
-                  <a:buNone/>
-                </a:pPr>
-                <a:endParaRPr lang="en-US" dirty="0"/>
-              </a:p>
-            </p:txBody>
-          </p:sp>
-        </mc:Choice>
-        <mc:Fallback xmlns="">
-          <p:sp>
-            <p:nvSpPr>
-              <p:cNvPr id="3" name="Content Placeholder 2"/>
-              <p:cNvSpPr>
-                <a:spLocks noGrp="1" noRot="1" noChangeAspect="1" noMove="1" noResize="1" noEditPoints="1" noAdjustHandles="1" noChangeArrowheads="1" noChangeShapeType="1" noTextEdit="1"/>
-              </p:cNvSpPr>
-              <p:nvPr>
-                <p:ph idx="1"/>
-              </p:nvPr>
-            </p:nvSpPr>
-            <p:spPr>
-              <a:blipFill rotWithShape="1">
-                <a:blip r:embed="rId2"/>
-                <a:stretch>
-                  <a:fillRect l="-1630" t="-2830"/>
-                </a:stretch>
-              </a:blipFill>
-            </p:spPr>
-            <p:txBody>
-              <a:bodyPr/>
-              <a:lstStyle/>
-              <a:p>
-                <a:r>
-                  <a:rPr lang="en-US">
-                    <a:noFill/>
-                  </a:rPr>
-                  <a:t> </a:t>
-                </a:r>
-              </a:p>
-            </p:txBody>
-          </p:sp>
-        </mc:Fallback>
-      </mc:AlternateContent>
-      <p:sp>
-        <p:nvSpPr>
-          <p:cNvPr id="4" name="Slide Number Placeholder 3"/>
-          <p:cNvSpPr>
-            <a:spLocks noGrp="1"/>
-          </p:cNvSpPr>
-          <p:nvPr>
-            <p:ph type="sldNum" sz="quarter" idx="12"/>
-          </p:nvPr>
-        </p:nvSpPr>
-        <p:spPr/>
-        <p:txBody>
-          <a:bodyPr/>
-          <a:lstStyle/>
-          <a:p>
-            <a:fld id="{929262FE-7F58-4A1E-8AF3-5A510A86DEBD}" type="slidenum">
-              <a:rPr lang="en-US" smtClean="0"/>
-              <a:t>5</a:t>
-            </a:fld>
-            <a:endParaRPr lang="en-US"/>
-          </a:p>
-        </p:txBody>
-      </p:sp>
-    </p:spTree>
-    <p:extLst>
-      <p:ext uri="{BB962C8B-B14F-4D97-AF65-F5344CB8AC3E}">
-        <p14:creationId xmlns:p14="http://schemas.microsoft.com/office/powerpoint/2010/main" val="1220390016"/>
+        <p14:creationId xmlns:p14="http://schemas.microsoft.com/office/powerpoint/2010/main" val="371728822"/>
       </p:ext>
     </p:extLst>
   </p:cSld>
@@ -6770,27 +4407,628 @@
                       </p:childTnLst>
                     </p:cTn>
                   </p:par>
+                </p:childTnLst>
+              </p:cTn>
+              <p:prevCondLst>
+                <p:cond evt="onPrev" delay="0">
+                  <p:tgtEl>
+                    <p:sldTgt/>
+                  </p:tgtEl>
+                </p:cond>
+              </p:prevCondLst>
+              <p:nextCondLst>
+                <p:cond evt="onNext" delay="0">
+                  <p:tgtEl>
+                    <p:sldTgt/>
+                  </p:tgtEl>
+                </p:cond>
+              </p:nextCondLst>
+            </p:seq>
+          </p:childTnLst>
+        </p:cTn>
+      </p:par>
+    </p:tnLst>
+    <p:bldLst>
+      <p:bldP spid="3" grpId="0" build="p"/>
+    </p:bldLst>
+  </p:timing>
+</p:sld>
+</file>
+
+<file path=ppt/slides/slide3.xml><?xml version="1.0" encoding="utf-8"?>
+<p:sld xmlns:a="http://schemas.openxmlformats.org/drawingml/2006/main" xmlns:r="http://schemas.openxmlformats.org/officeDocument/2006/relationships" xmlns:p="http://schemas.openxmlformats.org/presentationml/2006/main">
+  <p:cSld>
+    <p:spTree>
+      <p:nvGrpSpPr>
+        <p:cNvPr id="1" name=""/>
+        <p:cNvGrpSpPr/>
+        <p:nvPr/>
+      </p:nvGrpSpPr>
+      <p:grpSpPr>
+        <a:xfrm>
+          <a:off x="0" y="0"/>
+          <a:ext cx="0" cy="0"/>
+          <a:chOff x="0" y="0"/>
+          <a:chExt cx="0" cy="0"/>
+        </a:xfrm>
+      </p:grpSpPr>
+      <p:sp>
+        <p:nvSpPr>
+          <p:cNvPr id="2" name="Title 1"/>
+          <p:cNvSpPr>
+            <a:spLocks noGrp="1"/>
+          </p:cNvSpPr>
+          <p:nvPr>
+            <p:ph type="title"/>
+          </p:nvPr>
+        </p:nvSpPr>
+        <p:spPr/>
+        <p:txBody>
+          <a:bodyPr/>
+          <a:lstStyle/>
+          <a:p>
+            <a:r>
+              <a:rPr lang="en-US" dirty="0"/>
+              <a:t>Force Method in Two Dimensions</a:t>
+            </a:r>
+          </a:p>
+        </p:txBody>
+      </p:sp>
+      <mc:AlternateContent xmlns:mc="http://schemas.openxmlformats.org/markup-compatibility/2006" xmlns:a14="http://schemas.microsoft.com/office/drawing/2010/main">
+        <mc:Choice Requires="a14">
+          <p:sp>
+            <p:nvSpPr>
+              <p:cNvPr id="3" name="Content Placeholder 2"/>
+              <p:cNvSpPr>
+                <a:spLocks noGrp="1"/>
+              </p:cNvSpPr>
+              <p:nvPr>
+                <p:ph idx="1"/>
+              </p:nvPr>
+            </p:nvSpPr>
+            <p:spPr/>
+            <p:txBody>
+              <a:bodyPr>
+                <a:normAutofit fontScale="70000" lnSpcReduction="20000"/>
+              </a:bodyPr>
+              <a:lstStyle/>
+              <a:p>
+                <a:r>
+                  <a:rPr lang="en-US" dirty="0"/>
+                  <a:t>We will now move on to systems in two dimensions.</a:t>
+                </a:r>
+              </a:p>
+              <a:p>
+                <a:r>
+                  <a:rPr lang="en-US" dirty="0"/>
+                  <a:t>Now we will have two equations of motion for rectangular coordinates.</a:t>
+                </a:r>
+              </a:p>
+              <a:p>
+                <a:pPr marL="0" indent="0" algn="ctr">
+                  <a:buNone/>
+                </a:pPr>
+                <a14:m>
+                  <m:oMathPara xmlns:m="http://schemas.openxmlformats.org/officeDocument/2006/math">
+                    <m:oMathParaPr>
+                      <m:jc m:val="centerGroup"/>
+                    </m:oMathParaPr>
+                    <m:oMath xmlns:m="http://schemas.openxmlformats.org/officeDocument/2006/math">
+                      <m:nary>
+                        <m:naryPr>
+                          <m:chr m:val="∑"/>
+                          <m:subHide m:val="on"/>
+                          <m:supHide m:val="on"/>
+                          <m:ctrlPr>
+                            <a:rPr lang="en-US" i="1">
+                              <a:latin typeface="Cambria Math" panose="02040503050406030204" pitchFamily="18" charset="0"/>
+                            </a:rPr>
+                          </m:ctrlPr>
+                        </m:naryPr>
+                        <m:sub/>
+                        <m:sup/>
+                        <m:e>
+                          <m:sSub>
+                            <m:sSubPr>
+                              <m:ctrlPr>
+                                <a:rPr lang="en-US" i="1">
+                                  <a:latin typeface="Cambria Math" panose="02040503050406030204" pitchFamily="18" charset="0"/>
+                                </a:rPr>
+                              </m:ctrlPr>
+                            </m:sSubPr>
+                            <m:e>
+                              <m:r>
+                                <a:rPr lang="en-US" i="1">
+                                  <a:latin typeface="Cambria Math"/>
+                                </a:rPr>
+                                <m:t>𝐹</m:t>
+                              </m:r>
+                            </m:e>
+                            <m:sub>
+                              <m:r>
+                                <a:rPr lang="en-US" i="1">
+                                  <a:latin typeface="Cambria Math"/>
+                                </a:rPr>
+                                <m:t>𝑥</m:t>
+                              </m:r>
+                            </m:sub>
+                          </m:sSub>
+                          <m:r>
+                            <a:rPr lang="en-US" i="1">
+                              <a:latin typeface="Cambria Math"/>
+                            </a:rPr>
+                            <m:t>=</m:t>
+                          </m:r>
+                          <m:r>
+                            <a:rPr lang="en-US" i="1">
+                              <a:latin typeface="Cambria Math"/>
+                            </a:rPr>
+                            <m:t>𝑚</m:t>
+                          </m:r>
+                          <m:sSub>
+                            <m:sSubPr>
+                              <m:ctrlPr>
+                                <a:rPr lang="en-US" i="1">
+                                  <a:latin typeface="Cambria Math" panose="02040503050406030204" pitchFamily="18" charset="0"/>
+                                </a:rPr>
+                              </m:ctrlPr>
+                            </m:sSubPr>
+                            <m:e>
+                              <m:r>
+                                <a:rPr lang="en-US" i="1">
+                                  <a:latin typeface="Cambria Math"/>
+                                </a:rPr>
+                                <m:t>𝑎</m:t>
+                              </m:r>
+                            </m:e>
+                            <m:sub>
+                              <m:r>
+                                <a:rPr lang="en-US" i="1">
+                                  <a:latin typeface="Cambria Math"/>
+                                </a:rPr>
+                                <m:t>𝑥</m:t>
+                              </m:r>
+                            </m:sub>
+                          </m:sSub>
+                        </m:e>
+                      </m:nary>
+                    </m:oMath>
+                  </m:oMathPara>
+                </a14:m>
+                <a:endParaRPr lang="en-US" dirty="0"/>
+              </a:p>
+              <a:p>
+                <a:pPr marL="0" indent="0" algn="ctr">
+                  <a:buNone/>
+                </a:pPr>
+                <a14:m>
+                  <m:oMathPara xmlns:m="http://schemas.openxmlformats.org/officeDocument/2006/math">
+                    <m:oMathParaPr>
+                      <m:jc m:val="centerGroup"/>
+                    </m:oMathParaPr>
+                    <m:oMath xmlns:m="http://schemas.openxmlformats.org/officeDocument/2006/math">
+                      <m:nary>
+                        <m:naryPr>
+                          <m:chr m:val="∑"/>
+                          <m:subHide m:val="on"/>
+                          <m:supHide m:val="on"/>
+                          <m:ctrlPr>
+                            <a:rPr lang="en-US" i="1">
+                              <a:latin typeface="Cambria Math" panose="02040503050406030204" pitchFamily="18" charset="0"/>
+                            </a:rPr>
+                          </m:ctrlPr>
+                        </m:naryPr>
+                        <m:sub/>
+                        <m:sup/>
+                        <m:e>
+                          <m:sSub>
+                            <m:sSubPr>
+                              <m:ctrlPr>
+                                <a:rPr lang="en-US" i="1">
+                                  <a:latin typeface="Cambria Math" panose="02040503050406030204" pitchFamily="18" charset="0"/>
+                                </a:rPr>
+                              </m:ctrlPr>
+                            </m:sSubPr>
+                            <m:e>
+                              <m:r>
+                                <a:rPr lang="en-US" i="1">
+                                  <a:latin typeface="Cambria Math"/>
+                                </a:rPr>
+                                <m:t>𝐹</m:t>
+                              </m:r>
+                            </m:e>
+                            <m:sub>
+                              <m:r>
+                                <a:rPr lang="en-US" i="1">
+                                  <a:latin typeface="Cambria Math"/>
+                                </a:rPr>
+                                <m:t>𝑦</m:t>
+                              </m:r>
+                            </m:sub>
+                          </m:sSub>
+                          <m:r>
+                            <a:rPr lang="en-US" i="1">
+                              <a:latin typeface="Cambria Math"/>
+                            </a:rPr>
+                            <m:t>=</m:t>
+                          </m:r>
+                          <m:r>
+                            <a:rPr lang="en-US" i="1">
+                              <a:latin typeface="Cambria Math"/>
+                            </a:rPr>
+                            <m:t>𝑚</m:t>
+                          </m:r>
+                          <m:sSub>
+                            <m:sSubPr>
+                              <m:ctrlPr>
+                                <a:rPr lang="en-US" i="1">
+                                  <a:latin typeface="Cambria Math" panose="02040503050406030204" pitchFamily="18" charset="0"/>
+                                </a:rPr>
+                              </m:ctrlPr>
+                            </m:sSubPr>
+                            <m:e>
+                              <m:r>
+                                <a:rPr lang="en-US" i="1">
+                                  <a:latin typeface="Cambria Math"/>
+                                </a:rPr>
+                                <m:t>𝑎</m:t>
+                              </m:r>
+                            </m:e>
+                            <m:sub>
+                              <m:r>
+                                <a:rPr lang="en-US" i="1">
+                                  <a:latin typeface="Cambria Math"/>
+                                </a:rPr>
+                                <m:t>𝑦</m:t>
+                              </m:r>
+                            </m:sub>
+                          </m:sSub>
+                        </m:e>
+                      </m:nary>
+                    </m:oMath>
+                  </m:oMathPara>
+                </a14:m>
+                <a:endParaRPr lang="en-US" dirty="0"/>
+              </a:p>
+              <a:p>
+                <a:r>
+                  <a:rPr lang="en-US" dirty="0"/>
+                  <a:t>Remember we use rectangular coordinates when we have x and y positions/velocities/accelerations that are independent, such as in projectile motion.</a:t>
+                </a:r>
+              </a:p>
+              <a:p>
+                <a:pPr lvl="1"/>
+                <a:r>
+                  <a:rPr lang="en-US" dirty="0"/>
+                  <a:t>This doesn’t mean that forces and accelerations have to be entirely in one direction or the other, however it does mean that the forces and accelerations shouldn’t be dependent on the position or orientation of the body.</a:t>
+                </a:r>
+              </a:p>
+            </p:txBody>
+          </p:sp>
+        </mc:Choice>
+        <mc:Fallback xmlns="">
+          <p:sp>
+            <p:nvSpPr>
+              <p:cNvPr id="3" name="Content Placeholder 2"/>
+              <p:cNvSpPr>
+                <a:spLocks noGrp="1" noRot="1" noChangeAspect="1" noMove="1" noResize="1" noEditPoints="1" noAdjustHandles="1" noChangeArrowheads="1" noChangeShapeType="1" noTextEdit="1"/>
+              </p:cNvSpPr>
+              <p:nvPr>
+                <p:ph idx="1"/>
+              </p:nvPr>
+            </p:nvSpPr>
+            <p:spPr>
+              <a:blipFill>
+                <a:blip r:embed="rId2"/>
+                <a:stretch>
+                  <a:fillRect l="-815" t="-2291" r="-1185" b="-1752"/>
+                </a:stretch>
+              </a:blipFill>
+            </p:spPr>
+            <p:txBody>
+              <a:bodyPr/>
+              <a:lstStyle/>
+              <a:p>
+                <a:r>
+                  <a:rPr lang="en-US">
+                    <a:noFill/>
+                  </a:rPr>
+                  <a:t> </a:t>
+                </a:r>
+              </a:p>
+            </p:txBody>
+          </p:sp>
+        </mc:Fallback>
+      </mc:AlternateContent>
+      <p:sp>
+        <p:nvSpPr>
+          <p:cNvPr id="4" name="Slide Number Placeholder 3"/>
+          <p:cNvSpPr>
+            <a:spLocks noGrp="1"/>
+          </p:cNvSpPr>
+          <p:nvPr>
+            <p:ph type="sldNum" sz="quarter" idx="12"/>
+          </p:nvPr>
+        </p:nvSpPr>
+        <p:spPr/>
+        <p:txBody>
+          <a:bodyPr/>
+          <a:lstStyle/>
+          <a:p>
+            <a:fld id="{929262FE-7F58-4A1E-8AF3-5A510A86DEBD}" type="slidenum">
+              <a:rPr lang="en-US" smtClean="0"/>
+              <a:t>3</a:t>
+            </a:fld>
+            <a:endParaRPr lang="en-US"/>
+          </a:p>
+        </p:txBody>
+      </p:sp>
+    </p:spTree>
+    <p:extLst>
+      <p:ext uri="{BB962C8B-B14F-4D97-AF65-F5344CB8AC3E}">
+        <p14:creationId xmlns:p14="http://schemas.microsoft.com/office/powerpoint/2010/main" val="4019917627"/>
+      </p:ext>
+    </p:extLst>
+  </p:cSld>
+  <p:clrMapOvr>
+    <a:masterClrMapping/>
+  </p:clrMapOvr>
+  <p:timing>
+    <p:tnLst>
+      <p:par>
+        <p:cTn id="1" dur="indefinite" restart="never" nodeType="tmRoot">
+          <p:childTnLst>
+            <p:seq concurrent="1" nextAc="seek">
+              <p:cTn id="2" dur="indefinite" nodeType="mainSeq">
+                <p:childTnLst>
                   <p:par>
-                    <p:cTn id="23" fill="hold">
+                    <p:cTn id="3" fill="hold">
                       <p:stCondLst>
                         <p:cond delay="indefinite"/>
                       </p:stCondLst>
                       <p:childTnLst>
                         <p:par>
-                          <p:cTn id="24" fill="hold">
+                          <p:cTn id="4" fill="hold">
                             <p:stCondLst>
                               <p:cond delay="0"/>
                             </p:stCondLst>
                             <p:childTnLst>
                               <p:par>
-                                <p:cTn id="25" presetID="1" presetClass="entr" presetSubtype="0" fill="hold" grpId="0" nodeType="clickEffect">
+                                <p:cTn id="5" presetID="1" presetClass="entr" presetSubtype="0" fill="hold" grpId="0" nodeType="clickEffect">
                                   <p:stCondLst>
                                     <p:cond delay="0"/>
                                   </p:stCondLst>
                                   <p:childTnLst>
                                     <p:set>
                                       <p:cBhvr>
-                                        <p:cTn id="26" dur="1" fill="hold">
+                                        <p:cTn id="6" dur="1" fill="hold">
+                                          <p:stCondLst>
+                                            <p:cond delay="0"/>
+                                          </p:stCondLst>
+                                        </p:cTn>
+                                        <p:tgtEl>
+                                          <p:spTgt spid="3">
+                                            <p:txEl>
+                                              <p:pRg st="0" end="0"/>
+                                            </p:txEl>
+                                          </p:spTgt>
+                                        </p:tgtEl>
+                                        <p:attrNameLst>
+                                          <p:attrName>style.visibility</p:attrName>
+                                        </p:attrNameLst>
+                                      </p:cBhvr>
+                                      <p:to>
+                                        <p:strVal val="visible"/>
+                                      </p:to>
+                                    </p:set>
+                                  </p:childTnLst>
+                                </p:cTn>
+                              </p:par>
+                            </p:childTnLst>
+                          </p:cTn>
+                        </p:par>
+                      </p:childTnLst>
+                    </p:cTn>
+                  </p:par>
+                  <p:par>
+                    <p:cTn id="7" fill="hold">
+                      <p:stCondLst>
+                        <p:cond delay="indefinite"/>
+                      </p:stCondLst>
+                      <p:childTnLst>
+                        <p:par>
+                          <p:cTn id="8" fill="hold">
+                            <p:stCondLst>
+                              <p:cond delay="0"/>
+                            </p:stCondLst>
+                            <p:childTnLst>
+                              <p:par>
+                                <p:cTn id="9" presetID="1" presetClass="entr" presetSubtype="0" fill="hold" grpId="0" nodeType="clickEffect">
+                                  <p:stCondLst>
+                                    <p:cond delay="0"/>
+                                  </p:stCondLst>
+                                  <p:childTnLst>
+                                    <p:set>
+                                      <p:cBhvr>
+                                        <p:cTn id="10" dur="1" fill="hold">
+                                          <p:stCondLst>
+                                            <p:cond delay="0"/>
+                                          </p:stCondLst>
+                                        </p:cTn>
+                                        <p:tgtEl>
+                                          <p:spTgt spid="3">
+                                            <p:txEl>
+                                              <p:pRg st="1" end="1"/>
+                                            </p:txEl>
+                                          </p:spTgt>
+                                        </p:tgtEl>
+                                        <p:attrNameLst>
+                                          <p:attrName>style.visibility</p:attrName>
+                                        </p:attrNameLst>
+                                      </p:cBhvr>
+                                      <p:to>
+                                        <p:strVal val="visible"/>
+                                      </p:to>
+                                    </p:set>
+                                  </p:childTnLst>
+                                </p:cTn>
+                              </p:par>
+                            </p:childTnLst>
+                          </p:cTn>
+                        </p:par>
+                      </p:childTnLst>
+                    </p:cTn>
+                  </p:par>
+                  <p:par>
+                    <p:cTn id="11" fill="hold">
+                      <p:stCondLst>
+                        <p:cond delay="indefinite"/>
+                      </p:stCondLst>
+                      <p:childTnLst>
+                        <p:par>
+                          <p:cTn id="12" fill="hold">
+                            <p:stCondLst>
+                              <p:cond delay="0"/>
+                            </p:stCondLst>
+                            <p:childTnLst>
+                              <p:par>
+                                <p:cTn id="13" presetID="1" presetClass="entr" presetSubtype="0" fill="hold" grpId="0" nodeType="clickEffect">
+                                  <p:stCondLst>
+                                    <p:cond delay="0"/>
+                                  </p:stCondLst>
+                                  <p:childTnLst>
+                                    <p:set>
+                                      <p:cBhvr>
+                                        <p:cTn id="14" dur="1" fill="hold">
+                                          <p:stCondLst>
+                                            <p:cond delay="0"/>
+                                          </p:stCondLst>
+                                        </p:cTn>
+                                        <p:tgtEl>
+                                          <p:spTgt spid="3">
+                                            <p:txEl>
+                                              <p:pRg st="2" end="2"/>
+                                            </p:txEl>
+                                          </p:spTgt>
+                                        </p:tgtEl>
+                                        <p:attrNameLst>
+                                          <p:attrName>style.visibility</p:attrName>
+                                        </p:attrNameLst>
+                                      </p:cBhvr>
+                                      <p:to>
+                                        <p:strVal val="visible"/>
+                                      </p:to>
+                                    </p:set>
+                                  </p:childTnLst>
+                                </p:cTn>
+                              </p:par>
+                            </p:childTnLst>
+                          </p:cTn>
+                        </p:par>
+                      </p:childTnLst>
+                    </p:cTn>
+                  </p:par>
+                  <p:par>
+                    <p:cTn id="15" fill="hold">
+                      <p:stCondLst>
+                        <p:cond delay="indefinite"/>
+                      </p:stCondLst>
+                      <p:childTnLst>
+                        <p:par>
+                          <p:cTn id="16" fill="hold">
+                            <p:stCondLst>
+                              <p:cond delay="0"/>
+                            </p:stCondLst>
+                            <p:childTnLst>
+                              <p:par>
+                                <p:cTn id="17" presetID="1" presetClass="entr" presetSubtype="0" fill="hold" grpId="0" nodeType="clickEffect">
+                                  <p:stCondLst>
+                                    <p:cond delay="0"/>
+                                  </p:stCondLst>
+                                  <p:childTnLst>
+                                    <p:set>
+                                      <p:cBhvr>
+                                        <p:cTn id="18" dur="1" fill="hold">
+                                          <p:stCondLst>
+                                            <p:cond delay="0"/>
+                                          </p:stCondLst>
+                                        </p:cTn>
+                                        <p:tgtEl>
+                                          <p:spTgt spid="3">
+                                            <p:txEl>
+                                              <p:pRg st="3" end="3"/>
+                                            </p:txEl>
+                                          </p:spTgt>
+                                        </p:tgtEl>
+                                        <p:attrNameLst>
+                                          <p:attrName>style.visibility</p:attrName>
+                                        </p:attrNameLst>
+                                      </p:cBhvr>
+                                      <p:to>
+                                        <p:strVal val="visible"/>
+                                      </p:to>
+                                    </p:set>
+                                  </p:childTnLst>
+                                </p:cTn>
+                              </p:par>
+                            </p:childTnLst>
+                          </p:cTn>
+                        </p:par>
+                      </p:childTnLst>
+                    </p:cTn>
+                  </p:par>
+                  <p:par>
+                    <p:cTn id="19" fill="hold">
+                      <p:stCondLst>
+                        <p:cond delay="indefinite"/>
+                      </p:stCondLst>
+                      <p:childTnLst>
+                        <p:par>
+                          <p:cTn id="20" fill="hold">
+                            <p:stCondLst>
+                              <p:cond delay="0"/>
+                            </p:stCondLst>
+                            <p:childTnLst>
+                              <p:par>
+                                <p:cTn id="21" presetID="1" presetClass="entr" presetSubtype="0" fill="hold" grpId="0" nodeType="clickEffect">
+                                  <p:stCondLst>
+                                    <p:cond delay="0"/>
+                                  </p:stCondLst>
+                                  <p:childTnLst>
+                                    <p:set>
+                                      <p:cBhvr>
+                                        <p:cTn id="22" dur="1" fill="hold">
+                                          <p:stCondLst>
+                                            <p:cond delay="0"/>
+                                          </p:stCondLst>
+                                        </p:cTn>
+                                        <p:tgtEl>
+                                          <p:spTgt spid="3">
+                                            <p:txEl>
+                                              <p:pRg st="4" end="4"/>
+                                            </p:txEl>
+                                          </p:spTgt>
+                                        </p:tgtEl>
+                                        <p:attrNameLst>
+                                          <p:attrName>style.visibility</p:attrName>
+                                        </p:attrNameLst>
+                                      </p:cBhvr>
+                                      <p:to>
+                                        <p:strVal val="visible"/>
+                                      </p:to>
+                                    </p:set>
+                                  </p:childTnLst>
+                                </p:cTn>
+                              </p:par>
+                              <p:par>
+                                <p:cTn id="23" presetID="1" presetClass="entr" presetSubtype="0" fill="hold" grpId="0" nodeType="withEffect">
+                                  <p:stCondLst>
+                                    <p:cond delay="0"/>
+                                  </p:stCondLst>
+                                  <p:childTnLst>
+                                    <p:set>
+                                      <p:cBhvr>
+                                        <p:cTn id="24" dur="1" fill="hold">
                                           <p:stCondLst>
                                             <p:cond delay="0"/>
                                           </p:stCondLst>
@@ -6847,7 +5085,7 @@
 </p:sld>
 </file>
 
-<file path=ppt/slides/slide6.xml><?xml version="1.0" encoding="utf-8"?>
+<file path=ppt/slides/slide4.xml><?xml version="1.0" encoding="utf-8"?>
 <p:sld xmlns:a="http://schemas.openxmlformats.org/drawingml/2006/main" xmlns:r="http://schemas.openxmlformats.org/officeDocument/2006/relationships" xmlns:p="http://schemas.openxmlformats.org/presentationml/2006/main">
   <p:cSld>
     <p:spTree>
@@ -6866,7 +5104,13 @@
       </p:grpSpPr>
       <p:sp>
         <p:nvSpPr>
-          <p:cNvPr id="2" name="Title 1"/>
+          <p:cNvPr id="2" name="Title 1">
+            <a:extLst>
+              <a:ext uri="{FF2B5EF4-FFF2-40B4-BE49-F238E27FC236}">
+                <a16:creationId xmlns:a16="http://schemas.microsoft.com/office/drawing/2014/main" id="{36841CED-0E41-421D-98CB-A291293B0F60}"/>
+              </a:ext>
+            </a:extLst>
+          </p:cNvPr>
           <p:cNvSpPr>
             <a:spLocks noGrp="1"/>
           </p:cNvSpPr>
@@ -6881,362 +5125,510 @@
           <a:p>
             <a:r>
               <a:rPr lang="en-US" dirty="0"/>
-              <a:t>Power Units</a:t>
+              <a:t>Don’t Forget Your Kinematics</a:t>
             </a:r>
           </a:p>
         </p:txBody>
       </p:sp>
-      <mc:AlternateContent xmlns:mc="http://schemas.openxmlformats.org/markup-compatibility/2006" xmlns:a14="http://schemas.microsoft.com/office/drawing/2010/main">
-        <mc:Choice Requires="a14">
-          <p:sp>
-            <p:nvSpPr>
-              <p:cNvPr id="3" name="Content Placeholder 2"/>
-              <p:cNvSpPr>
-                <a:spLocks noGrp="1"/>
-              </p:cNvSpPr>
-              <p:nvPr>
-                <p:ph idx="1"/>
-              </p:nvPr>
-            </p:nvSpPr>
-            <p:spPr/>
-            <p:txBody>
-              <a:bodyPr/>
-              <a:lstStyle/>
-              <a:p>
-                <a:r>
-                  <a:rPr lang="en-US" dirty="0"/>
-                  <a:t>The units of power generally are a unit force times a unit distance per unit time.</a:t>
-                </a:r>
-              </a:p>
-              <a:p>
-                <a:r>
-                  <a:rPr lang="en-US" dirty="0"/>
-                  <a:t>In the metric system...</a:t>
-                </a:r>
-              </a:p>
-              <a:p>
-                <a:pPr marL="457200" lvl="1" indent="0">
-                  <a:buNone/>
-                </a:pPr>
-                <a14:m>
-                  <m:oMathPara xmlns:m="http://schemas.openxmlformats.org/officeDocument/2006/math">
-                    <m:oMathParaPr>
-                      <m:jc m:val="centerGroup"/>
-                    </m:oMathParaPr>
-                    <m:oMath xmlns:m="http://schemas.openxmlformats.org/officeDocument/2006/math">
-                      <m:r>
-                        <a:rPr lang="en-US" b="0" i="1" smtClean="0">
-                          <a:latin typeface="Cambria Math"/>
-                        </a:rPr>
-                        <m:t>𝑊𝑎𝑡𝑡</m:t>
-                      </m:r>
-                      <m:r>
-                        <a:rPr lang="en-US" b="0" i="1" smtClean="0">
-                          <a:latin typeface="Cambria Math"/>
-                        </a:rPr>
-                        <m:t>=</m:t>
-                      </m:r>
-                      <m:r>
-                        <a:rPr lang="en-US" b="0" i="1" smtClean="0">
-                          <a:latin typeface="Cambria Math"/>
-                        </a:rPr>
-                        <m:t>𝑊</m:t>
-                      </m:r>
-                      <m:r>
-                        <a:rPr lang="en-US" b="0" i="1" smtClean="0">
-                          <a:latin typeface="Cambria Math"/>
-                        </a:rPr>
-                        <m:t>=1</m:t>
-                      </m:r>
-                      <m:f>
-                        <m:fPr>
-                          <m:ctrlPr>
-                            <a:rPr lang="en-US" b="0" i="1" smtClean="0">
-                              <a:latin typeface="Cambria Math" panose="02040503050406030204" pitchFamily="18" charset="0"/>
-                            </a:rPr>
-                          </m:ctrlPr>
-                        </m:fPr>
-                        <m:num>
-                          <m:r>
-                            <a:rPr lang="en-US" b="0" i="1" smtClean="0">
-                              <a:latin typeface="Cambria Math"/>
-                            </a:rPr>
-                            <m:t>𝐽</m:t>
-                          </m:r>
-                        </m:num>
-                        <m:den>
-                          <m:r>
-                            <a:rPr lang="en-US" b="0" i="1" smtClean="0">
-                              <a:latin typeface="Cambria Math"/>
-                            </a:rPr>
-                            <m:t>𝑠</m:t>
-                          </m:r>
-                        </m:den>
-                      </m:f>
-                      <m:r>
-                        <a:rPr lang="en-US" b="0" i="1" smtClean="0">
-                          <a:latin typeface="Cambria Math"/>
-                        </a:rPr>
-                        <m:t>=1</m:t>
-                      </m:r>
-                      <m:f>
-                        <m:fPr>
-                          <m:ctrlPr>
-                            <a:rPr lang="en-US" b="0" i="1" smtClean="0">
-                              <a:latin typeface="Cambria Math" panose="02040503050406030204" pitchFamily="18" charset="0"/>
-                            </a:rPr>
-                          </m:ctrlPr>
-                        </m:fPr>
-                        <m:num>
-                          <m:r>
-                            <a:rPr lang="en-US" b="0" i="1" smtClean="0">
-                              <a:latin typeface="Cambria Math"/>
-                            </a:rPr>
-                            <m:t>𝑁𝑚</m:t>
-                          </m:r>
-                        </m:num>
-                        <m:den>
-                          <m:r>
-                            <a:rPr lang="en-US" b="0" i="1" smtClean="0">
-                              <a:latin typeface="Cambria Math"/>
-                            </a:rPr>
-                            <m:t>𝑠</m:t>
-                          </m:r>
-                        </m:den>
-                      </m:f>
-                    </m:oMath>
-                  </m:oMathPara>
-                </a14:m>
-                <a:endParaRPr lang="en-US" dirty="0"/>
-              </a:p>
-              <a:p>
-                <a:r>
-                  <a:rPr lang="en-US" dirty="0"/>
-                  <a:t>In the English system...</a:t>
-                </a:r>
-              </a:p>
-              <a:p>
-                <a:pPr marL="457200" lvl="1" indent="0">
-                  <a:buNone/>
-                </a:pPr>
-                <a14:m>
-                  <m:oMathPara xmlns:m="http://schemas.openxmlformats.org/officeDocument/2006/math">
-                    <m:oMathParaPr>
-                      <m:jc m:val="centerGroup"/>
-                    </m:oMathParaPr>
-                    <m:oMath xmlns:m="http://schemas.openxmlformats.org/officeDocument/2006/math">
-                      <m:r>
-                        <a:rPr lang="en-US" b="0" i="1" smtClean="0">
-                          <a:latin typeface="Cambria Math"/>
-                        </a:rPr>
-                        <m:t>𝐻𝑜𝑟𝑠𝑒𝑝𝑜𝑤𝑒𝑟</m:t>
-                      </m:r>
-                      <m:r>
-                        <a:rPr lang="en-US" i="1">
-                          <a:latin typeface="Cambria Math"/>
-                        </a:rPr>
-                        <m:t>=</m:t>
-                      </m:r>
-                      <m:r>
-                        <a:rPr lang="en-US" b="0" i="1" smtClean="0">
-                          <a:latin typeface="Cambria Math"/>
-                        </a:rPr>
-                        <m:t>h𝑝</m:t>
-                      </m:r>
-                      <m:r>
-                        <a:rPr lang="en-US" i="1">
-                          <a:latin typeface="Cambria Math"/>
-                        </a:rPr>
-                        <m:t>=</m:t>
-                      </m:r>
-                      <m:r>
-                        <a:rPr lang="en-US" b="0" i="1" smtClean="0">
-                          <a:latin typeface="Cambria Math"/>
-                        </a:rPr>
-                        <m:t>550</m:t>
-                      </m:r>
-                      <m:f>
-                        <m:fPr>
-                          <m:ctrlPr>
-                            <a:rPr lang="en-US" i="1">
-                              <a:latin typeface="Cambria Math" panose="02040503050406030204" pitchFamily="18" charset="0"/>
-                            </a:rPr>
-                          </m:ctrlPr>
-                        </m:fPr>
-                        <m:num>
-                          <m:r>
-                            <a:rPr lang="en-US" b="0" i="1" smtClean="0">
-                              <a:latin typeface="Cambria Math"/>
-                            </a:rPr>
-                            <m:t>𝑓𝑡</m:t>
-                          </m:r>
-                          <m:r>
-                            <a:rPr lang="en-US" b="0" i="1" smtClean="0">
-                              <a:latin typeface="Cambria Math"/>
-                            </a:rPr>
-                            <m:t> </m:t>
-                          </m:r>
-                          <m:r>
-                            <a:rPr lang="en-US" b="0" i="1" smtClean="0">
-                              <a:latin typeface="Cambria Math"/>
-                            </a:rPr>
-                            <m:t>𝑙𝑏</m:t>
-                          </m:r>
-                        </m:num>
-                        <m:den>
-                          <m:r>
-                            <a:rPr lang="en-US" i="1">
-                              <a:latin typeface="Cambria Math"/>
-                            </a:rPr>
-                            <m:t>𝑠</m:t>
-                          </m:r>
-                        </m:den>
-                      </m:f>
-                    </m:oMath>
-                  </m:oMathPara>
-                </a14:m>
-                <a:endParaRPr lang="en-US" dirty="0"/>
-              </a:p>
-              <a:p>
-                <a:pPr marL="457200" lvl="1" indent="0">
-                  <a:buNone/>
-                </a:pPr>
-                <a:endParaRPr lang="en-US" dirty="0"/>
-              </a:p>
-              <a:p>
-                <a:pPr marL="457200" lvl="1" indent="0">
-                  <a:buNone/>
-                </a:pPr>
-                <a:endParaRPr lang="en-US" dirty="0"/>
-              </a:p>
-            </p:txBody>
-          </p:sp>
-        </mc:Choice>
-        <mc:Fallback xmlns="">
-          <p:sp>
-            <p:nvSpPr>
-              <p:cNvPr id="3" name="Content Placeholder 2"/>
-              <p:cNvSpPr>
-                <a:spLocks noGrp="1" noRot="1" noChangeAspect="1" noMove="1" noResize="1" noEditPoints="1" noAdjustHandles="1" noChangeArrowheads="1" noChangeShapeType="1" noTextEdit="1"/>
-              </p:cNvSpPr>
-              <p:nvPr>
-                <p:ph idx="1"/>
-              </p:nvPr>
-            </p:nvSpPr>
-            <p:spPr>
-              <a:blipFill rotWithShape="1">
-                <a:blip r:embed="rId2"/>
-                <a:stretch>
-                  <a:fillRect l="-1630" t="-1752"/>
-                </a:stretch>
-              </a:blipFill>
-            </p:spPr>
-            <p:txBody>
-              <a:bodyPr/>
-              <a:lstStyle/>
-              <a:p>
-                <a:r>
-                  <a:rPr lang="en-US">
-                    <a:noFill/>
-                  </a:rPr>
-                  <a:t> </a:t>
-                </a:r>
-              </a:p>
-            </p:txBody>
-          </p:sp>
-        </mc:Fallback>
-      </mc:AlternateContent>
       <p:sp>
         <p:nvSpPr>
-          <p:cNvPr id="4" name="Slide Number Placeholder 3"/>
+          <p:cNvPr id="3" name="Content Placeholder 2">
+            <a:extLst>
+              <a:ext uri="{FF2B5EF4-FFF2-40B4-BE49-F238E27FC236}">
+                <a16:creationId xmlns:a16="http://schemas.microsoft.com/office/drawing/2014/main" id="{07E6FB63-DF49-4CAB-828C-6D7456F29EE6}"/>
+              </a:ext>
+            </a:extLst>
+          </p:cNvPr>
           <p:cNvSpPr>
             <a:spLocks noGrp="1"/>
           </p:cNvSpPr>
           <p:nvPr>
-            <p:ph type="sldNum" sz="quarter" idx="12"/>
+            <p:ph idx="1"/>
           </p:nvPr>
         </p:nvSpPr>
         <p:spPr/>
         <p:txBody>
-          <a:bodyPr/>
+          <a:bodyPr>
+            <a:normAutofit fontScale="85000" lnSpcReduction="10000"/>
+          </a:bodyPr>
           <a:lstStyle/>
           <a:p>
-            <a:pPr marL="0" marR="0" lvl="0" indent="0" algn="r" defTabSz="914400" rtl="0" eaLnBrk="1" fontAlgn="auto" latinLnBrk="0" hangingPunct="1">
-              <a:lnSpc>
-                <a:spcPct val="100000"/>
-              </a:lnSpc>
-              <a:spcBef>
-                <a:spcPts val="0"/>
-              </a:spcBef>
-              <a:spcAft>
-                <a:spcPts val="0"/>
-              </a:spcAft>
-              <a:buClrTx/>
-              <a:buSzTx/>
-              <a:buFontTx/>
-              <a:buNone/>
-              <a:tabLst/>
-              <a:defRPr/>
-            </a:pPr>
-            <a:fld id="{929262FE-7F58-4A1E-8AF3-5A510A86DEBD}" type="slidenum">
-              <a:rPr kumimoji="0" lang="en-US" sz="1200" b="0" i="0" u="none" strike="noStrike" kern="1200" cap="none" spc="0" normalizeH="0" baseline="0" noProof="0" smtClean="0">
-                <a:ln>
-                  <a:noFill/>
-                </a:ln>
-                <a:solidFill>
-                  <a:srgbClr val="4F81BD">
-                    <a:lumMod val="50000"/>
-                  </a:srgbClr>
-                </a:solidFill>
-                <a:effectLst/>
-                <a:uLnTx/>
-                <a:uFillTx/>
-                <a:latin typeface="Calibri"/>
-                <a:ea typeface="+mn-ea"/>
-                <a:cs typeface="+mn-cs"/>
-              </a:rPr>
-              <a:pPr marL="0" marR="0" lvl="0" indent="0" algn="r" defTabSz="914400" rtl="0" eaLnBrk="1" fontAlgn="auto" latinLnBrk="0" hangingPunct="1">
-                <a:lnSpc>
-                  <a:spcPct val="100000"/>
-                </a:lnSpc>
-                <a:spcBef>
-                  <a:spcPts val="0"/>
-                </a:spcBef>
-                <a:spcAft>
-                  <a:spcPts val="0"/>
-                </a:spcAft>
-                <a:buClrTx/>
-                <a:buSzTx/>
-                <a:buFontTx/>
-                <a:buNone/>
-                <a:tabLst/>
-                <a:defRPr/>
-              </a:pPr>
-              <a:t>6</a:t>
-            </a:fld>
-            <a:endParaRPr kumimoji="0" lang="en-US" sz="1200" b="0" i="0" u="none" strike="noStrike" kern="1200" cap="none" spc="0" normalizeH="0" baseline="0" noProof="0">
-              <a:ln>
-                <a:noFill/>
-              </a:ln>
-              <a:solidFill>
-                <a:srgbClr val="4F81BD">
-                  <a:lumMod val="50000"/>
-                </a:srgbClr>
-              </a:solidFill>
-              <a:effectLst/>
-              <a:uLnTx/>
-              <a:uFillTx/>
-              <a:latin typeface="Calibri"/>
-              <a:ea typeface="+mn-ea"/>
-              <a:cs typeface="+mn-cs"/>
-            </a:endParaRPr>
+            <a:r>
+              <a:rPr lang="en-US" dirty="0"/>
+              <a:t>It’s important to remember your kinematics, as you will not always be given accelerations, or you will not always be asked for accelerations.</a:t>
+            </a:r>
+          </a:p>
+          <a:p>
+            <a:r>
+              <a:rPr lang="en-US" dirty="0"/>
+              <a:t>Kinetics will relate forces and accelerations, kinematics will relate accelerations to velocities and positions.</a:t>
+            </a:r>
+          </a:p>
+          <a:p>
+            <a:r>
+              <a:rPr lang="en-US" dirty="0"/>
+              <a:t>Don’t be afraid of solving for ‘a’ in your </a:t>
+            </a:r>
+            <a:r>
+              <a:rPr lang="en-US" b="1" dirty="0"/>
+              <a:t>kinematics equations</a:t>
+            </a:r>
+            <a:r>
+              <a:rPr lang="en-US" dirty="0"/>
+              <a:t> or your </a:t>
+            </a:r>
+            <a:r>
+              <a:rPr lang="en-US" b="1" dirty="0"/>
+              <a:t>kinetics equations</a:t>
+            </a:r>
+            <a:r>
+              <a:rPr lang="en-US" dirty="0"/>
+              <a:t> and substituting/combining these into one another.</a:t>
+            </a:r>
+          </a:p>
+          <a:p>
+            <a:pPr lvl="1"/>
+            <a:r>
+              <a:rPr lang="en-US" dirty="0"/>
+              <a:t>Just as with kinematics, time is the variable that will tie the equations of motion together.</a:t>
+            </a:r>
           </a:p>
         </p:txBody>
       </p:sp>
     </p:spTree>
     <p:extLst>
       <p:ext uri="{BB962C8B-B14F-4D97-AF65-F5344CB8AC3E}">
-        <p14:creationId xmlns:p14="http://schemas.microsoft.com/office/powerpoint/2010/main" val="2594544635"/>
+        <p14:creationId xmlns:p14="http://schemas.microsoft.com/office/powerpoint/2010/main" val="1712532979"/>
+      </p:ext>
+    </p:extLst>
+  </p:cSld>
+  <p:clrMapOvr>
+    <a:masterClrMapping/>
+  </p:clrMapOvr>
+  <p:timing>
+    <p:tnLst>
+      <p:par>
+        <p:cTn id="1" dur="indefinite" restart="never" nodeType="tmRoot">
+          <p:childTnLst>
+            <p:seq concurrent="1" nextAc="seek">
+              <p:cTn id="2" dur="indefinite" nodeType="mainSeq">
+                <p:childTnLst>
+                  <p:par>
+                    <p:cTn id="3" fill="hold">
+                      <p:stCondLst>
+                        <p:cond delay="indefinite"/>
+                      </p:stCondLst>
+                      <p:childTnLst>
+                        <p:par>
+                          <p:cTn id="4" fill="hold">
+                            <p:stCondLst>
+                              <p:cond delay="0"/>
+                            </p:stCondLst>
+                            <p:childTnLst>
+                              <p:par>
+                                <p:cTn id="5" presetID="1" presetClass="entr" presetSubtype="0" fill="hold" grpId="0" nodeType="clickEffect">
+                                  <p:stCondLst>
+                                    <p:cond delay="0"/>
+                                  </p:stCondLst>
+                                  <p:childTnLst>
+                                    <p:set>
+                                      <p:cBhvr>
+                                        <p:cTn id="6" dur="1" fill="hold">
+                                          <p:stCondLst>
+                                            <p:cond delay="0"/>
+                                          </p:stCondLst>
+                                        </p:cTn>
+                                        <p:tgtEl>
+                                          <p:spTgt spid="3">
+                                            <p:txEl>
+                                              <p:pRg st="0" end="0"/>
+                                            </p:txEl>
+                                          </p:spTgt>
+                                        </p:tgtEl>
+                                        <p:attrNameLst>
+                                          <p:attrName>style.visibility</p:attrName>
+                                        </p:attrNameLst>
+                                      </p:cBhvr>
+                                      <p:to>
+                                        <p:strVal val="visible"/>
+                                      </p:to>
+                                    </p:set>
+                                  </p:childTnLst>
+                                </p:cTn>
+                              </p:par>
+                            </p:childTnLst>
+                          </p:cTn>
+                        </p:par>
+                      </p:childTnLst>
+                    </p:cTn>
+                  </p:par>
+                  <p:par>
+                    <p:cTn id="7" fill="hold">
+                      <p:stCondLst>
+                        <p:cond delay="indefinite"/>
+                      </p:stCondLst>
+                      <p:childTnLst>
+                        <p:par>
+                          <p:cTn id="8" fill="hold">
+                            <p:stCondLst>
+                              <p:cond delay="0"/>
+                            </p:stCondLst>
+                            <p:childTnLst>
+                              <p:par>
+                                <p:cTn id="9" presetID="1" presetClass="entr" presetSubtype="0" fill="hold" grpId="0" nodeType="clickEffect">
+                                  <p:stCondLst>
+                                    <p:cond delay="0"/>
+                                  </p:stCondLst>
+                                  <p:childTnLst>
+                                    <p:set>
+                                      <p:cBhvr>
+                                        <p:cTn id="10" dur="1" fill="hold">
+                                          <p:stCondLst>
+                                            <p:cond delay="0"/>
+                                          </p:stCondLst>
+                                        </p:cTn>
+                                        <p:tgtEl>
+                                          <p:spTgt spid="3">
+                                            <p:txEl>
+                                              <p:pRg st="1" end="1"/>
+                                            </p:txEl>
+                                          </p:spTgt>
+                                        </p:tgtEl>
+                                        <p:attrNameLst>
+                                          <p:attrName>style.visibility</p:attrName>
+                                        </p:attrNameLst>
+                                      </p:cBhvr>
+                                      <p:to>
+                                        <p:strVal val="visible"/>
+                                      </p:to>
+                                    </p:set>
+                                  </p:childTnLst>
+                                </p:cTn>
+                              </p:par>
+                            </p:childTnLst>
+                          </p:cTn>
+                        </p:par>
+                      </p:childTnLst>
+                    </p:cTn>
+                  </p:par>
+                  <p:par>
+                    <p:cTn id="11" fill="hold">
+                      <p:stCondLst>
+                        <p:cond delay="indefinite"/>
+                      </p:stCondLst>
+                      <p:childTnLst>
+                        <p:par>
+                          <p:cTn id="12" fill="hold">
+                            <p:stCondLst>
+                              <p:cond delay="0"/>
+                            </p:stCondLst>
+                            <p:childTnLst>
+                              <p:par>
+                                <p:cTn id="13" presetID="1" presetClass="entr" presetSubtype="0" fill="hold" grpId="0" nodeType="clickEffect">
+                                  <p:stCondLst>
+                                    <p:cond delay="0"/>
+                                  </p:stCondLst>
+                                  <p:childTnLst>
+                                    <p:set>
+                                      <p:cBhvr>
+                                        <p:cTn id="14" dur="1" fill="hold">
+                                          <p:stCondLst>
+                                            <p:cond delay="0"/>
+                                          </p:stCondLst>
+                                        </p:cTn>
+                                        <p:tgtEl>
+                                          <p:spTgt spid="3">
+                                            <p:txEl>
+                                              <p:pRg st="2" end="2"/>
+                                            </p:txEl>
+                                          </p:spTgt>
+                                        </p:tgtEl>
+                                        <p:attrNameLst>
+                                          <p:attrName>style.visibility</p:attrName>
+                                        </p:attrNameLst>
+                                      </p:cBhvr>
+                                      <p:to>
+                                        <p:strVal val="visible"/>
+                                      </p:to>
+                                    </p:set>
+                                  </p:childTnLst>
+                                </p:cTn>
+                              </p:par>
+                              <p:par>
+                                <p:cTn id="15" presetID="1" presetClass="entr" presetSubtype="0" fill="hold" grpId="0" nodeType="withEffect">
+                                  <p:stCondLst>
+                                    <p:cond delay="0"/>
+                                  </p:stCondLst>
+                                  <p:childTnLst>
+                                    <p:set>
+                                      <p:cBhvr>
+                                        <p:cTn id="16" dur="1" fill="hold">
+                                          <p:stCondLst>
+                                            <p:cond delay="0"/>
+                                          </p:stCondLst>
+                                        </p:cTn>
+                                        <p:tgtEl>
+                                          <p:spTgt spid="3">
+                                            <p:txEl>
+                                              <p:pRg st="3" end="3"/>
+                                            </p:txEl>
+                                          </p:spTgt>
+                                        </p:tgtEl>
+                                        <p:attrNameLst>
+                                          <p:attrName>style.visibility</p:attrName>
+                                        </p:attrNameLst>
+                                      </p:cBhvr>
+                                      <p:to>
+                                        <p:strVal val="visible"/>
+                                      </p:to>
+                                    </p:set>
+                                  </p:childTnLst>
+                                </p:cTn>
+                              </p:par>
+                            </p:childTnLst>
+                          </p:cTn>
+                        </p:par>
+                      </p:childTnLst>
+                    </p:cTn>
+                  </p:par>
+                </p:childTnLst>
+              </p:cTn>
+              <p:prevCondLst>
+                <p:cond evt="onPrev" delay="0">
+                  <p:tgtEl>
+                    <p:sldTgt/>
+                  </p:tgtEl>
+                </p:cond>
+              </p:prevCondLst>
+              <p:nextCondLst>
+                <p:cond evt="onNext" delay="0">
+                  <p:tgtEl>
+                    <p:sldTgt/>
+                  </p:tgtEl>
+                </p:cond>
+              </p:nextCondLst>
+            </p:seq>
+          </p:childTnLst>
+        </p:cTn>
+      </p:par>
+    </p:tnLst>
+    <p:bldLst>
+      <p:bldP spid="3" grpId="0" build="p"/>
+    </p:bldLst>
+  </p:timing>
+</p:sld>
+</file>
+
+<file path=ppt/slides/slide5.xml><?xml version="1.0" encoding="utf-8"?>
+<p:sld xmlns:a="http://schemas.openxmlformats.org/drawingml/2006/main" xmlns:r="http://schemas.openxmlformats.org/officeDocument/2006/relationships" xmlns:p="http://schemas.openxmlformats.org/presentationml/2006/main">
+  <p:cSld>
+    <p:spTree>
+      <p:nvGrpSpPr>
+        <p:cNvPr id="1" name=""/>
+        <p:cNvGrpSpPr/>
+        <p:nvPr/>
+      </p:nvGrpSpPr>
+      <p:grpSpPr>
+        <a:xfrm>
+          <a:off x="0" y="0"/>
+          <a:ext cx="0" cy="0"/>
+          <a:chOff x="0" y="0"/>
+          <a:chExt cx="0" cy="0"/>
+        </a:xfrm>
+      </p:grpSpPr>
+      <p:sp>
+        <p:nvSpPr>
+          <p:cNvPr id="2" name="Title 1">
+            <a:extLst>
+              <a:ext uri="{FF2B5EF4-FFF2-40B4-BE49-F238E27FC236}">
+                <a16:creationId xmlns:a16="http://schemas.microsoft.com/office/drawing/2014/main" id="{61A07C29-9A58-4871-BDC5-A36C637901C2}"/>
+              </a:ext>
+            </a:extLst>
+          </p:cNvPr>
+          <p:cNvSpPr>
+            <a:spLocks noGrp="1"/>
+          </p:cNvSpPr>
+          <p:nvPr>
+            <p:ph type="title"/>
+          </p:nvPr>
+        </p:nvSpPr>
+        <p:spPr/>
+        <p:txBody>
+          <a:bodyPr>
+            <a:normAutofit fontScale="90000"/>
+          </a:bodyPr>
+          <a:lstStyle/>
+          <a:p>
+            <a:r>
+              <a:rPr lang="en-US" dirty="0"/>
+              <a:t>Solving a Kinetics Problem</a:t>
+            </a:r>
+            <a:br>
+              <a:rPr lang="en-US" dirty="0"/>
+            </a:br>
+            <a:r>
+              <a:rPr lang="en-US" dirty="0"/>
+              <a:t>(The Process)</a:t>
+            </a:r>
+          </a:p>
+        </p:txBody>
+      </p:sp>
+      <p:sp>
+        <p:nvSpPr>
+          <p:cNvPr id="3" name="Content Placeholder 2">
+            <a:extLst>
+              <a:ext uri="{FF2B5EF4-FFF2-40B4-BE49-F238E27FC236}">
+                <a16:creationId xmlns:a16="http://schemas.microsoft.com/office/drawing/2014/main" id="{A0280897-CDB5-4D78-9300-B055EC7031D9}"/>
+              </a:ext>
+            </a:extLst>
+          </p:cNvPr>
+          <p:cNvSpPr>
+            <a:spLocks noGrp="1"/>
+          </p:cNvSpPr>
+          <p:nvPr>
+            <p:ph idx="1"/>
+          </p:nvPr>
+        </p:nvSpPr>
+        <p:spPr>
+          <a:xfrm>
+            <a:off x="457200" y="1600200"/>
+            <a:ext cx="8229600" cy="4648200"/>
+          </a:xfrm>
+        </p:spPr>
+        <p:txBody>
+          <a:bodyPr>
+            <a:normAutofit fontScale="77500" lnSpcReduction="20000"/>
+          </a:bodyPr>
+          <a:lstStyle/>
+          <a:p>
+            <a:r>
+              <a:rPr lang="en-US" dirty="0"/>
+              <a:t>The process used in solving a kinetics problem is similar to solving a problem in statics and consists of three steps.</a:t>
+            </a:r>
+          </a:p>
+          <a:p>
+            <a:pPr marL="514350" indent="-514350">
+              <a:buFont typeface="+mj-lt"/>
+              <a:buAutoNum type="arabicPeriod"/>
+            </a:pPr>
+            <a:r>
+              <a:rPr lang="en-US" dirty="0"/>
+              <a:t>Set up a </a:t>
+            </a:r>
+            <a:r>
+              <a:rPr lang="en-US" b="1" dirty="0"/>
+              <a:t>free body diagram</a:t>
+            </a:r>
+            <a:r>
+              <a:rPr lang="en-US" dirty="0"/>
+              <a:t>.</a:t>
+            </a:r>
+          </a:p>
+          <a:p>
+            <a:pPr marL="914400" lvl="1" indent="-514350"/>
+            <a:r>
+              <a:rPr lang="en-US" dirty="0"/>
+              <a:t>Draw the body separated from it’s surroundings</a:t>
+            </a:r>
+          </a:p>
+          <a:p>
+            <a:pPr marL="914400" lvl="1" indent="-514350"/>
+            <a:r>
+              <a:rPr lang="en-US" dirty="0"/>
+              <a:t>Draw in all the known and unknown forces (</a:t>
+            </a:r>
+            <a:r>
+              <a:rPr lang="en-US" dirty="0">
+                <a:solidFill>
+                  <a:srgbClr val="FF0000"/>
+                </a:solidFill>
+              </a:rPr>
+              <a:t>I use red for forces</a:t>
+            </a:r>
+            <a:r>
+              <a:rPr lang="en-US" dirty="0"/>
+              <a:t>) as well as key dimensions and angles (</a:t>
+            </a:r>
+            <a:r>
+              <a:rPr lang="en-US" dirty="0">
+                <a:solidFill>
+                  <a:schemeClr val="accent1"/>
+                </a:solidFill>
+              </a:rPr>
+              <a:t>I use blue for dimensions and angles</a:t>
+            </a:r>
+            <a:r>
+              <a:rPr lang="en-US" dirty="0"/>
+              <a:t>)</a:t>
+            </a:r>
+          </a:p>
+          <a:p>
+            <a:pPr marL="914400" lvl="1" indent="-514350"/>
+            <a:r>
+              <a:rPr lang="en-US" dirty="0"/>
+              <a:t>Draw in the acceleration vector (</a:t>
+            </a:r>
+            <a:r>
+              <a:rPr lang="en-US" dirty="0">
+                <a:solidFill>
+                  <a:schemeClr val="accent1"/>
+                </a:solidFill>
+              </a:rPr>
+              <a:t>I use a blue dashed vector for this</a:t>
+            </a:r>
+            <a:r>
+              <a:rPr lang="en-US" dirty="0"/>
+              <a:t>)</a:t>
+            </a:r>
+          </a:p>
+          <a:p>
+            <a:pPr marL="514350" indent="-514350">
+              <a:buFont typeface="+mj-lt"/>
+              <a:buAutoNum type="arabicPeriod"/>
+            </a:pPr>
+            <a:r>
+              <a:rPr lang="en-US" dirty="0"/>
+              <a:t>Use the free body diagram to write out your </a:t>
+            </a:r>
+            <a:r>
+              <a:rPr lang="en-US" b="1" dirty="0"/>
+              <a:t>equations of motion</a:t>
+            </a:r>
+            <a:r>
+              <a:rPr lang="en-US" dirty="0"/>
+              <a:t>, breaking all forces and accelerations down into x and y components</a:t>
+            </a:r>
+          </a:p>
+          <a:p>
+            <a:pPr marL="914400" lvl="1" indent="-514350"/>
+            <a:r>
+              <a:rPr lang="en-US" dirty="0"/>
+              <a:t>These may be supplemented with kinematics equations.</a:t>
+            </a:r>
+          </a:p>
+          <a:p>
+            <a:pPr marL="514350" indent="-514350">
+              <a:buFont typeface="+mj-lt"/>
+              <a:buAutoNum type="arabicPeriod"/>
+            </a:pPr>
+            <a:r>
+              <a:rPr lang="en-US" dirty="0"/>
+              <a:t>Solve the equations for any unknowns.</a:t>
+            </a:r>
+          </a:p>
+          <a:p>
+            <a:pPr marL="514350" indent="-514350">
+              <a:buFont typeface="+mj-lt"/>
+              <a:buAutoNum type="arabicPeriod"/>
+            </a:pPr>
+            <a:endParaRPr lang="en-US" dirty="0"/>
+          </a:p>
+        </p:txBody>
+      </p:sp>
+    </p:spTree>
+    <p:extLst>
+      <p:ext uri="{BB962C8B-B14F-4D97-AF65-F5344CB8AC3E}">
+        <p14:creationId xmlns:p14="http://schemas.microsoft.com/office/powerpoint/2010/main" val="2175471731"/>
       </p:ext>
     </p:extLst>
   </p:cSld>
@@ -7374,33 +5766,15 @@
                                   </p:childTnLst>
                                 </p:cTn>
                               </p:par>
-                            </p:childTnLst>
-                          </p:cTn>
-                        </p:par>
-                      </p:childTnLst>
-                    </p:cTn>
-                  </p:par>
-                  <p:par>
-                    <p:cTn id="13" fill="hold">
-                      <p:stCondLst>
-                        <p:cond delay="indefinite"/>
-                      </p:stCondLst>
-                      <p:childTnLst>
-                        <p:par>
-                          <p:cTn id="14" fill="hold">
-                            <p:stCondLst>
-                              <p:cond delay="0"/>
-                            </p:stCondLst>
-                            <p:childTnLst>
                               <p:par>
-                                <p:cTn id="15" presetID="1" presetClass="entr" presetSubtype="0" fill="hold" grpId="0" nodeType="clickEffect">
+                                <p:cTn id="13" presetID="1" presetClass="entr" presetSubtype="0" fill="hold" grpId="0" nodeType="withEffect">
                                   <p:stCondLst>
                                     <p:cond delay="0"/>
                                   </p:stCondLst>
                                   <p:childTnLst>
                                     <p:set>
                                       <p:cBhvr>
-                                        <p:cTn id="16" dur="1" fill="hold">
+                                        <p:cTn id="14" dur="1" fill="hold">
                                           <p:stCondLst>
                                             <p:cond delay="0"/>
                                           </p:stCondLst>
@@ -7424,14 +5798,14 @@
                                 </p:cTn>
                               </p:par>
                               <p:par>
-                                <p:cTn id="17" presetID="1" presetClass="entr" presetSubtype="0" fill="hold" grpId="0" nodeType="withEffect">
+                                <p:cTn id="15" presetID="1" presetClass="entr" presetSubtype="0" fill="hold" grpId="0" nodeType="withEffect">
                                   <p:stCondLst>
                                     <p:cond delay="0"/>
                                   </p:stCondLst>
                                   <p:childTnLst>
                                     <p:set>
                                       <p:cBhvr>
-                                        <p:cTn id="18" dur="1" fill="hold">
+                                        <p:cTn id="16" dur="1" fill="hold">
                                           <p:stCondLst>
                                             <p:cond delay="0"/>
                                           </p:stCondLst>
@@ -7440,6 +5814,135 @@
                                           <p:spTgt spid="3">
                                             <p:txEl>
                                               <p:pRg st="4" end="4"/>
+                                            </p:txEl>
+                                          </p:spTgt>
+                                        </p:tgtEl>
+                                        <p:attrNameLst>
+                                          <p:attrName>style.visibility</p:attrName>
+                                        </p:attrNameLst>
+                                      </p:cBhvr>
+                                      <p:to>
+                                        <p:strVal val="visible"/>
+                                      </p:to>
+                                    </p:set>
+                                  </p:childTnLst>
+                                </p:cTn>
+                              </p:par>
+                            </p:childTnLst>
+                          </p:cTn>
+                        </p:par>
+                      </p:childTnLst>
+                    </p:cTn>
+                  </p:par>
+                  <p:par>
+                    <p:cTn id="17" fill="hold">
+                      <p:stCondLst>
+                        <p:cond delay="indefinite"/>
+                      </p:stCondLst>
+                      <p:childTnLst>
+                        <p:par>
+                          <p:cTn id="18" fill="hold">
+                            <p:stCondLst>
+                              <p:cond delay="0"/>
+                            </p:stCondLst>
+                            <p:childTnLst>
+                              <p:par>
+                                <p:cTn id="19" presetID="1" presetClass="entr" presetSubtype="0" fill="hold" grpId="0" nodeType="clickEffect">
+                                  <p:stCondLst>
+                                    <p:cond delay="0"/>
+                                  </p:stCondLst>
+                                  <p:childTnLst>
+                                    <p:set>
+                                      <p:cBhvr>
+                                        <p:cTn id="20" dur="1" fill="hold">
+                                          <p:stCondLst>
+                                            <p:cond delay="0"/>
+                                          </p:stCondLst>
+                                        </p:cTn>
+                                        <p:tgtEl>
+                                          <p:spTgt spid="3">
+                                            <p:txEl>
+                                              <p:pRg st="5" end="5"/>
+                                            </p:txEl>
+                                          </p:spTgt>
+                                        </p:tgtEl>
+                                        <p:attrNameLst>
+                                          <p:attrName>style.visibility</p:attrName>
+                                        </p:attrNameLst>
+                                      </p:cBhvr>
+                                      <p:to>
+                                        <p:strVal val="visible"/>
+                                      </p:to>
+                                    </p:set>
+                                  </p:childTnLst>
+                                </p:cTn>
+                              </p:par>
+                              <p:par>
+                                <p:cTn id="21" presetID="1" presetClass="entr" presetSubtype="0" fill="hold" grpId="0" nodeType="withEffect">
+                                  <p:stCondLst>
+                                    <p:cond delay="0"/>
+                                  </p:stCondLst>
+                                  <p:childTnLst>
+                                    <p:set>
+                                      <p:cBhvr>
+                                        <p:cTn id="22" dur="1" fill="hold">
+                                          <p:stCondLst>
+                                            <p:cond delay="0"/>
+                                          </p:stCondLst>
+                                        </p:cTn>
+                                        <p:tgtEl>
+                                          <p:spTgt spid="3">
+                                            <p:txEl>
+                                              <p:pRg st="6" end="6"/>
+                                            </p:txEl>
+                                          </p:spTgt>
+                                        </p:tgtEl>
+                                        <p:attrNameLst>
+                                          <p:attrName>style.visibility</p:attrName>
+                                        </p:attrNameLst>
+                                      </p:cBhvr>
+                                      <p:to>
+                                        <p:strVal val="visible"/>
+                                      </p:to>
+                                    </p:set>
+                                  </p:childTnLst>
+                                </p:cTn>
+                              </p:par>
+                            </p:childTnLst>
+                          </p:cTn>
+                        </p:par>
+                      </p:childTnLst>
+                    </p:cTn>
+                  </p:par>
+                  <p:par>
+                    <p:cTn id="23" fill="hold">
+                      <p:stCondLst>
+                        <p:cond delay="indefinite"/>
+                      </p:stCondLst>
+                      <p:childTnLst>
+                        <p:par>
+                          <p:cTn id="24" fill="hold">
+                            <p:stCondLst>
+                              <p:cond delay="0"/>
+                            </p:stCondLst>
+                            <p:childTnLst>
+                              <p:par>
+                                <p:cTn id="25" presetID="1" presetClass="entr" presetSubtype="0" fill="hold" grpId="0" nodeType="clickEffect">
+                                  <p:stCondLst>
+                                    <p:cond delay="0"/>
+                                  </p:stCondLst>
+                                  <p:childTnLst>
+                                    <p:set>
+                                      <p:cBhvr>
+                                        <p:cTn id="26" dur="1" fill="hold">
+                                          <p:stCondLst>
+                                            <p:cond delay="0"/>
+                                          </p:stCondLst>
+                                        </p:cTn>
+                                        <p:tgtEl>
+                                          <p:spTgt spid="3">
+                                            <p:txEl>
+                                              <p:pRg st="7" end="7"/>
                                             </p:txEl>
                                           </p:spTgt>
                                         </p:tgtEl>
@@ -7488,1181 +5991,7 @@
 </p:sld>
 </file>
 
-<file path=ppt/slides/slide7.xml><?xml version="1.0" encoding="utf-8"?>
-<p:sld xmlns:a="http://schemas.openxmlformats.org/drawingml/2006/main" xmlns:r="http://schemas.openxmlformats.org/officeDocument/2006/relationships" xmlns:p="http://schemas.openxmlformats.org/presentationml/2006/main">
-  <p:cSld>
-    <p:spTree>
-      <p:nvGrpSpPr>
-        <p:cNvPr id="1" name=""/>
-        <p:cNvGrpSpPr/>
-        <p:nvPr/>
-      </p:nvGrpSpPr>
-      <p:grpSpPr>
-        <a:xfrm>
-          <a:off x="0" y="0"/>
-          <a:ext cx="0" cy="0"/>
-          <a:chOff x="0" y="0"/>
-          <a:chExt cx="0" cy="0"/>
-        </a:xfrm>
-      </p:grpSpPr>
-      <p:sp>
-        <p:nvSpPr>
-          <p:cNvPr id="2" name="Title 1">
-            <a:extLst>
-              <a:ext uri="{FF2B5EF4-FFF2-40B4-BE49-F238E27FC236}">
-                <a16:creationId xmlns:a16="http://schemas.microsoft.com/office/drawing/2014/main" id="{61A07C29-9A58-4871-BDC5-A36C637901C2}"/>
-              </a:ext>
-            </a:extLst>
-          </p:cNvPr>
-          <p:cNvSpPr>
-            <a:spLocks noGrp="1"/>
-          </p:cNvSpPr>
-          <p:nvPr>
-            <p:ph type="title"/>
-          </p:nvPr>
-        </p:nvSpPr>
-        <p:spPr/>
-        <p:txBody>
-          <a:bodyPr>
-            <a:normAutofit fontScale="90000"/>
-          </a:bodyPr>
-          <a:lstStyle/>
-          <a:p>
-            <a:r>
-              <a:rPr lang="en-US" dirty="0"/>
-              <a:t>Solving Power Problems</a:t>
-            </a:r>
-            <a:br>
-              <a:rPr lang="en-US" dirty="0"/>
-            </a:br>
-            <a:r>
-              <a:rPr lang="en-US" dirty="0"/>
-              <a:t>(The Process)</a:t>
-            </a:r>
-          </a:p>
-        </p:txBody>
-      </p:sp>
-      <mc:AlternateContent xmlns:mc="http://schemas.openxmlformats.org/markup-compatibility/2006" xmlns:a14="http://schemas.microsoft.com/office/drawing/2010/main">
-        <mc:Choice Requires="a14">
-          <p:sp>
-            <p:nvSpPr>
-              <p:cNvPr id="3" name="Content Placeholder 2">
-                <a:extLst>
-                  <a:ext uri="{FF2B5EF4-FFF2-40B4-BE49-F238E27FC236}">
-                    <a16:creationId xmlns:a16="http://schemas.microsoft.com/office/drawing/2014/main" id="{A0280897-CDB5-4D78-9300-B055EC7031D9}"/>
-                  </a:ext>
-                </a:extLst>
-              </p:cNvPr>
-              <p:cNvSpPr>
-                <a:spLocks noGrp="1"/>
-              </p:cNvSpPr>
-              <p:nvPr>
-                <p:ph idx="1"/>
-              </p:nvPr>
-            </p:nvSpPr>
-            <p:spPr>
-              <a:xfrm>
-                <a:off x="457200" y="1600200"/>
-                <a:ext cx="8229600" cy="4648200"/>
-              </a:xfrm>
-            </p:spPr>
-            <p:txBody>
-              <a:bodyPr>
-                <a:normAutofit fontScale="70000" lnSpcReduction="20000"/>
-              </a:bodyPr>
-              <a:lstStyle/>
-              <a:p>
-                <a:r>
-                  <a:rPr lang="en-US" dirty="0"/>
-                  <a:t>Solving a power related problem is still at it’s heart a work and energy problem, and we will therefore use a very similar process</a:t>
-                </a:r>
-              </a:p>
-              <a:p>
-                <a:pPr marL="514350" indent="-514350">
-                  <a:buFont typeface="+mj-lt"/>
-                  <a:buAutoNum type="arabicPeriod"/>
-                </a:pPr>
-                <a:r>
-                  <a:rPr lang="en-US" dirty="0"/>
-                  <a:t>Set up one diagram showing the initial state and set up some other diagram for the final state.</a:t>
-                </a:r>
-              </a:p>
-              <a:p>
-                <a:pPr marL="914400" lvl="1" indent="-514350"/>
-                <a:r>
-                  <a:rPr lang="en-US" dirty="0"/>
-                  <a:t>Identify any </a:t>
-                </a:r>
-                <a:r>
-                  <a:rPr lang="en-US" dirty="0">
-                    <a:solidFill>
-                      <a:srgbClr val="FF0000"/>
-                    </a:solidFill>
-                  </a:rPr>
-                  <a:t>forces</a:t>
-                </a:r>
-                <a:r>
-                  <a:rPr lang="en-US" dirty="0"/>
-                  <a:t> that will do work between the two states</a:t>
-                </a:r>
-              </a:p>
-              <a:p>
-                <a:pPr marL="914400" lvl="1" indent="-514350"/>
-                <a:r>
-                  <a:rPr lang="en-US" dirty="0"/>
-                  <a:t>Identify the known or unknown </a:t>
-                </a:r>
-                <a:r>
-                  <a:rPr lang="en-US" dirty="0">
-                    <a:solidFill>
-                      <a:schemeClr val="accent1"/>
-                    </a:solidFill>
-                  </a:rPr>
-                  <a:t>velocities</a:t>
-                </a:r>
-                <a:r>
-                  <a:rPr lang="en-US" dirty="0"/>
-                  <a:t> in each state</a:t>
-                </a:r>
-              </a:p>
-              <a:p>
-                <a:pPr marL="914400" lvl="1" indent="-514350"/>
-                <a:r>
-                  <a:rPr lang="en-US" dirty="0"/>
-                  <a:t>Identify the change in </a:t>
-                </a:r>
-                <a:r>
-                  <a:rPr lang="en-US" dirty="0">
-                    <a:solidFill>
-                      <a:schemeClr val="accent1"/>
-                    </a:solidFill>
-                  </a:rPr>
-                  <a:t>height</a:t>
-                </a:r>
-                <a:r>
-                  <a:rPr lang="en-US" dirty="0"/>
-                  <a:t> if applicable</a:t>
-                </a:r>
-              </a:p>
-              <a:p>
-                <a:pPr marL="914400" lvl="1" indent="-514350"/>
-                <a:r>
-                  <a:rPr lang="en-US" dirty="0"/>
-                  <a:t>Identify the </a:t>
-                </a:r>
-                <a:r>
-                  <a:rPr lang="en-US" dirty="0">
-                    <a:solidFill>
-                      <a:schemeClr val="accent1"/>
-                    </a:solidFill>
-                  </a:rPr>
-                  <a:t>‘x’</a:t>
-                </a:r>
-                <a:r>
-                  <a:rPr lang="en-US" dirty="0"/>
-                  <a:t> values for the initial and final values if applicable</a:t>
-                </a:r>
-              </a:p>
-              <a:p>
-                <a:pPr marL="514350" indent="-514350">
-                  <a:buFont typeface="+mj-lt"/>
-                  <a:buAutoNum type="arabicPeriod"/>
-                </a:pPr>
-                <a:r>
-                  <a:rPr lang="en-US" dirty="0"/>
-                  <a:t>Use the diagram to put together the single conservation of energy equation, as well as an equation relating work to power with included known and unknown values.</a:t>
-                </a:r>
-              </a:p>
-              <a:p>
-                <a:pPr marL="914400" lvl="1" indent="-514350"/>
-                <a14:m>
-                  <m:oMath xmlns:m="http://schemas.openxmlformats.org/officeDocument/2006/math">
-                    <m:r>
-                      <m:rPr>
-                        <m:sty m:val="p"/>
-                      </m:rPr>
-                      <a:rPr lang="en-US">
-                        <a:latin typeface="Cambria Math"/>
-                      </a:rPr>
-                      <m:t>W</m:t>
-                    </m:r>
-                    <m:r>
-                      <a:rPr lang="en-US">
-                        <a:latin typeface="Cambria Math"/>
-                      </a:rPr>
-                      <m:t>=∆</m:t>
-                    </m:r>
-                    <m:r>
-                      <m:rPr>
-                        <m:sty m:val="p"/>
-                      </m:rPr>
-                      <a:rPr lang="en-US">
-                        <a:latin typeface="Cambria Math"/>
-                        <a:ea typeface="Cambria Math"/>
-                      </a:rPr>
-                      <m:t>KE</m:t>
-                    </m:r>
-                    <m:r>
-                      <a:rPr lang="en-US">
-                        <a:latin typeface="Cambria Math"/>
-                        <a:ea typeface="Cambria Math"/>
-                      </a:rPr>
-                      <m:t>+∆</m:t>
-                    </m:r>
-                    <m:r>
-                      <m:rPr>
-                        <m:sty m:val="p"/>
-                      </m:rPr>
-                      <a:rPr lang="en-US">
-                        <a:latin typeface="Cambria Math"/>
-                        <a:ea typeface="Cambria Math"/>
-                      </a:rPr>
-                      <m:t>PE</m:t>
-                    </m:r>
-                  </m:oMath>
-                </a14:m>
-                <a:endParaRPr lang="en-US" dirty="0">
-                  <a:latin typeface="Cambria Math"/>
-                  <a:ea typeface="Cambria Math"/>
-                </a:endParaRPr>
-              </a:p>
-              <a:p>
-                <a:pPr marL="914400" lvl="1" indent="-514350"/>
-                <a14:m>
-                  <m:oMath xmlns:m="http://schemas.openxmlformats.org/officeDocument/2006/math">
-                    <m:sSub>
-                      <m:sSubPr>
-                        <m:ctrlPr>
-                          <a:rPr lang="en-US" i="1">
-                            <a:latin typeface="Cambria Math" panose="02040503050406030204" pitchFamily="18" charset="0"/>
-                          </a:rPr>
-                        </m:ctrlPr>
-                      </m:sSubPr>
-                      <m:e>
-                        <m:r>
-                          <a:rPr lang="en-US" i="1">
-                            <a:latin typeface="Cambria Math" panose="02040503050406030204" pitchFamily="18" charset="0"/>
-                          </a:rPr>
-                          <m:t>𝑃</m:t>
-                        </m:r>
-                      </m:e>
-                      <m:sub>
-                        <m:r>
-                          <a:rPr lang="en-US" i="1">
-                            <a:latin typeface="Cambria Math" panose="02040503050406030204" pitchFamily="18" charset="0"/>
-                          </a:rPr>
-                          <m:t>𝑎𝑣𝑒</m:t>
-                        </m:r>
-                      </m:sub>
-                    </m:sSub>
-                    <m:r>
-                      <a:rPr lang="en-US" i="1">
-                        <a:latin typeface="Cambria Math"/>
-                      </a:rPr>
-                      <m:t>= </m:t>
-                    </m:r>
-                    <m:f>
-                      <m:fPr>
-                        <m:ctrlPr>
-                          <a:rPr lang="en-US" i="1">
-                            <a:latin typeface="Cambria Math" panose="02040503050406030204" pitchFamily="18" charset="0"/>
-                          </a:rPr>
-                        </m:ctrlPr>
-                      </m:fPr>
-                      <m:num>
-                        <m:r>
-                          <a:rPr lang="en-US" i="1">
-                            <a:latin typeface="Cambria Math"/>
-                          </a:rPr>
-                          <m:t>𝑊</m:t>
-                        </m:r>
-                      </m:num>
-                      <m:den>
-                        <m:r>
-                          <a:rPr lang="en-US" i="1">
-                            <a:latin typeface="Cambria Math"/>
-                            <a:ea typeface="Cambria Math"/>
-                          </a:rPr>
-                          <m:t>𝑡</m:t>
-                        </m:r>
-                      </m:den>
-                    </m:f>
-                  </m:oMath>
-                </a14:m>
-                <a:endParaRPr lang="en-US" dirty="0"/>
-              </a:p>
-              <a:p>
-                <a:pPr marL="514350" indent="-514350">
-                  <a:buFont typeface="+mj-lt"/>
-                  <a:buAutoNum type="arabicPeriod"/>
-                </a:pPr>
-                <a:r>
-                  <a:rPr lang="en-US" dirty="0"/>
-                  <a:t>Solve the equations for the unknown quantities</a:t>
-                </a:r>
-              </a:p>
-              <a:p>
-                <a:pPr marL="514350" indent="-514350">
-                  <a:buFont typeface="+mj-lt"/>
-                  <a:buAutoNum type="arabicPeriod"/>
-                </a:pPr>
-                <a:endParaRPr lang="en-US" dirty="0"/>
-              </a:p>
-            </p:txBody>
-          </p:sp>
-        </mc:Choice>
-        <mc:Fallback xmlns="">
-          <p:sp>
-            <p:nvSpPr>
-              <p:cNvPr id="3" name="Content Placeholder 2">
-                <a:extLst>
-                  <a:ext uri="{FF2B5EF4-FFF2-40B4-BE49-F238E27FC236}">
-                    <a16:creationId xmlns:a16="http://schemas.microsoft.com/office/drawing/2014/main" id="{A0280897-CDB5-4D78-9300-B055EC7031D9}"/>
-                  </a:ext>
-                </a:extLst>
-              </p:cNvPr>
-              <p:cNvSpPr>
-                <a:spLocks noGrp="1" noRot="1" noChangeAspect="1" noMove="1" noResize="1" noEditPoints="1" noAdjustHandles="1" noChangeArrowheads="1" noChangeShapeType="1" noTextEdit="1"/>
-              </p:cNvSpPr>
-              <p:nvPr>
-                <p:ph idx="1"/>
-              </p:nvPr>
-            </p:nvSpPr>
-            <p:spPr>
-              <a:xfrm>
-                <a:off x="457200" y="1600200"/>
-                <a:ext cx="8229600" cy="4648200"/>
-              </a:xfrm>
-              <a:blipFill>
-                <a:blip r:embed="rId2"/>
-                <a:stretch>
-                  <a:fillRect l="-963" t="-2231" r="-1037" b="-525"/>
-                </a:stretch>
-              </a:blipFill>
-            </p:spPr>
-            <p:txBody>
-              <a:bodyPr/>
-              <a:lstStyle/>
-              <a:p>
-                <a:r>
-                  <a:rPr lang="en-US">
-                    <a:noFill/>
-                  </a:rPr>
-                  <a:t> </a:t>
-                </a:r>
-              </a:p>
-            </p:txBody>
-          </p:sp>
-        </mc:Fallback>
-      </mc:AlternateContent>
-    </p:spTree>
-    <p:extLst>
-      <p:ext uri="{BB962C8B-B14F-4D97-AF65-F5344CB8AC3E}">
-        <p14:creationId xmlns:p14="http://schemas.microsoft.com/office/powerpoint/2010/main" val="2175471731"/>
-      </p:ext>
-    </p:extLst>
-  </p:cSld>
-  <p:clrMapOvr>
-    <a:masterClrMapping/>
-  </p:clrMapOvr>
-  <p:timing>
-    <p:tnLst>
-      <p:par>
-        <p:cTn id="1" dur="indefinite" restart="never" nodeType="tmRoot">
-          <p:childTnLst>
-            <p:seq concurrent="1" nextAc="seek">
-              <p:cTn id="2" dur="indefinite" nodeType="mainSeq">
-                <p:childTnLst>
-                  <p:par>
-                    <p:cTn id="3" fill="hold">
-                      <p:stCondLst>
-                        <p:cond delay="indefinite"/>
-                      </p:stCondLst>
-                      <p:childTnLst>
-                        <p:par>
-                          <p:cTn id="4" fill="hold">
-                            <p:stCondLst>
-                              <p:cond delay="0"/>
-                            </p:stCondLst>
-                            <p:childTnLst>
-                              <p:par>
-                                <p:cTn id="5" presetID="1" presetClass="entr" presetSubtype="0" fill="hold" nodeType="clickEffect">
-                                  <p:stCondLst>
-                                    <p:cond delay="0"/>
-                                  </p:stCondLst>
-                                  <p:childTnLst>
-                                    <p:set>
-                                      <p:cBhvr>
-                                        <p:cTn id="6" dur="1" fill="hold">
-                                          <p:stCondLst>
-                                            <p:cond delay="0"/>
-                                          </p:stCondLst>
-                                        </p:cTn>
-                                        <p:tgtEl>
-                                          <p:spTgt spid="3">
-                                            <p:txEl>
-                                              <p:pRg st="1" end="1"/>
-                                            </p:txEl>
-                                          </p:spTgt>
-                                        </p:tgtEl>
-                                        <p:attrNameLst>
-                                          <p:attrName>style.visibility</p:attrName>
-                                        </p:attrNameLst>
-                                      </p:cBhvr>
-                                      <p:to>
-                                        <p:strVal val="visible"/>
-                                      </p:to>
-                                    </p:set>
-                                  </p:childTnLst>
-                                </p:cTn>
-                              </p:par>
-                              <p:par>
-                                <p:cTn id="7" presetID="1" presetClass="entr" presetSubtype="0" fill="hold" nodeType="withEffect">
-                                  <p:stCondLst>
-                                    <p:cond delay="0"/>
-                                  </p:stCondLst>
-                                  <p:childTnLst>
-                                    <p:set>
-                                      <p:cBhvr>
-                                        <p:cTn id="8" dur="1" fill="hold">
-                                          <p:stCondLst>
-                                            <p:cond delay="0"/>
-                                          </p:stCondLst>
-                                        </p:cTn>
-                                        <p:tgtEl>
-                                          <p:spTgt spid="3">
-                                            <p:txEl>
-                                              <p:pRg st="2" end="2"/>
-                                            </p:txEl>
-                                          </p:spTgt>
-                                        </p:tgtEl>
-                                        <p:attrNameLst>
-                                          <p:attrName>style.visibility</p:attrName>
-                                        </p:attrNameLst>
-                                      </p:cBhvr>
-                                      <p:to>
-                                        <p:strVal val="visible"/>
-                                      </p:to>
-                                    </p:set>
-                                  </p:childTnLst>
-                                </p:cTn>
-                              </p:par>
-                              <p:par>
-                                <p:cTn id="9" presetID="1" presetClass="entr" presetSubtype="0" fill="hold" nodeType="withEffect">
-                                  <p:stCondLst>
-                                    <p:cond delay="0"/>
-                                  </p:stCondLst>
-                                  <p:childTnLst>
-                                    <p:set>
-                                      <p:cBhvr>
-                                        <p:cTn id="10" dur="1" fill="hold">
-                                          <p:stCondLst>
-                                            <p:cond delay="0"/>
-                                          </p:stCondLst>
-                                        </p:cTn>
-                                        <p:tgtEl>
-                                          <p:spTgt spid="3">
-                                            <p:txEl>
-                                              <p:pRg st="3" end="3"/>
-                                            </p:txEl>
-                                          </p:spTgt>
-                                        </p:tgtEl>
-                                        <p:attrNameLst>
-                                          <p:attrName>style.visibility</p:attrName>
-                                        </p:attrNameLst>
-                                      </p:cBhvr>
-                                      <p:to>
-                                        <p:strVal val="visible"/>
-                                      </p:to>
-                                    </p:set>
-                                  </p:childTnLst>
-                                </p:cTn>
-                              </p:par>
-                              <p:par>
-                                <p:cTn id="11" presetID="1" presetClass="entr" presetSubtype="0" fill="hold" nodeType="withEffect">
-                                  <p:stCondLst>
-                                    <p:cond delay="0"/>
-                                  </p:stCondLst>
-                                  <p:childTnLst>
-                                    <p:set>
-                                      <p:cBhvr>
-                                        <p:cTn id="12" dur="1" fill="hold">
-                                          <p:stCondLst>
-                                            <p:cond delay="0"/>
-                                          </p:stCondLst>
-                                        </p:cTn>
-                                        <p:tgtEl>
-                                          <p:spTgt spid="3">
-                                            <p:txEl>
-                                              <p:pRg st="4" end="4"/>
-                                            </p:txEl>
-                                          </p:spTgt>
-                                        </p:tgtEl>
-                                        <p:attrNameLst>
-                                          <p:attrName>style.visibility</p:attrName>
-                                        </p:attrNameLst>
-                                      </p:cBhvr>
-                                      <p:to>
-                                        <p:strVal val="visible"/>
-                                      </p:to>
-                                    </p:set>
-                                  </p:childTnLst>
-                                </p:cTn>
-                              </p:par>
-                              <p:par>
-                                <p:cTn id="13" presetID="1" presetClass="entr" presetSubtype="0" fill="hold" nodeType="withEffect">
-                                  <p:stCondLst>
-                                    <p:cond delay="0"/>
-                                  </p:stCondLst>
-                                  <p:childTnLst>
-                                    <p:set>
-                                      <p:cBhvr>
-                                        <p:cTn id="14" dur="1" fill="hold">
-                                          <p:stCondLst>
-                                            <p:cond delay="0"/>
-                                          </p:stCondLst>
-                                        </p:cTn>
-                                        <p:tgtEl>
-                                          <p:spTgt spid="3">
-                                            <p:txEl>
-                                              <p:pRg st="5" end="5"/>
-                                            </p:txEl>
-                                          </p:spTgt>
-                                        </p:tgtEl>
-                                        <p:attrNameLst>
-                                          <p:attrName>style.visibility</p:attrName>
-                                        </p:attrNameLst>
-                                      </p:cBhvr>
-                                      <p:to>
-                                        <p:strVal val="visible"/>
-                                      </p:to>
-                                    </p:set>
-                                  </p:childTnLst>
-                                </p:cTn>
-                              </p:par>
-                            </p:childTnLst>
-                          </p:cTn>
-                        </p:par>
-                      </p:childTnLst>
-                    </p:cTn>
-                  </p:par>
-                  <p:par>
-                    <p:cTn id="15" fill="hold">
-                      <p:stCondLst>
-                        <p:cond delay="indefinite"/>
-                      </p:stCondLst>
-                      <p:childTnLst>
-                        <p:par>
-                          <p:cTn id="16" fill="hold">
-                            <p:stCondLst>
-                              <p:cond delay="0"/>
-                            </p:stCondLst>
-                            <p:childTnLst>
-                              <p:par>
-                                <p:cTn id="17" presetID="1" presetClass="entr" presetSubtype="0" fill="hold" nodeType="clickEffect">
-                                  <p:stCondLst>
-                                    <p:cond delay="0"/>
-                                  </p:stCondLst>
-                                  <p:childTnLst>
-                                    <p:set>
-                                      <p:cBhvr>
-                                        <p:cTn id="18" dur="1" fill="hold">
-                                          <p:stCondLst>
-                                            <p:cond delay="0"/>
-                                          </p:stCondLst>
-                                        </p:cTn>
-                                        <p:tgtEl>
-                                          <p:spTgt spid="3">
-                                            <p:txEl>
-                                              <p:pRg st="6" end="6"/>
-                                            </p:txEl>
-                                          </p:spTgt>
-                                        </p:tgtEl>
-                                        <p:attrNameLst>
-                                          <p:attrName>style.visibility</p:attrName>
-                                        </p:attrNameLst>
-                                      </p:cBhvr>
-                                      <p:to>
-                                        <p:strVal val="visible"/>
-                                      </p:to>
-                                    </p:set>
-                                  </p:childTnLst>
-                                </p:cTn>
-                              </p:par>
-                              <p:par>
-                                <p:cTn id="19" presetID="1" presetClass="entr" presetSubtype="0" fill="hold" nodeType="withEffect">
-                                  <p:stCondLst>
-                                    <p:cond delay="0"/>
-                                  </p:stCondLst>
-                                  <p:childTnLst>
-                                    <p:set>
-                                      <p:cBhvr>
-                                        <p:cTn id="20" dur="1" fill="hold">
-                                          <p:stCondLst>
-                                            <p:cond delay="0"/>
-                                          </p:stCondLst>
-                                        </p:cTn>
-                                        <p:tgtEl>
-                                          <p:spTgt spid="3">
-                                            <p:txEl>
-                                              <p:pRg st="7" end="7"/>
-                                            </p:txEl>
-                                          </p:spTgt>
-                                        </p:tgtEl>
-                                        <p:attrNameLst>
-                                          <p:attrName>style.visibility</p:attrName>
-                                        </p:attrNameLst>
-                                      </p:cBhvr>
-                                      <p:to>
-                                        <p:strVal val="visible"/>
-                                      </p:to>
-                                    </p:set>
-                                  </p:childTnLst>
-                                </p:cTn>
-                              </p:par>
-                              <p:par>
-                                <p:cTn id="21" presetID="1" presetClass="entr" presetSubtype="0" fill="hold" nodeType="withEffect">
-                                  <p:stCondLst>
-                                    <p:cond delay="0"/>
-                                  </p:stCondLst>
-                                  <p:childTnLst>
-                                    <p:set>
-                                      <p:cBhvr>
-                                        <p:cTn id="22" dur="1" fill="hold">
-                                          <p:stCondLst>
-                                            <p:cond delay="0"/>
-                                          </p:stCondLst>
-                                        </p:cTn>
-                                        <p:tgtEl>
-                                          <p:spTgt spid="3">
-                                            <p:txEl>
-                                              <p:pRg st="8" end="8"/>
-                                            </p:txEl>
-                                          </p:spTgt>
-                                        </p:tgtEl>
-                                        <p:attrNameLst>
-                                          <p:attrName>style.visibility</p:attrName>
-                                        </p:attrNameLst>
-                                      </p:cBhvr>
-                                      <p:to>
-                                        <p:strVal val="visible"/>
-                                      </p:to>
-                                    </p:set>
-                                  </p:childTnLst>
-                                </p:cTn>
-                              </p:par>
-                            </p:childTnLst>
-                          </p:cTn>
-                        </p:par>
-                      </p:childTnLst>
-                    </p:cTn>
-                  </p:par>
-                  <p:par>
-                    <p:cTn id="23" fill="hold">
-                      <p:stCondLst>
-                        <p:cond delay="indefinite"/>
-                      </p:stCondLst>
-                      <p:childTnLst>
-                        <p:par>
-                          <p:cTn id="24" fill="hold">
-                            <p:stCondLst>
-                              <p:cond delay="0"/>
-                            </p:stCondLst>
-                            <p:childTnLst>
-                              <p:par>
-                                <p:cTn id="25" presetID="1" presetClass="entr" presetSubtype="0" fill="hold" nodeType="clickEffect">
-                                  <p:stCondLst>
-                                    <p:cond delay="0"/>
-                                  </p:stCondLst>
-                                  <p:childTnLst>
-                                    <p:set>
-                                      <p:cBhvr>
-                                        <p:cTn id="26" dur="1" fill="hold">
-                                          <p:stCondLst>
-                                            <p:cond delay="0"/>
-                                          </p:stCondLst>
-                                        </p:cTn>
-                                        <p:tgtEl>
-                                          <p:spTgt spid="3">
-                                            <p:txEl>
-                                              <p:pRg st="9" end="9"/>
-                                            </p:txEl>
-                                          </p:spTgt>
-                                        </p:tgtEl>
-                                        <p:attrNameLst>
-                                          <p:attrName>style.visibility</p:attrName>
-                                        </p:attrNameLst>
-                                      </p:cBhvr>
-                                      <p:to>
-                                        <p:strVal val="visible"/>
-                                      </p:to>
-                                    </p:set>
-                                  </p:childTnLst>
-                                </p:cTn>
-                              </p:par>
-                            </p:childTnLst>
-                          </p:cTn>
-                        </p:par>
-                      </p:childTnLst>
-                    </p:cTn>
-                  </p:par>
-                </p:childTnLst>
-              </p:cTn>
-              <p:prevCondLst>
-                <p:cond evt="onPrev" delay="0">
-                  <p:tgtEl>
-                    <p:sldTgt/>
-                  </p:tgtEl>
-                </p:cond>
-              </p:prevCondLst>
-              <p:nextCondLst>
-                <p:cond evt="onNext" delay="0">
-                  <p:tgtEl>
-                    <p:sldTgt/>
-                  </p:tgtEl>
-                </p:cond>
-              </p:nextCondLst>
-            </p:seq>
-          </p:childTnLst>
-        </p:cTn>
-      </p:par>
-    </p:tnLst>
-  </p:timing>
-</p:sld>
-</file>
-
-<file path=ppt/slides/slide8.xml><?xml version="1.0" encoding="utf-8"?>
-<p:sld xmlns:a="http://schemas.openxmlformats.org/drawingml/2006/main" xmlns:r="http://schemas.openxmlformats.org/officeDocument/2006/relationships" xmlns:p="http://schemas.openxmlformats.org/presentationml/2006/main">
-  <p:cSld>
-    <p:spTree>
-      <p:nvGrpSpPr>
-        <p:cNvPr id="1" name=""/>
-        <p:cNvGrpSpPr/>
-        <p:nvPr/>
-      </p:nvGrpSpPr>
-      <p:grpSpPr>
-        <a:xfrm>
-          <a:off x="0" y="0"/>
-          <a:ext cx="0" cy="0"/>
-          <a:chOff x="0" y="0"/>
-          <a:chExt cx="0" cy="0"/>
-        </a:xfrm>
-      </p:grpSpPr>
-      <p:sp>
-        <p:nvSpPr>
-          <p:cNvPr id="2" name="Title 1"/>
-          <p:cNvSpPr>
-            <a:spLocks noGrp="1"/>
-          </p:cNvSpPr>
-          <p:nvPr>
-            <p:ph type="title"/>
-          </p:nvPr>
-        </p:nvSpPr>
-        <p:spPr/>
-        <p:txBody>
-          <a:bodyPr/>
-          <a:lstStyle/>
-          <a:p>
-            <a:r>
-              <a:rPr lang="en-US" dirty="0"/>
-              <a:t>Efficiency</a:t>
-            </a:r>
-          </a:p>
-        </p:txBody>
-      </p:sp>
-      <mc:AlternateContent xmlns:mc="http://schemas.openxmlformats.org/markup-compatibility/2006" xmlns:a14="http://schemas.microsoft.com/office/drawing/2010/main">
-        <mc:Choice Requires="a14">
-          <p:sp>
-            <p:nvSpPr>
-              <p:cNvPr id="3" name="Content Placeholder 2"/>
-              <p:cNvSpPr>
-                <a:spLocks noGrp="1"/>
-              </p:cNvSpPr>
-              <p:nvPr>
-                <p:ph idx="1"/>
-              </p:nvPr>
-            </p:nvSpPr>
-            <p:spPr/>
-            <p:txBody>
-              <a:bodyPr/>
-              <a:lstStyle/>
-              <a:p>
-                <a:r>
-                  <a:rPr lang="en-US" dirty="0"/>
-                  <a:t>The efficiency is the percentage of the work or power in that makes it out of a system.</a:t>
-                </a:r>
-              </a:p>
-              <a:p>
-                <a:endParaRPr lang="en-US" dirty="0"/>
-              </a:p>
-              <a:p>
-                <a:pPr marL="0" indent="0">
-                  <a:buNone/>
-                </a:pPr>
-                <a14:m>
-                  <m:oMathPara xmlns:m="http://schemas.openxmlformats.org/officeDocument/2006/math">
-                    <m:oMathParaPr>
-                      <m:jc m:val="centerGroup"/>
-                    </m:oMathParaPr>
-                    <m:oMath xmlns:m="http://schemas.openxmlformats.org/officeDocument/2006/math">
-                      <m:r>
-                        <a:rPr lang="en-US" b="0" i="1" smtClean="0">
-                          <a:latin typeface="Cambria Math" panose="02040503050406030204" pitchFamily="18" charset="0"/>
-                          <a:ea typeface="Cambria Math" panose="02040503050406030204" pitchFamily="18" charset="0"/>
-                        </a:rPr>
-                        <m:t>𝜂</m:t>
-                      </m:r>
-                      <m:r>
-                        <a:rPr lang="en-US" b="0" i="1" smtClean="0">
-                          <a:latin typeface="Cambria Math"/>
-                        </a:rPr>
-                        <m:t>=</m:t>
-                      </m:r>
-                      <m:f>
-                        <m:fPr>
-                          <m:ctrlPr>
-                            <a:rPr lang="en-US" b="0" i="1" smtClean="0">
-                              <a:latin typeface="Cambria Math" panose="02040503050406030204" pitchFamily="18" charset="0"/>
-                            </a:rPr>
-                          </m:ctrlPr>
-                        </m:fPr>
-                        <m:num>
-                          <m:sSub>
-                            <m:sSubPr>
-                              <m:ctrlPr>
-                                <a:rPr lang="en-US" b="0" i="1" smtClean="0">
-                                  <a:latin typeface="Cambria Math" panose="02040503050406030204" pitchFamily="18" charset="0"/>
-                                </a:rPr>
-                              </m:ctrlPr>
-                            </m:sSubPr>
-                            <m:e>
-                              <m:r>
-                                <a:rPr lang="en-US" b="0" i="1" smtClean="0">
-                                  <a:latin typeface="Cambria Math"/>
-                                </a:rPr>
-                                <m:t>𝑊</m:t>
-                              </m:r>
-                            </m:e>
-                            <m:sub>
-                              <m:r>
-                                <a:rPr lang="en-US" b="0" i="1" smtClean="0">
-                                  <a:latin typeface="Cambria Math"/>
-                                </a:rPr>
-                                <m:t>𝑜𝑢𝑡</m:t>
-                              </m:r>
-                            </m:sub>
-                          </m:sSub>
-                        </m:num>
-                        <m:den>
-                          <m:sSub>
-                            <m:sSubPr>
-                              <m:ctrlPr>
-                                <a:rPr lang="en-US" i="1">
-                                  <a:latin typeface="Cambria Math" panose="02040503050406030204" pitchFamily="18" charset="0"/>
-                                </a:rPr>
-                              </m:ctrlPr>
-                            </m:sSubPr>
-                            <m:e>
-                              <m:r>
-                                <a:rPr lang="en-US" i="1">
-                                  <a:latin typeface="Cambria Math"/>
-                                </a:rPr>
-                                <m:t>𝑊</m:t>
-                              </m:r>
-                            </m:e>
-                            <m:sub>
-                              <m:r>
-                                <a:rPr lang="en-US" b="0" i="1" smtClean="0">
-                                  <a:latin typeface="Cambria Math"/>
-                                </a:rPr>
-                                <m:t>𝑖𝑛</m:t>
-                              </m:r>
-                            </m:sub>
-                          </m:sSub>
-                        </m:den>
-                      </m:f>
-                      <m:r>
-                        <a:rPr lang="en-US" b="0" i="1" smtClean="0">
-                          <a:latin typeface="Cambria Math"/>
-                        </a:rPr>
-                        <m:t>=</m:t>
-                      </m:r>
-                      <m:f>
-                        <m:fPr>
-                          <m:ctrlPr>
-                            <a:rPr lang="en-US" b="0" i="1" smtClean="0">
-                              <a:latin typeface="Cambria Math" panose="02040503050406030204" pitchFamily="18" charset="0"/>
-                            </a:rPr>
-                          </m:ctrlPr>
-                        </m:fPr>
-                        <m:num>
-                          <m:sSub>
-                            <m:sSubPr>
-                              <m:ctrlPr>
-                                <a:rPr lang="en-US" b="0" i="1" smtClean="0">
-                                  <a:latin typeface="Cambria Math" panose="02040503050406030204" pitchFamily="18" charset="0"/>
-                                </a:rPr>
-                              </m:ctrlPr>
-                            </m:sSubPr>
-                            <m:e>
-                              <m:r>
-                                <a:rPr lang="en-US" i="1">
-                                  <a:latin typeface="Cambria Math"/>
-                                  <a:ea typeface="Cambria Math"/>
-                                </a:rPr>
-                                <m:t>𝒫</m:t>
-                              </m:r>
-                            </m:e>
-                            <m:sub>
-                              <m:r>
-                                <a:rPr lang="en-US" b="0" i="1" smtClean="0">
-                                  <a:latin typeface="Cambria Math"/>
-                                </a:rPr>
-                                <m:t>𝑜𝑢𝑡</m:t>
-                              </m:r>
-                            </m:sub>
-                          </m:sSub>
-                        </m:num>
-                        <m:den>
-                          <m:sSub>
-                            <m:sSubPr>
-                              <m:ctrlPr>
-                                <a:rPr lang="en-US" i="1">
-                                  <a:latin typeface="Cambria Math" panose="02040503050406030204" pitchFamily="18" charset="0"/>
-                                </a:rPr>
-                              </m:ctrlPr>
-                            </m:sSubPr>
-                            <m:e>
-                              <m:r>
-                                <a:rPr lang="en-US" i="1">
-                                  <a:latin typeface="Cambria Math"/>
-                                  <a:ea typeface="Cambria Math"/>
-                                </a:rPr>
-                                <m:t>𝒫</m:t>
-                              </m:r>
-                            </m:e>
-                            <m:sub>
-                              <m:r>
-                                <a:rPr lang="en-US" b="0" i="1" smtClean="0">
-                                  <a:latin typeface="Cambria Math"/>
-                                  <a:ea typeface="Cambria Math"/>
-                                </a:rPr>
-                                <m:t>𝑖𝑛</m:t>
-                              </m:r>
-                            </m:sub>
-                          </m:sSub>
-                        </m:den>
-                      </m:f>
-                    </m:oMath>
-                  </m:oMathPara>
-                </a14:m>
-                <a:endParaRPr lang="en-US" dirty="0"/>
-              </a:p>
-            </p:txBody>
-          </p:sp>
-        </mc:Choice>
-        <mc:Fallback xmlns="">
-          <p:sp>
-            <p:nvSpPr>
-              <p:cNvPr id="3" name="Content Placeholder 2"/>
-              <p:cNvSpPr>
-                <a:spLocks noGrp="1" noRot="1" noChangeAspect="1" noMove="1" noResize="1" noEditPoints="1" noAdjustHandles="1" noChangeArrowheads="1" noChangeShapeType="1" noTextEdit="1"/>
-              </p:cNvSpPr>
-              <p:nvPr>
-                <p:ph idx="1"/>
-              </p:nvPr>
-            </p:nvSpPr>
-            <p:spPr>
-              <a:blipFill>
-                <a:blip r:embed="rId2"/>
-                <a:stretch>
-                  <a:fillRect l="-1704" t="-1752" r="-2296"/>
-                </a:stretch>
-              </a:blipFill>
-            </p:spPr>
-            <p:txBody>
-              <a:bodyPr/>
-              <a:lstStyle/>
-              <a:p>
-                <a:r>
-                  <a:rPr lang="en-US">
-                    <a:noFill/>
-                  </a:rPr>
-                  <a:t> </a:t>
-                </a:r>
-              </a:p>
-            </p:txBody>
-          </p:sp>
-        </mc:Fallback>
-      </mc:AlternateContent>
-      <p:sp>
-        <p:nvSpPr>
-          <p:cNvPr id="4" name="Slide Number Placeholder 3"/>
-          <p:cNvSpPr>
-            <a:spLocks noGrp="1"/>
-          </p:cNvSpPr>
-          <p:nvPr>
-            <p:ph type="sldNum" sz="quarter" idx="12"/>
-          </p:nvPr>
-        </p:nvSpPr>
-        <p:spPr/>
-        <p:txBody>
-          <a:bodyPr/>
-          <a:lstStyle/>
-          <a:p>
-            <a:fld id="{929262FE-7F58-4A1E-8AF3-5A510A86DEBD}" type="slidenum">
-              <a:rPr lang="en-US" smtClean="0"/>
-              <a:t>8</a:t>
-            </a:fld>
-            <a:endParaRPr lang="en-US"/>
-          </a:p>
-        </p:txBody>
-      </p:sp>
-    </p:spTree>
-    <p:extLst>
-      <p:ext uri="{BB962C8B-B14F-4D97-AF65-F5344CB8AC3E}">
-        <p14:creationId xmlns:p14="http://schemas.microsoft.com/office/powerpoint/2010/main" val="1604584844"/>
-      </p:ext>
-    </p:extLst>
-  </p:cSld>
-  <p:clrMapOvr>
-    <a:masterClrMapping/>
-  </p:clrMapOvr>
-  <p:timing>
-    <p:tnLst>
-      <p:par>
-        <p:cTn id="1" dur="indefinite" restart="never" nodeType="tmRoot">
-          <p:childTnLst>
-            <p:seq concurrent="1" nextAc="seek">
-              <p:cTn id="2" dur="indefinite" nodeType="mainSeq">
-                <p:childTnLst>
-                  <p:par>
-                    <p:cTn id="3" fill="hold">
-                      <p:stCondLst>
-                        <p:cond delay="indefinite"/>
-                      </p:stCondLst>
-                      <p:childTnLst>
-                        <p:par>
-                          <p:cTn id="4" fill="hold">
-                            <p:stCondLst>
-                              <p:cond delay="0"/>
-                            </p:stCondLst>
-                            <p:childTnLst>
-                              <p:par>
-                                <p:cTn id="5" presetID="1" presetClass="entr" presetSubtype="0" fill="hold" grpId="0" nodeType="clickEffect">
-                                  <p:stCondLst>
-                                    <p:cond delay="0"/>
-                                  </p:stCondLst>
-                                  <p:childTnLst>
-                                    <p:set>
-                                      <p:cBhvr>
-                                        <p:cTn id="6" dur="1" fill="hold">
-                                          <p:stCondLst>
-                                            <p:cond delay="0"/>
-                                          </p:stCondLst>
-                                        </p:cTn>
-                                        <p:tgtEl>
-                                          <p:spTgt spid="3">
-                                            <p:txEl>
-                                              <p:pRg st="0" end="0"/>
-                                            </p:txEl>
-                                          </p:spTgt>
-                                        </p:tgtEl>
-                                        <p:attrNameLst>
-                                          <p:attrName>style.visibility</p:attrName>
-                                        </p:attrNameLst>
-                                      </p:cBhvr>
-                                      <p:to>
-                                        <p:strVal val="visible"/>
-                                      </p:to>
-                                    </p:set>
-                                  </p:childTnLst>
-                                </p:cTn>
-                              </p:par>
-                            </p:childTnLst>
-                          </p:cTn>
-                        </p:par>
-                      </p:childTnLst>
-                    </p:cTn>
-                  </p:par>
-                  <p:par>
-                    <p:cTn id="7" fill="hold">
-                      <p:stCondLst>
-                        <p:cond delay="indefinite"/>
-                      </p:stCondLst>
-                      <p:childTnLst>
-                        <p:par>
-                          <p:cTn id="8" fill="hold">
-                            <p:stCondLst>
-                              <p:cond delay="0"/>
-                            </p:stCondLst>
-                            <p:childTnLst>
-                              <p:par>
-                                <p:cTn id="9" presetID="1" presetClass="entr" presetSubtype="0" fill="hold" grpId="0" nodeType="clickEffect">
-                                  <p:stCondLst>
-                                    <p:cond delay="0"/>
-                                  </p:stCondLst>
-                                  <p:childTnLst>
-                                    <p:set>
-                                      <p:cBhvr>
-                                        <p:cTn id="10" dur="1" fill="hold">
-                                          <p:stCondLst>
-                                            <p:cond delay="0"/>
-                                          </p:stCondLst>
-                                        </p:cTn>
-                                        <p:tgtEl>
-                                          <p:spTgt spid="3">
-                                            <p:txEl>
-                                              <p:pRg st="2" end="2"/>
-                                            </p:txEl>
-                                          </p:spTgt>
-                                        </p:tgtEl>
-                                        <p:attrNameLst>
-                                          <p:attrName>style.visibility</p:attrName>
-                                        </p:attrNameLst>
-                                      </p:cBhvr>
-                                      <p:to>
-                                        <p:strVal val="visible"/>
-                                      </p:to>
-                                    </p:set>
-                                  </p:childTnLst>
-                                </p:cTn>
-                              </p:par>
-                            </p:childTnLst>
-                          </p:cTn>
-                        </p:par>
-                      </p:childTnLst>
-                    </p:cTn>
-                  </p:par>
-                </p:childTnLst>
-              </p:cTn>
-              <p:prevCondLst>
-                <p:cond evt="onPrev" delay="0">
-                  <p:tgtEl>
-                    <p:sldTgt/>
-                  </p:tgtEl>
-                </p:cond>
-              </p:prevCondLst>
-              <p:nextCondLst>
-                <p:cond evt="onNext" delay="0">
-                  <p:tgtEl>
-                    <p:sldTgt/>
-                  </p:tgtEl>
-                </p:cond>
-              </p:nextCondLst>
-            </p:seq>
-          </p:childTnLst>
-        </p:cTn>
-      </p:par>
-    </p:tnLst>
-    <p:bldLst>
-      <p:bldP spid="3" grpId="0" build="p"/>
-    </p:bldLst>
-  </p:timing>
-</p:sld>
-</file>
-
-<file path=ppt/slides/slide9.xml><?xml version="1.0" encoding="utf-8"?>
+<file path=ppt/slides/slide6.xml><?xml version="1.0" encoding="utf-8"?>
 <p:sld xmlns:a="http://schemas.openxmlformats.org/drawingml/2006/main" xmlns:r="http://schemas.openxmlformats.org/officeDocument/2006/relationships" xmlns:p="http://schemas.openxmlformats.org/presentationml/2006/main">
   <p:cSld>
     <p:spTree>
@@ -8727,6 +6056,1473 @@
     <p:extLst>
       <p:ext uri="{BB962C8B-B14F-4D97-AF65-F5344CB8AC3E}">
         <p14:creationId xmlns:p14="http://schemas.microsoft.com/office/powerpoint/2010/main" val="3129637585"/>
+      </p:ext>
+    </p:extLst>
+  </p:cSld>
+  <p:clrMapOvr>
+    <a:masterClrMapping/>
+  </p:clrMapOvr>
+</p:sld>
+</file>
+
+<file path=ppt/slides/slide7.xml><?xml version="1.0" encoding="utf-8"?>
+<p:sld xmlns:a="http://schemas.openxmlformats.org/drawingml/2006/main" xmlns:r="http://schemas.openxmlformats.org/officeDocument/2006/relationships" xmlns:p="http://schemas.openxmlformats.org/presentationml/2006/main">
+  <p:cSld>
+    <p:spTree>
+      <p:nvGrpSpPr>
+        <p:cNvPr id="1" name=""/>
+        <p:cNvGrpSpPr/>
+        <p:nvPr/>
+      </p:nvGrpSpPr>
+      <p:grpSpPr>
+        <a:xfrm>
+          <a:off x="0" y="0"/>
+          <a:ext cx="0" cy="0"/>
+          <a:chOff x="0" y="0"/>
+          <a:chExt cx="0" cy="0"/>
+        </a:xfrm>
+      </p:grpSpPr>
+      <p:sp>
+        <p:nvSpPr>
+          <p:cNvPr id="2" name="Title 1"/>
+          <p:cNvSpPr>
+            <a:spLocks noGrp="1"/>
+          </p:cNvSpPr>
+          <p:nvPr>
+            <p:ph type="title"/>
+          </p:nvPr>
+        </p:nvSpPr>
+        <p:spPr/>
+        <p:txBody>
+          <a:bodyPr>
+            <a:normAutofit/>
+          </a:bodyPr>
+          <a:lstStyle/>
+          <a:p>
+            <a:r>
+              <a:rPr lang="en-US" dirty="0"/>
+              <a:t>Worked Example</a:t>
+            </a:r>
+          </a:p>
+        </p:txBody>
+      </p:sp>
+      <p:sp>
+        <p:nvSpPr>
+          <p:cNvPr id="3" name="Content Placeholder 2"/>
+          <p:cNvSpPr>
+            <a:spLocks noGrp="1"/>
+          </p:cNvSpPr>
+          <p:nvPr>
+            <p:ph idx="1"/>
+          </p:nvPr>
+        </p:nvSpPr>
+        <p:spPr>
+          <a:xfrm>
+            <a:off x="457200" y="1600200"/>
+            <a:ext cx="4405169" cy="4419599"/>
+          </a:xfrm>
+        </p:spPr>
+        <p:txBody>
+          <a:bodyPr>
+            <a:normAutofit fontScale="85000" lnSpcReduction="10000"/>
+          </a:bodyPr>
+          <a:lstStyle/>
+          <a:p>
+            <a:r>
+              <a:rPr lang="en-US" dirty="0"/>
+              <a:t>You are controlling a satellite with a mass of 300 kg. The main and lateral thrusters can exert the forces shown. How long do you need to run each of the thrusters to achieve the final velocity as shown in the diagram? Assume the satellite has zero initial velocity.</a:t>
+            </a:r>
+          </a:p>
+        </p:txBody>
+      </p:sp>
+      <p:sp>
+        <p:nvSpPr>
+          <p:cNvPr id="4" name="Slide Number Placeholder 3"/>
+          <p:cNvSpPr>
+            <a:spLocks noGrp="1"/>
+          </p:cNvSpPr>
+          <p:nvPr>
+            <p:ph type="sldNum" sz="quarter" idx="12"/>
+          </p:nvPr>
+        </p:nvSpPr>
+        <p:spPr/>
+        <p:txBody>
+          <a:bodyPr/>
+          <a:lstStyle/>
+          <a:p>
+            <a:fld id="{929262FE-7F58-4A1E-8AF3-5A510A86DEBD}" type="slidenum">
+              <a:rPr lang="en-US" smtClean="0"/>
+              <a:t>7</a:t>
+            </a:fld>
+            <a:endParaRPr lang="en-US"/>
+          </a:p>
+        </p:txBody>
+      </p:sp>
+      <p:grpSp>
+        <p:nvGrpSpPr>
+          <p:cNvPr id="11" name="Group 10">
+            <a:extLst>
+              <a:ext uri="{FF2B5EF4-FFF2-40B4-BE49-F238E27FC236}">
+                <a16:creationId xmlns:a16="http://schemas.microsoft.com/office/drawing/2014/main" id="{DD1E3100-A575-418F-BC27-439CBED6145E}"/>
+              </a:ext>
+            </a:extLst>
+          </p:cNvPr>
+          <p:cNvGrpSpPr/>
+          <p:nvPr/>
+        </p:nvGrpSpPr>
+        <p:grpSpPr>
+          <a:xfrm>
+            <a:off x="6553200" y="2166144"/>
+            <a:ext cx="838200" cy="3441699"/>
+            <a:chOff x="2971800" y="2393951"/>
+            <a:chExt cx="838200" cy="3441699"/>
+          </a:xfrm>
+        </p:grpSpPr>
+        <p:cxnSp>
+          <p:nvCxnSpPr>
+            <p:cNvPr id="10" name="Straight Connector 9">
+              <a:extLst>
+                <a:ext uri="{FF2B5EF4-FFF2-40B4-BE49-F238E27FC236}">
+                  <a16:creationId xmlns:a16="http://schemas.microsoft.com/office/drawing/2014/main" id="{714353B6-1938-426D-9A1A-C9097EC48384}"/>
+                </a:ext>
+              </a:extLst>
+            </p:cNvPr>
+            <p:cNvCxnSpPr/>
+            <p:nvPr/>
+          </p:nvCxnSpPr>
+          <p:spPr>
+            <a:xfrm>
+              <a:off x="3413760" y="3199607"/>
+              <a:ext cx="0" cy="1981199"/>
+            </a:xfrm>
+            <a:prstGeom prst="line">
+              <a:avLst/>
+            </a:prstGeom>
+          </p:spPr>
+          <p:style>
+            <a:lnRef idx="3">
+              <a:schemeClr val="dk1"/>
+            </a:lnRef>
+            <a:fillRef idx="0">
+              <a:schemeClr val="dk1"/>
+            </a:fillRef>
+            <a:effectRef idx="2">
+              <a:schemeClr val="dk1"/>
+            </a:effectRef>
+            <a:fontRef idx="minor">
+              <a:schemeClr val="tx1"/>
+            </a:fontRef>
+          </p:style>
+        </p:cxnSp>
+        <p:sp>
+          <p:nvSpPr>
+            <p:cNvPr id="6" name="Rectangle 5">
+              <a:extLst>
+                <a:ext uri="{FF2B5EF4-FFF2-40B4-BE49-F238E27FC236}">
+                  <a16:creationId xmlns:a16="http://schemas.microsoft.com/office/drawing/2014/main" id="{F8A3A3D1-5686-4505-AFD5-74E0FBE30152}"/>
+                </a:ext>
+              </a:extLst>
+            </p:cNvPr>
+            <p:cNvSpPr/>
+            <p:nvPr/>
+          </p:nvSpPr>
+          <p:spPr>
+            <a:xfrm>
+              <a:off x="2971800" y="3886201"/>
+              <a:ext cx="838200" cy="457199"/>
+            </a:xfrm>
+            <a:prstGeom prst="rect">
+              <a:avLst/>
+            </a:prstGeom>
+          </p:spPr>
+          <p:style>
+            <a:lnRef idx="1">
+              <a:schemeClr val="dk1"/>
+            </a:lnRef>
+            <a:fillRef idx="2">
+              <a:schemeClr val="dk1"/>
+            </a:fillRef>
+            <a:effectRef idx="1">
+              <a:schemeClr val="dk1"/>
+            </a:effectRef>
+            <a:fontRef idx="minor">
+              <a:schemeClr val="dk1"/>
+            </a:fontRef>
+          </p:style>
+          <p:txBody>
+            <a:bodyPr rtlCol="0" anchor="ctr"/>
+            <a:lstStyle/>
+            <a:p>
+              <a:pPr algn="ctr"/>
+              <a:endParaRPr lang="en-US"/>
+            </a:p>
+          </p:txBody>
+        </p:sp>
+        <p:sp>
+          <p:nvSpPr>
+            <p:cNvPr id="7" name="Rectangle 6">
+              <a:extLst>
+                <a:ext uri="{FF2B5EF4-FFF2-40B4-BE49-F238E27FC236}">
+                  <a16:creationId xmlns:a16="http://schemas.microsoft.com/office/drawing/2014/main" id="{66A72352-BE01-4DFE-B363-66EB151CFA67}"/>
+                </a:ext>
+              </a:extLst>
+            </p:cNvPr>
+            <p:cNvSpPr/>
+            <p:nvPr/>
+          </p:nvSpPr>
+          <p:spPr>
+            <a:xfrm>
+              <a:off x="3083560" y="2393951"/>
+              <a:ext cx="609600" cy="1309687"/>
+            </a:xfrm>
+            <a:prstGeom prst="rect">
+              <a:avLst/>
+            </a:prstGeom>
+          </p:spPr>
+          <p:style>
+            <a:lnRef idx="2">
+              <a:schemeClr val="dk1">
+                <a:shade val="50000"/>
+              </a:schemeClr>
+            </a:lnRef>
+            <a:fillRef idx="1">
+              <a:schemeClr val="dk1"/>
+            </a:fillRef>
+            <a:effectRef idx="0">
+              <a:schemeClr val="dk1"/>
+            </a:effectRef>
+            <a:fontRef idx="minor">
+              <a:schemeClr val="lt1"/>
+            </a:fontRef>
+          </p:style>
+          <p:txBody>
+            <a:bodyPr rtlCol="0" anchor="ctr"/>
+            <a:lstStyle/>
+            <a:p>
+              <a:pPr algn="ctr"/>
+              <a:endParaRPr lang="en-US"/>
+            </a:p>
+          </p:txBody>
+        </p:sp>
+        <p:sp>
+          <p:nvSpPr>
+            <p:cNvPr id="8" name="Rectangle 7">
+              <a:extLst>
+                <a:ext uri="{FF2B5EF4-FFF2-40B4-BE49-F238E27FC236}">
+                  <a16:creationId xmlns:a16="http://schemas.microsoft.com/office/drawing/2014/main" id="{A1C1FEAF-566C-4205-A1E5-092460266BA0}"/>
+                </a:ext>
+              </a:extLst>
+            </p:cNvPr>
+            <p:cNvSpPr/>
+            <p:nvPr/>
+          </p:nvSpPr>
+          <p:spPr>
+            <a:xfrm>
+              <a:off x="3083560" y="4525963"/>
+              <a:ext cx="609600" cy="1309687"/>
+            </a:xfrm>
+            <a:prstGeom prst="rect">
+              <a:avLst/>
+            </a:prstGeom>
+          </p:spPr>
+          <p:style>
+            <a:lnRef idx="2">
+              <a:schemeClr val="dk1">
+                <a:shade val="50000"/>
+              </a:schemeClr>
+            </a:lnRef>
+            <a:fillRef idx="1">
+              <a:schemeClr val="dk1"/>
+            </a:fillRef>
+            <a:effectRef idx="0">
+              <a:schemeClr val="dk1"/>
+            </a:effectRef>
+            <a:fontRef idx="minor">
+              <a:schemeClr val="lt1"/>
+            </a:fontRef>
+          </p:style>
+          <p:txBody>
+            <a:bodyPr rtlCol="0" anchor="ctr"/>
+            <a:lstStyle/>
+            <a:p>
+              <a:pPr algn="ctr"/>
+              <a:endParaRPr lang="en-US"/>
+            </a:p>
+          </p:txBody>
+        </p:sp>
+      </p:grpSp>
+      <p:cxnSp>
+        <p:nvCxnSpPr>
+          <p:cNvPr id="13" name="Straight Arrow Connector 12">
+            <a:extLst>
+              <a:ext uri="{FF2B5EF4-FFF2-40B4-BE49-F238E27FC236}">
+                <a16:creationId xmlns:a16="http://schemas.microsoft.com/office/drawing/2014/main" id="{C535E4B9-73D0-4B04-8D16-98C2588F9974}"/>
+              </a:ext>
+            </a:extLst>
+          </p:cNvPr>
+          <p:cNvCxnSpPr/>
+          <p:nvPr/>
+        </p:nvCxnSpPr>
+        <p:spPr>
+          <a:xfrm>
+            <a:off x="5862320" y="3886993"/>
+            <a:ext cx="685800" cy="0"/>
+          </a:xfrm>
+          <a:prstGeom prst="straightConnector1">
+            <a:avLst/>
+          </a:prstGeom>
+          <a:ln>
+            <a:solidFill>
+              <a:srgbClr val="FF0000"/>
+            </a:solidFill>
+            <a:tailEnd type="triangle"/>
+          </a:ln>
+        </p:spPr>
+        <p:style>
+          <a:lnRef idx="3">
+            <a:schemeClr val="dk1"/>
+          </a:lnRef>
+          <a:fillRef idx="0">
+            <a:schemeClr val="dk1"/>
+          </a:fillRef>
+          <a:effectRef idx="2">
+            <a:schemeClr val="dk1"/>
+          </a:effectRef>
+          <a:fontRef idx="minor">
+            <a:schemeClr val="tx1"/>
+          </a:fontRef>
+        </p:style>
+      </p:cxnSp>
+      <p:cxnSp>
+        <p:nvCxnSpPr>
+          <p:cNvPr id="14" name="Straight Arrow Connector 13">
+            <a:extLst>
+              <a:ext uri="{FF2B5EF4-FFF2-40B4-BE49-F238E27FC236}">
+                <a16:creationId xmlns:a16="http://schemas.microsoft.com/office/drawing/2014/main" id="{16DD0CF0-222F-44A6-B037-C72B7B57510A}"/>
+              </a:ext>
+            </a:extLst>
+          </p:cNvPr>
+          <p:cNvCxnSpPr>
+            <a:cxnSpLocks/>
+          </p:cNvCxnSpPr>
+          <p:nvPr/>
+        </p:nvCxnSpPr>
+        <p:spPr>
+          <a:xfrm flipV="1">
+            <a:off x="6995160" y="4085113"/>
+            <a:ext cx="0" cy="304800"/>
+          </a:xfrm>
+          <a:prstGeom prst="straightConnector1">
+            <a:avLst/>
+          </a:prstGeom>
+          <a:ln>
+            <a:solidFill>
+              <a:srgbClr val="FF0000"/>
+            </a:solidFill>
+            <a:tailEnd type="triangle"/>
+          </a:ln>
+        </p:spPr>
+        <p:style>
+          <a:lnRef idx="3">
+            <a:schemeClr val="dk1"/>
+          </a:lnRef>
+          <a:fillRef idx="0">
+            <a:schemeClr val="dk1"/>
+          </a:fillRef>
+          <a:effectRef idx="2">
+            <a:schemeClr val="dk1"/>
+          </a:effectRef>
+          <a:fontRef idx="minor">
+            <a:schemeClr val="tx1"/>
+          </a:fontRef>
+        </p:style>
+      </p:cxnSp>
+      <mc:AlternateContent xmlns:mc="http://schemas.openxmlformats.org/markup-compatibility/2006" xmlns:a14="http://schemas.microsoft.com/office/drawing/2010/main">
+        <mc:Choice Requires="a14">
+          <p:sp>
+            <p:nvSpPr>
+              <p:cNvPr id="16" name="TextBox 15">
+                <a:extLst>
+                  <a:ext uri="{FF2B5EF4-FFF2-40B4-BE49-F238E27FC236}">
+                    <a16:creationId xmlns:a16="http://schemas.microsoft.com/office/drawing/2014/main" id="{857EB14F-1730-4DE9-8461-FA0F2E135EBC}"/>
+                  </a:ext>
+                </a:extLst>
+              </p:cNvPr>
+              <p:cNvSpPr txBox="1"/>
+              <p:nvPr/>
+            </p:nvSpPr>
+            <p:spPr>
+              <a:xfrm>
+                <a:off x="5027469" y="3472288"/>
+                <a:ext cx="1472391" cy="276999"/>
+              </a:xfrm>
+              <a:prstGeom prst="rect">
+                <a:avLst/>
+              </a:prstGeom>
+              <a:noFill/>
+            </p:spPr>
+            <p:txBody>
+              <a:bodyPr wrap="none" lIns="0" tIns="0" rIns="0" bIns="0" rtlCol="0">
+                <a:spAutoFit/>
+              </a:bodyPr>
+              <a:lstStyle/>
+              <a:p>
+                <a:pPr/>
+                <a14:m>
+                  <m:oMathPara xmlns:m="http://schemas.openxmlformats.org/officeDocument/2006/math">
+                    <m:oMathParaPr>
+                      <m:jc m:val="centerGroup"/>
+                    </m:oMathParaPr>
+                    <m:oMath xmlns:m="http://schemas.openxmlformats.org/officeDocument/2006/math">
+                      <m:sSub>
+                        <m:sSubPr>
+                          <m:ctrlPr>
+                            <a:rPr lang="en-US" i="1" smtClean="0">
+                              <a:solidFill>
+                                <a:srgbClr val="FF0000"/>
+                              </a:solidFill>
+                              <a:latin typeface="Cambria Math" panose="02040503050406030204" pitchFamily="18" charset="0"/>
+                            </a:rPr>
+                          </m:ctrlPr>
+                        </m:sSubPr>
+                        <m:e>
+                          <m:r>
+                            <a:rPr lang="en-US" b="0" i="1" smtClean="0">
+                              <a:solidFill>
+                                <a:srgbClr val="FF0000"/>
+                              </a:solidFill>
+                              <a:latin typeface="Cambria Math" panose="02040503050406030204" pitchFamily="18" charset="0"/>
+                            </a:rPr>
+                            <m:t>𝐹</m:t>
+                          </m:r>
+                        </m:e>
+                        <m:sub>
+                          <m:r>
+                            <a:rPr lang="en-US" b="0" i="1" smtClean="0">
+                              <a:solidFill>
+                                <a:srgbClr val="FF0000"/>
+                              </a:solidFill>
+                              <a:latin typeface="Cambria Math" panose="02040503050406030204" pitchFamily="18" charset="0"/>
+                            </a:rPr>
+                            <m:t>𝑚𝑎𝑖𝑛</m:t>
+                          </m:r>
+                        </m:sub>
+                      </m:sSub>
+                      <m:r>
+                        <a:rPr lang="en-US" b="0" i="1" smtClean="0">
+                          <a:solidFill>
+                            <a:srgbClr val="FF0000"/>
+                          </a:solidFill>
+                          <a:latin typeface="Cambria Math" panose="02040503050406030204" pitchFamily="18" charset="0"/>
+                        </a:rPr>
+                        <m:t>=600</m:t>
+                      </m:r>
+                      <m:r>
+                        <a:rPr lang="en-US" b="0" i="1" smtClean="0">
+                          <a:solidFill>
+                            <a:srgbClr val="FF0000"/>
+                          </a:solidFill>
+                          <a:latin typeface="Cambria Math" panose="02040503050406030204" pitchFamily="18" charset="0"/>
+                        </a:rPr>
+                        <m:t>𝑁</m:t>
+                      </m:r>
+                    </m:oMath>
+                  </m:oMathPara>
+                </a14:m>
+                <a:endParaRPr lang="en-US" dirty="0">
+                  <a:solidFill>
+                    <a:srgbClr val="FF0000"/>
+                  </a:solidFill>
+                </a:endParaRPr>
+              </a:p>
+            </p:txBody>
+          </p:sp>
+        </mc:Choice>
+        <mc:Fallback xmlns="">
+          <p:sp>
+            <p:nvSpPr>
+              <p:cNvPr id="16" name="TextBox 15">
+                <a:extLst>
+                  <a:ext uri="{FF2B5EF4-FFF2-40B4-BE49-F238E27FC236}">
+                    <a16:creationId xmlns:a16="http://schemas.microsoft.com/office/drawing/2014/main" id="{857EB14F-1730-4DE9-8461-FA0F2E135EBC}"/>
+                  </a:ext>
+                </a:extLst>
+              </p:cNvPr>
+              <p:cNvSpPr txBox="1">
+                <a:spLocks noRot="1" noChangeAspect="1" noMove="1" noResize="1" noEditPoints="1" noAdjustHandles="1" noChangeArrowheads="1" noChangeShapeType="1" noTextEdit="1"/>
+              </p:cNvSpPr>
+              <p:nvPr/>
+            </p:nvSpPr>
+            <p:spPr>
+              <a:xfrm>
+                <a:off x="5027469" y="3472288"/>
+                <a:ext cx="1472391" cy="276999"/>
+              </a:xfrm>
+              <a:prstGeom prst="rect">
+                <a:avLst/>
+              </a:prstGeom>
+              <a:blipFill>
+                <a:blip r:embed="rId2"/>
+                <a:stretch>
+                  <a:fillRect l="-3734" r="-3320" b="-17778"/>
+                </a:stretch>
+              </a:blipFill>
+            </p:spPr>
+            <p:txBody>
+              <a:bodyPr/>
+              <a:lstStyle/>
+              <a:p>
+                <a:r>
+                  <a:rPr lang="en-US">
+                    <a:noFill/>
+                  </a:rPr>
+                  <a:t> </a:t>
+                </a:r>
+              </a:p>
+            </p:txBody>
+          </p:sp>
+        </mc:Fallback>
+      </mc:AlternateContent>
+      <mc:AlternateContent xmlns:mc="http://schemas.openxmlformats.org/markup-compatibility/2006" xmlns:a14="http://schemas.microsoft.com/office/drawing/2010/main">
+        <mc:Choice Requires="a14">
+          <p:sp>
+            <p:nvSpPr>
+              <p:cNvPr id="17" name="TextBox 16">
+                <a:extLst>
+                  <a:ext uri="{FF2B5EF4-FFF2-40B4-BE49-F238E27FC236}">
+                    <a16:creationId xmlns:a16="http://schemas.microsoft.com/office/drawing/2014/main" id="{889ECBA4-67A3-447D-9BE9-754C3C69F551}"/>
+                  </a:ext>
+                </a:extLst>
+              </p:cNvPr>
+              <p:cNvSpPr txBox="1"/>
+              <p:nvPr/>
+            </p:nvSpPr>
+            <p:spPr>
+              <a:xfrm>
+                <a:off x="7325361" y="4349273"/>
+                <a:ext cx="1332929" cy="276999"/>
+              </a:xfrm>
+              <a:prstGeom prst="rect">
+                <a:avLst/>
+              </a:prstGeom>
+              <a:noFill/>
+            </p:spPr>
+            <p:txBody>
+              <a:bodyPr wrap="none" lIns="0" tIns="0" rIns="0" bIns="0" rtlCol="0">
+                <a:spAutoFit/>
+              </a:bodyPr>
+              <a:lstStyle/>
+              <a:p>
+                <a:pPr/>
+                <a14:m>
+                  <m:oMathPara xmlns:m="http://schemas.openxmlformats.org/officeDocument/2006/math">
+                    <m:oMathParaPr>
+                      <m:jc m:val="centerGroup"/>
+                    </m:oMathParaPr>
+                    <m:oMath xmlns:m="http://schemas.openxmlformats.org/officeDocument/2006/math">
+                      <m:sSub>
+                        <m:sSubPr>
+                          <m:ctrlPr>
+                            <a:rPr lang="en-US" i="1" smtClean="0">
+                              <a:solidFill>
+                                <a:srgbClr val="FF0000"/>
+                              </a:solidFill>
+                              <a:latin typeface="Cambria Math" panose="02040503050406030204" pitchFamily="18" charset="0"/>
+                            </a:rPr>
+                          </m:ctrlPr>
+                        </m:sSubPr>
+                        <m:e>
+                          <m:r>
+                            <a:rPr lang="en-US" b="0" i="1" smtClean="0">
+                              <a:solidFill>
+                                <a:srgbClr val="FF0000"/>
+                              </a:solidFill>
+                              <a:latin typeface="Cambria Math" panose="02040503050406030204" pitchFamily="18" charset="0"/>
+                            </a:rPr>
+                            <m:t>𝐹</m:t>
+                          </m:r>
+                        </m:e>
+                        <m:sub>
+                          <m:r>
+                            <a:rPr lang="en-US" b="0" i="1" smtClean="0">
+                              <a:solidFill>
+                                <a:srgbClr val="FF0000"/>
+                              </a:solidFill>
+                              <a:latin typeface="Cambria Math" panose="02040503050406030204" pitchFamily="18" charset="0"/>
+                            </a:rPr>
+                            <m:t>𝑙𝑎𝑡</m:t>
+                          </m:r>
+                        </m:sub>
+                      </m:sSub>
+                      <m:r>
+                        <a:rPr lang="en-US" b="0" i="1" smtClean="0">
+                          <a:solidFill>
+                            <a:srgbClr val="FF0000"/>
+                          </a:solidFill>
+                          <a:latin typeface="Cambria Math" panose="02040503050406030204" pitchFamily="18" charset="0"/>
+                        </a:rPr>
+                        <m:t>=100 </m:t>
+                      </m:r>
+                      <m:r>
+                        <a:rPr lang="en-US" b="0" i="1" smtClean="0">
+                          <a:solidFill>
+                            <a:srgbClr val="FF0000"/>
+                          </a:solidFill>
+                          <a:latin typeface="Cambria Math" panose="02040503050406030204" pitchFamily="18" charset="0"/>
+                        </a:rPr>
+                        <m:t>𝑁</m:t>
+                      </m:r>
+                    </m:oMath>
+                  </m:oMathPara>
+                </a14:m>
+                <a:endParaRPr lang="en-US" dirty="0">
+                  <a:solidFill>
+                    <a:srgbClr val="FF0000"/>
+                  </a:solidFill>
+                </a:endParaRPr>
+              </a:p>
+            </p:txBody>
+          </p:sp>
+        </mc:Choice>
+        <mc:Fallback xmlns="">
+          <p:sp>
+            <p:nvSpPr>
+              <p:cNvPr id="17" name="TextBox 16">
+                <a:extLst>
+                  <a:ext uri="{FF2B5EF4-FFF2-40B4-BE49-F238E27FC236}">
+                    <a16:creationId xmlns:a16="http://schemas.microsoft.com/office/drawing/2014/main" id="{889ECBA4-67A3-447D-9BE9-754C3C69F551}"/>
+                  </a:ext>
+                </a:extLst>
+              </p:cNvPr>
+              <p:cNvSpPr txBox="1">
+                <a:spLocks noRot="1" noChangeAspect="1" noMove="1" noResize="1" noEditPoints="1" noAdjustHandles="1" noChangeArrowheads="1" noChangeShapeType="1" noTextEdit="1"/>
+              </p:cNvSpPr>
+              <p:nvPr/>
+            </p:nvSpPr>
+            <p:spPr>
+              <a:xfrm>
+                <a:off x="7325361" y="4349273"/>
+                <a:ext cx="1332929" cy="276999"/>
+              </a:xfrm>
+              <a:prstGeom prst="rect">
+                <a:avLst/>
+              </a:prstGeom>
+              <a:blipFill>
+                <a:blip r:embed="rId3"/>
+                <a:stretch>
+                  <a:fillRect l="-4128" r="-3670" b="-15217"/>
+                </a:stretch>
+              </a:blipFill>
+            </p:spPr>
+            <p:txBody>
+              <a:bodyPr/>
+              <a:lstStyle/>
+              <a:p>
+                <a:r>
+                  <a:rPr lang="en-US">
+                    <a:noFill/>
+                  </a:rPr>
+                  <a:t> </a:t>
+                </a:r>
+              </a:p>
+            </p:txBody>
+          </p:sp>
+        </mc:Fallback>
+      </mc:AlternateContent>
+      <p:cxnSp>
+        <p:nvCxnSpPr>
+          <p:cNvPr id="19" name="Straight Arrow Connector 18">
+            <a:extLst>
+              <a:ext uri="{FF2B5EF4-FFF2-40B4-BE49-F238E27FC236}">
+                <a16:creationId xmlns:a16="http://schemas.microsoft.com/office/drawing/2014/main" id="{2BD5F170-CC60-41B7-9B2A-D1DE16AF6CE1}"/>
+              </a:ext>
+            </a:extLst>
+          </p:cNvPr>
+          <p:cNvCxnSpPr>
+            <a:cxnSpLocks/>
+          </p:cNvCxnSpPr>
+          <p:nvPr/>
+        </p:nvCxnSpPr>
+        <p:spPr>
+          <a:xfrm flipV="1">
+            <a:off x="6995160" y="3201192"/>
+            <a:ext cx="1463040" cy="680722"/>
+          </a:xfrm>
+          <a:prstGeom prst="straightConnector1">
+            <a:avLst/>
+          </a:prstGeom>
+          <a:ln>
+            <a:tailEnd type="triangle"/>
+          </a:ln>
+        </p:spPr>
+        <p:style>
+          <a:lnRef idx="1">
+            <a:schemeClr val="accent1"/>
+          </a:lnRef>
+          <a:fillRef idx="0">
+            <a:schemeClr val="accent1"/>
+          </a:fillRef>
+          <a:effectRef idx="0">
+            <a:schemeClr val="accent1"/>
+          </a:effectRef>
+          <a:fontRef idx="minor">
+            <a:schemeClr val="tx1"/>
+          </a:fontRef>
+        </p:style>
+      </p:cxnSp>
+      <mc:AlternateContent xmlns:mc="http://schemas.openxmlformats.org/markup-compatibility/2006" xmlns:a14="http://schemas.microsoft.com/office/drawing/2010/main">
+        <mc:Choice Requires="a14">
+          <p:sp>
+            <p:nvSpPr>
+              <p:cNvPr id="21" name="TextBox 20">
+                <a:extLst>
+                  <a:ext uri="{FF2B5EF4-FFF2-40B4-BE49-F238E27FC236}">
+                    <a16:creationId xmlns:a16="http://schemas.microsoft.com/office/drawing/2014/main" id="{120A2A76-0E62-474C-89FC-E97C2EB94055}"/>
+                  </a:ext>
+                </a:extLst>
+              </p:cNvPr>
+              <p:cNvSpPr txBox="1"/>
+              <p:nvPr/>
+            </p:nvSpPr>
+            <p:spPr>
+              <a:xfrm>
+                <a:off x="7381390" y="2609927"/>
+                <a:ext cx="1534010" cy="474425"/>
+              </a:xfrm>
+              <a:prstGeom prst="rect">
+                <a:avLst/>
+              </a:prstGeom>
+              <a:noFill/>
+            </p:spPr>
+            <p:txBody>
+              <a:bodyPr wrap="none" lIns="0" tIns="0" rIns="0" bIns="0" rtlCol="0">
+                <a:spAutoFit/>
+              </a:bodyPr>
+              <a:lstStyle/>
+              <a:p>
+                <a:pPr/>
+                <a14:m>
+                  <m:oMathPara xmlns:m="http://schemas.openxmlformats.org/officeDocument/2006/math">
+                    <m:oMathParaPr>
+                      <m:jc m:val="centerGroup"/>
+                    </m:oMathParaPr>
+                    <m:oMath xmlns:m="http://schemas.openxmlformats.org/officeDocument/2006/math">
+                      <m:sSub>
+                        <m:sSubPr>
+                          <m:ctrlPr>
+                            <a:rPr lang="en-US" i="1" smtClean="0">
+                              <a:solidFill>
+                                <a:srgbClr val="0070C0"/>
+                              </a:solidFill>
+                              <a:latin typeface="Cambria Math" panose="02040503050406030204" pitchFamily="18" charset="0"/>
+                            </a:rPr>
+                          </m:ctrlPr>
+                        </m:sSubPr>
+                        <m:e>
+                          <m:r>
+                            <a:rPr lang="en-US" b="0" i="1" smtClean="0">
+                              <a:solidFill>
+                                <a:srgbClr val="0070C0"/>
+                              </a:solidFill>
+                              <a:latin typeface="Cambria Math" panose="02040503050406030204" pitchFamily="18" charset="0"/>
+                            </a:rPr>
+                            <m:t>𝑣</m:t>
+                          </m:r>
+                        </m:e>
+                        <m:sub>
+                          <m:r>
+                            <a:rPr lang="en-US" b="0" i="1" smtClean="0">
+                              <a:solidFill>
+                                <a:srgbClr val="0070C0"/>
+                              </a:solidFill>
+                              <a:latin typeface="Cambria Math" panose="02040503050406030204" pitchFamily="18" charset="0"/>
+                            </a:rPr>
+                            <m:t>𝑓𝑖𝑛𝑎𝑙</m:t>
+                          </m:r>
+                        </m:sub>
+                      </m:sSub>
+                      <m:r>
+                        <a:rPr lang="en-US" b="0" i="1" smtClean="0">
+                          <a:solidFill>
+                            <a:srgbClr val="0070C0"/>
+                          </a:solidFill>
+                          <a:latin typeface="Cambria Math" panose="02040503050406030204" pitchFamily="18" charset="0"/>
+                        </a:rPr>
+                        <m:t>=120</m:t>
+                      </m:r>
+                      <m:f>
+                        <m:fPr>
+                          <m:ctrlPr>
+                            <a:rPr lang="en-US" b="0" i="1" smtClean="0">
+                              <a:solidFill>
+                                <a:srgbClr val="0070C0"/>
+                              </a:solidFill>
+                              <a:latin typeface="Cambria Math" panose="02040503050406030204" pitchFamily="18" charset="0"/>
+                            </a:rPr>
+                          </m:ctrlPr>
+                        </m:fPr>
+                        <m:num>
+                          <m:r>
+                            <a:rPr lang="en-US" b="0" i="1" smtClean="0">
+                              <a:solidFill>
+                                <a:srgbClr val="0070C0"/>
+                              </a:solidFill>
+                              <a:latin typeface="Cambria Math" panose="02040503050406030204" pitchFamily="18" charset="0"/>
+                            </a:rPr>
+                            <m:t>𝑚</m:t>
+                          </m:r>
+                        </m:num>
+                        <m:den>
+                          <m:r>
+                            <a:rPr lang="en-US" b="0" i="1" smtClean="0">
+                              <a:solidFill>
+                                <a:srgbClr val="0070C0"/>
+                              </a:solidFill>
+                              <a:latin typeface="Cambria Math" panose="02040503050406030204" pitchFamily="18" charset="0"/>
+                            </a:rPr>
+                            <m:t>𝑠</m:t>
+                          </m:r>
+                        </m:den>
+                      </m:f>
+                    </m:oMath>
+                  </m:oMathPara>
+                </a14:m>
+                <a:endParaRPr lang="en-US" dirty="0">
+                  <a:solidFill>
+                    <a:srgbClr val="0070C0"/>
+                  </a:solidFill>
+                </a:endParaRPr>
+              </a:p>
+            </p:txBody>
+          </p:sp>
+        </mc:Choice>
+        <mc:Fallback xmlns="">
+          <p:sp>
+            <p:nvSpPr>
+              <p:cNvPr id="21" name="TextBox 20">
+                <a:extLst>
+                  <a:ext uri="{FF2B5EF4-FFF2-40B4-BE49-F238E27FC236}">
+                    <a16:creationId xmlns:a16="http://schemas.microsoft.com/office/drawing/2014/main" id="{120A2A76-0E62-474C-89FC-E97C2EB94055}"/>
+                  </a:ext>
+                </a:extLst>
+              </p:cNvPr>
+              <p:cNvSpPr txBox="1">
+                <a:spLocks noRot="1" noChangeAspect="1" noMove="1" noResize="1" noEditPoints="1" noAdjustHandles="1" noChangeArrowheads="1" noChangeShapeType="1" noTextEdit="1"/>
+              </p:cNvSpPr>
+              <p:nvPr/>
+            </p:nvSpPr>
+            <p:spPr>
+              <a:xfrm>
+                <a:off x="7381390" y="2609927"/>
+                <a:ext cx="1534010" cy="474425"/>
+              </a:xfrm>
+              <a:prstGeom prst="rect">
+                <a:avLst/>
+              </a:prstGeom>
+              <a:blipFill>
+                <a:blip r:embed="rId4"/>
+                <a:stretch>
+                  <a:fillRect/>
+                </a:stretch>
+              </a:blipFill>
+            </p:spPr>
+            <p:txBody>
+              <a:bodyPr/>
+              <a:lstStyle/>
+              <a:p>
+                <a:r>
+                  <a:rPr lang="en-US">
+                    <a:noFill/>
+                  </a:rPr>
+                  <a:t> </a:t>
+                </a:r>
+              </a:p>
+            </p:txBody>
+          </p:sp>
+        </mc:Fallback>
+      </mc:AlternateContent>
+      <p:cxnSp>
+        <p:nvCxnSpPr>
+          <p:cNvPr id="23" name="Straight Connector 22">
+            <a:extLst>
+              <a:ext uri="{FF2B5EF4-FFF2-40B4-BE49-F238E27FC236}">
+                <a16:creationId xmlns:a16="http://schemas.microsoft.com/office/drawing/2014/main" id="{FBE20619-663D-4463-A4C6-87FBCC9A7AE0}"/>
+              </a:ext>
+            </a:extLst>
+          </p:cNvPr>
+          <p:cNvCxnSpPr>
+            <a:cxnSpLocks/>
+          </p:cNvCxnSpPr>
+          <p:nvPr/>
+        </p:nvCxnSpPr>
+        <p:spPr>
+          <a:xfrm flipV="1">
+            <a:off x="6995159" y="3881914"/>
+            <a:ext cx="1153236" cy="0"/>
+          </a:xfrm>
+          <a:prstGeom prst="line">
+            <a:avLst/>
+          </a:prstGeom>
+        </p:spPr>
+        <p:style>
+          <a:lnRef idx="1">
+            <a:schemeClr val="accent1"/>
+          </a:lnRef>
+          <a:fillRef idx="0">
+            <a:schemeClr val="accent1"/>
+          </a:fillRef>
+          <a:effectRef idx="0">
+            <a:schemeClr val="accent1"/>
+          </a:effectRef>
+          <a:fontRef idx="minor">
+            <a:schemeClr val="tx1"/>
+          </a:fontRef>
+        </p:style>
+      </p:cxnSp>
+      <p:sp>
+        <p:nvSpPr>
+          <p:cNvPr id="24" name="Arc 23">
+            <a:extLst>
+              <a:ext uri="{FF2B5EF4-FFF2-40B4-BE49-F238E27FC236}">
+                <a16:creationId xmlns:a16="http://schemas.microsoft.com/office/drawing/2014/main" id="{DDB85D06-75F5-491B-A60A-E34D0E318837}"/>
+              </a:ext>
+            </a:extLst>
+          </p:cNvPr>
+          <p:cNvSpPr/>
+          <p:nvPr/>
+        </p:nvSpPr>
+        <p:spPr>
+          <a:xfrm>
+            <a:off x="6817360" y="3429793"/>
+            <a:ext cx="914400" cy="914400"/>
+          </a:xfrm>
+          <a:prstGeom prst="arc">
+            <a:avLst>
+              <a:gd name="adj1" fmla="val 19177740"/>
+              <a:gd name="adj2" fmla="val 0"/>
+            </a:avLst>
+          </a:prstGeom>
+        </p:spPr>
+        <p:style>
+          <a:lnRef idx="1">
+            <a:schemeClr val="accent1"/>
+          </a:lnRef>
+          <a:fillRef idx="0">
+            <a:schemeClr val="accent1"/>
+          </a:fillRef>
+          <a:effectRef idx="0">
+            <a:schemeClr val="accent1"/>
+          </a:effectRef>
+          <a:fontRef idx="minor">
+            <a:schemeClr val="tx1"/>
+          </a:fontRef>
+        </p:style>
+        <p:txBody>
+          <a:bodyPr rtlCol="0" anchor="ctr"/>
+          <a:lstStyle/>
+          <a:p>
+            <a:pPr algn="ctr"/>
+            <a:endParaRPr lang="en-US" dirty="0"/>
+          </a:p>
+        </p:txBody>
+      </p:sp>
+      <mc:AlternateContent xmlns:mc="http://schemas.openxmlformats.org/markup-compatibility/2006" xmlns:a14="http://schemas.microsoft.com/office/drawing/2010/main">
+        <mc:Choice Requires="a14">
+          <p:sp>
+            <p:nvSpPr>
+              <p:cNvPr id="27" name="TextBox 26">
+                <a:extLst>
+                  <a:ext uri="{FF2B5EF4-FFF2-40B4-BE49-F238E27FC236}">
+                    <a16:creationId xmlns:a16="http://schemas.microsoft.com/office/drawing/2014/main" id="{7D554A88-DE69-41A7-A79D-1C294AA5EC40}"/>
+                  </a:ext>
+                </a:extLst>
+              </p:cNvPr>
+              <p:cNvSpPr txBox="1"/>
+              <p:nvPr/>
+            </p:nvSpPr>
+            <p:spPr>
+              <a:xfrm>
+                <a:off x="7393030" y="3561107"/>
+                <a:ext cx="1433470" cy="276999"/>
+              </a:xfrm>
+              <a:prstGeom prst="rect">
+                <a:avLst/>
+              </a:prstGeom>
+              <a:noFill/>
+            </p:spPr>
+            <p:txBody>
+              <a:bodyPr wrap="square" lIns="0" tIns="0" rIns="0" bIns="0" rtlCol="0">
+                <a:spAutoFit/>
+              </a:bodyPr>
+              <a:lstStyle/>
+              <a:p>
+                <a:pPr/>
+                <a14:m>
+                  <m:oMathPara xmlns:m="http://schemas.openxmlformats.org/officeDocument/2006/math">
+                    <m:oMathParaPr>
+                      <m:jc m:val="centerGroup"/>
+                    </m:oMathParaPr>
+                    <m:oMath xmlns:m="http://schemas.openxmlformats.org/officeDocument/2006/math">
+                      <m:sSup>
+                        <m:sSupPr>
+                          <m:ctrlPr>
+                            <a:rPr lang="en-US" i="1" smtClean="0">
+                              <a:solidFill>
+                                <a:srgbClr val="0070C0"/>
+                              </a:solidFill>
+                              <a:latin typeface="Cambria Math" panose="02040503050406030204" pitchFamily="18" charset="0"/>
+                            </a:rPr>
+                          </m:ctrlPr>
+                        </m:sSupPr>
+                        <m:e>
+                          <m:r>
+                            <a:rPr lang="en-US" b="0" i="1" smtClean="0">
+                              <a:solidFill>
+                                <a:srgbClr val="0070C0"/>
+                              </a:solidFill>
+                              <a:latin typeface="Cambria Math" panose="02040503050406030204" pitchFamily="18" charset="0"/>
+                            </a:rPr>
+                            <m:t>20</m:t>
+                          </m:r>
+                        </m:e>
+                        <m:sup>
+                          <m:r>
+                            <a:rPr lang="en-US" b="0" i="1" smtClean="0">
+                              <a:solidFill>
+                                <a:srgbClr val="0070C0"/>
+                              </a:solidFill>
+                              <a:latin typeface="Cambria Math" panose="02040503050406030204" pitchFamily="18" charset="0"/>
+                            </a:rPr>
+                            <m:t>𝑜</m:t>
+                          </m:r>
+                        </m:sup>
+                      </m:sSup>
+                    </m:oMath>
+                  </m:oMathPara>
+                </a14:m>
+                <a:endParaRPr lang="en-US" dirty="0">
+                  <a:solidFill>
+                    <a:srgbClr val="0070C0"/>
+                  </a:solidFill>
+                </a:endParaRPr>
+              </a:p>
+            </p:txBody>
+          </p:sp>
+        </mc:Choice>
+        <mc:Fallback xmlns="">
+          <p:sp>
+            <p:nvSpPr>
+              <p:cNvPr id="27" name="TextBox 26">
+                <a:extLst>
+                  <a:ext uri="{FF2B5EF4-FFF2-40B4-BE49-F238E27FC236}">
+                    <a16:creationId xmlns:a16="http://schemas.microsoft.com/office/drawing/2014/main" id="{7D554A88-DE69-41A7-A79D-1C294AA5EC40}"/>
+                  </a:ext>
+                </a:extLst>
+              </p:cNvPr>
+              <p:cNvSpPr txBox="1">
+                <a:spLocks noRot="1" noChangeAspect="1" noMove="1" noResize="1" noEditPoints="1" noAdjustHandles="1" noChangeArrowheads="1" noChangeShapeType="1" noTextEdit="1"/>
+              </p:cNvSpPr>
+              <p:nvPr/>
+            </p:nvSpPr>
+            <p:spPr>
+              <a:xfrm>
+                <a:off x="7393030" y="3561107"/>
+                <a:ext cx="1433470" cy="276999"/>
+              </a:xfrm>
+              <a:prstGeom prst="rect">
+                <a:avLst/>
+              </a:prstGeom>
+              <a:blipFill>
+                <a:blip r:embed="rId5"/>
+                <a:stretch>
+                  <a:fillRect b="-6522"/>
+                </a:stretch>
+              </a:blipFill>
+            </p:spPr>
+            <p:txBody>
+              <a:bodyPr/>
+              <a:lstStyle/>
+              <a:p>
+                <a:r>
+                  <a:rPr lang="en-US">
+                    <a:noFill/>
+                  </a:rPr>
+                  <a:t> </a:t>
+                </a:r>
+              </a:p>
+            </p:txBody>
+          </p:sp>
+        </mc:Fallback>
+      </mc:AlternateContent>
+    </p:spTree>
+    <p:extLst>
+      <p:ext uri="{BB962C8B-B14F-4D97-AF65-F5344CB8AC3E}">
+        <p14:creationId xmlns:p14="http://schemas.microsoft.com/office/powerpoint/2010/main" val="3178162365"/>
+      </p:ext>
+    </p:extLst>
+  </p:cSld>
+  <p:clrMapOvr>
+    <a:masterClrMapping/>
+  </p:clrMapOvr>
+</p:sld>
+</file>
+
+<file path=ppt/slides/slide8.xml><?xml version="1.0" encoding="utf-8"?>
+<p:sld xmlns:a="http://schemas.openxmlformats.org/drawingml/2006/main" xmlns:r="http://schemas.openxmlformats.org/officeDocument/2006/relationships" xmlns:p="http://schemas.openxmlformats.org/presentationml/2006/main">
+  <p:cSld>
+    <p:spTree>
+      <p:nvGrpSpPr>
+        <p:cNvPr id="1" name=""/>
+        <p:cNvGrpSpPr/>
+        <p:nvPr/>
+      </p:nvGrpSpPr>
+      <p:grpSpPr>
+        <a:xfrm>
+          <a:off x="0" y="0"/>
+          <a:ext cx="0" cy="0"/>
+          <a:chOff x="0" y="0"/>
+          <a:chExt cx="0" cy="0"/>
+        </a:xfrm>
+      </p:grpSpPr>
+      <p:grpSp>
+        <p:nvGrpSpPr>
+          <p:cNvPr id="9" name="Group 8">
+            <a:extLst>
+              <a:ext uri="{FF2B5EF4-FFF2-40B4-BE49-F238E27FC236}">
+                <a16:creationId xmlns:a16="http://schemas.microsoft.com/office/drawing/2014/main" id="{6A572594-DEF7-4AA0-A94D-9A6E42C345E0}"/>
+              </a:ext>
+            </a:extLst>
+          </p:cNvPr>
+          <p:cNvGrpSpPr/>
+          <p:nvPr/>
+        </p:nvGrpSpPr>
+        <p:grpSpPr>
+          <a:xfrm rot="527068">
+            <a:off x="1066800" y="3779839"/>
+            <a:ext cx="7315200" cy="3001961"/>
+            <a:chOff x="1066800" y="3779839"/>
+            <a:chExt cx="7315200" cy="3001961"/>
+          </a:xfrm>
+        </p:grpSpPr>
+        <p:pic>
+          <p:nvPicPr>
+            <p:cNvPr id="1026" name="Picture 2" descr="Trucks, Flatbed, Trucking, Vehicle, Transport, Shipping">
+              <a:extLst>
+                <a:ext uri="{FF2B5EF4-FFF2-40B4-BE49-F238E27FC236}">
+                  <a16:creationId xmlns:a16="http://schemas.microsoft.com/office/drawing/2014/main" id="{383B719C-8EEF-4653-8EA9-4577680D758F}"/>
+                </a:ext>
+              </a:extLst>
+            </p:cNvPr>
+            <p:cNvPicPr>
+              <a:picLocks noChangeAspect="1" noChangeArrowheads="1"/>
+            </p:cNvPicPr>
+            <p:nvPr/>
+          </p:nvPicPr>
+          <p:blipFill rotWithShape="1">
+            <a:blip r:embed="rId3">
+              <a:extLst>
+                <a:ext uri="{28A0092B-C50C-407E-A947-70E740481C1C}">
+                  <a14:useLocalDpi xmlns:a14="http://schemas.microsoft.com/office/drawing/2010/main" val="0"/>
+                </a:ext>
+              </a:extLst>
+            </a:blip>
+            <a:srcRect b="55818"/>
+            <a:stretch/>
+          </p:blipFill>
+          <p:spPr bwMode="auto">
+            <a:xfrm>
+              <a:off x="2895600" y="4648200"/>
+              <a:ext cx="4114800" cy="1041559"/>
+            </a:xfrm>
+            <a:prstGeom prst="rect">
+              <a:avLst/>
+            </a:prstGeom>
+            <a:noFill/>
+            <a:extLst>
+              <a:ext uri="{909E8E84-426E-40DD-AFC4-6F175D3DCCD1}">
+                <a14:hiddenFill xmlns:a14="http://schemas.microsoft.com/office/drawing/2010/main">
+                  <a:solidFill>
+                    <a:srgbClr val="FFFFFF"/>
+                  </a:solidFill>
+                </a14:hiddenFill>
+              </a:ext>
+            </a:extLst>
+          </p:spPr>
+        </p:pic>
+        <p:sp>
+          <p:nvSpPr>
+            <p:cNvPr id="6" name="Rectangle 5">
+              <a:extLst>
+                <a:ext uri="{FF2B5EF4-FFF2-40B4-BE49-F238E27FC236}">
+                  <a16:creationId xmlns:a16="http://schemas.microsoft.com/office/drawing/2014/main" id="{2E6C3D9E-0518-452A-B340-C0F9CD3FEB43}"/>
+                </a:ext>
+              </a:extLst>
+            </p:cNvPr>
+            <p:cNvSpPr/>
+            <p:nvPr/>
+          </p:nvSpPr>
+          <p:spPr>
+            <a:xfrm>
+              <a:off x="4419600" y="4820920"/>
+              <a:ext cx="1752600" cy="457199"/>
+            </a:xfrm>
+            <a:prstGeom prst="rect">
+              <a:avLst/>
+            </a:prstGeom>
+            <a:solidFill>
+              <a:schemeClr val="bg1">
+                <a:lumMod val="85000"/>
+              </a:schemeClr>
+            </a:solidFill>
+            <a:ln>
+              <a:solidFill>
+                <a:schemeClr val="tx1"/>
+              </a:solidFill>
+            </a:ln>
+          </p:spPr>
+          <p:style>
+            <a:lnRef idx="2">
+              <a:schemeClr val="accent1">
+                <a:shade val="50000"/>
+              </a:schemeClr>
+            </a:lnRef>
+            <a:fillRef idx="1">
+              <a:schemeClr val="accent1"/>
+            </a:fillRef>
+            <a:effectRef idx="0">
+              <a:schemeClr val="accent1"/>
+            </a:effectRef>
+            <a:fontRef idx="minor">
+              <a:schemeClr val="lt1"/>
+            </a:fontRef>
+          </p:style>
+          <p:txBody>
+            <a:bodyPr rtlCol="0" anchor="ctr"/>
+            <a:lstStyle/>
+            <a:p>
+              <a:pPr algn="ctr"/>
+              <a:r>
+                <a:rPr lang="en-US" dirty="0">
+                  <a:ln w="0"/>
+                  <a:solidFill>
+                    <a:schemeClr val="tx1"/>
+                  </a:solidFill>
+                  <a:effectLst>
+                    <a:outerShdw blurRad="38100" dist="19050" dir="2700000" algn="tl" rotWithShape="0">
+                      <a:schemeClr val="dk1">
+                        <a:alpha val="40000"/>
+                      </a:schemeClr>
+                    </a:outerShdw>
+                  </a:effectLst>
+                </a:rPr>
+                <a:t>600 kg</a:t>
+              </a:r>
+              <a:endParaRPr lang="en-US" dirty="0"/>
+            </a:p>
+          </p:txBody>
+        </p:sp>
+        <p:sp>
+          <p:nvSpPr>
+            <p:cNvPr id="7" name="Rectangle 6">
+              <a:extLst>
+                <a:ext uri="{FF2B5EF4-FFF2-40B4-BE49-F238E27FC236}">
+                  <a16:creationId xmlns:a16="http://schemas.microsoft.com/office/drawing/2014/main" id="{7363A6E0-68DC-472A-9DA3-513F8CEE554A}"/>
+                </a:ext>
+              </a:extLst>
+            </p:cNvPr>
+            <p:cNvSpPr/>
+            <p:nvPr/>
+          </p:nvSpPr>
+          <p:spPr>
+            <a:xfrm>
+              <a:off x="1447800" y="5653087"/>
+              <a:ext cx="6400800" cy="792162"/>
+            </a:xfrm>
+            <a:prstGeom prst="rect">
+              <a:avLst/>
+            </a:prstGeom>
+          </p:spPr>
+          <p:style>
+            <a:lnRef idx="2">
+              <a:schemeClr val="dk1">
+                <a:shade val="50000"/>
+              </a:schemeClr>
+            </a:lnRef>
+            <a:fillRef idx="1">
+              <a:schemeClr val="dk1"/>
+            </a:fillRef>
+            <a:effectRef idx="0">
+              <a:schemeClr val="dk1"/>
+            </a:effectRef>
+            <a:fontRef idx="minor">
+              <a:schemeClr val="lt1"/>
+            </a:fontRef>
+          </p:style>
+          <p:txBody>
+            <a:bodyPr rtlCol="0" anchor="ctr"/>
+            <a:lstStyle/>
+            <a:p>
+              <a:pPr algn="ctr"/>
+              <a:endParaRPr lang="en-US"/>
+            </a:p>
+          </p:txBody>
+        </p:sp>
+        <p:sp>
+          <p:nvSpPr>
+            <p:cNvPr id="8" name="Frame 7">
+              <a:extLst>
+                <a:ext uri="{FF2B5EF4-FFF2-40B4-BE49-F238E27FC236}">
+                  <a16:creationId xmlns:a16="http://schemas.microsoft.com/office/drawing/2014/main" id="{95E9E9F7-2CEA-4EFB-896C-3D7C997B28E0}"/>
+                </a:ext>
+              </a:extLst>
+            </p:cNvPr>
+            <p:cNvSpPr/>
+            <p:nvPr/>
+          </p:nvSpPr>
+          <p:spPr>
+            <a:xfrm>
+              <a:off x="1066800" y="3779839"/>
+              <a:ext cx="7315200" cy="3001961"/>
+            </a:xfrm>
+            <a:prstGeom prst="frame">
+              <a:avLst>
+                <a:gd name="adj1" fmla="val 30581"/>
+              </a:avLst>
+            </a:prstGeom>
+            <a:solidFill>
+              <a:schemeClr val="bg1"/>
+            </a:solidFill>
+            <a:ln>
+              <a:noFill/>
+            </a:ln>
+            <a:effectLst>
+              <a:softEdge rad="127000"/>
+            </a:effectLst>
+          </p:spPr>
+          <p:style>
+            <a:lnRef idx="2">
+              <a:schemeClr val="accent1">
+                <a:shade val="50000"/>
+              </a:schemeClr>
+            </a:lnRef>
+            <a:fillRef idx="1">
+              <a:schemeClr val="accent1"/>
+            </a:fillRef>
+            <a:effectRef idx="0">
+              <a:schemeClr val="accent1"/>
+            </a:effectRef>
+            <a:fontRef idx="minor">
+              <a:schemeClr val="lt1"/>
+            </a:fontRef>
+          </p:style>
+          <p:txBody>
+            <a:bodyPr rtlCol="0" anchor="ctr"/>
+            <a:lstStyle/>
+            <a:p>
+              <a:pPr algn="ctr"/>
+              <a:endParaRPr lang="en-US">
+                <a:solidFill>
+                  <a:schemeClr val="tx1"/>
+                </a:solidFill>
+              </a:endParaRPr>
+            </a:p>
+          </p:txBody>
+        </p:sp>
+      </p:grpSp>
+      <p:sp>
+        <p:nvSpPr>
+          <p:cNvPr id="2" name="Title 1"/>
+          <p:cNvSpPr>
+            <a:spLocks noGrp="1"/>
+          </p:cNvSpPr>
+          <p:nvPr>
+            <p:ph type="title"/>
+          </p:nvPr>
+        </p:nvSpPr>
+        <p:spPr/>
+        <p:txBody>
+          <a:bodyPr>
+            <a:normAutofit/>
+          </a:bodyPr>
+          <a:lstStyle/>
+          <a:p>
+            <a:r>
+              <a:rPr lang="en-US" dirty="0"/>
+              <a:t>Worked Example</a:t>
+            </a:r>
+          </a:p>
+        </p:txBody>
+      </p:sp>
+      <p:sp>
+        <p:nvSpPr>
+          <p:cNvPr id="3" name="Content Placeholder 2"/>
+          <p:cNvSpPr>
+            <a:spLocks noGrp="1"/>
+          </p:cNvSpPr>
+          <p:nvPr>
+            <p:ph idx="1"/>
+          </p:nvPr>
+        </p:nvSpPr>
+        <p:spPr>
+          <a:xfrm>
+            <a:off x="457200" y="1600201"/>
+            <a:ext cx="8229600" cy="1981200"/>
+          </a:xfrm>
+        </p:spPr>
+        <p:txBody>
+          <a:bodyPr>
+            <a:normAutofit fontScale="77500" lnSpcReduction="20000"/>
+          </a:bodyPr>
+          <a:lstStyle/>
+          <a:p>
+            <a:r>
+              <a:rPr lang="en-US" dirty="0"/>
+              <a:t>A man in a flat bed truck starts from rest up a hill at an angle of 10 degrees. If he is carrying a 600 kg crate in the back and the static coefficient of friction is .3...</a:t>
+            </a:r>
+          </a:p>
+          <a:p>
+            <a:pPr lvl="1"/>
+            <a:r>
+              <a:rPr lang="en-US" dirty="0"/>
+              <a:t>What is the maximum rate of acceleration before the crate slides off of the back of the truck?</a:t>
+            </a:r>
+          </a:p>
+          <a:p>
+            <a:pPr lvl="1"/>
+            <a:r>
+              <a:rPr lang="en-US" dirty="0"/>
+              <a:t>How long will it take the truck to reach a speed of 25 m/s?</a:t>
+            </a:r>
+          </a:p>
+        </p:txBody>
+      </p:sp>
+      <p:sp>
+        <p:nvSpPr>
+          <p:cNvPr id="4" name="Slide Number Placeholder 3"/>
+          <p:cNvSpPr>
+            <a:spLocks noGrp="1"/>
+          </p:cNvSpPr>
+          <p:nvPr>
+            <p:ph type="sldNum" sz="quarter" idx="12"/>
+          </p:nvPr>
+        </p:nvSpPr>
+        <p:spPr/>
+        <p:txBody>
+          <a:bodyPr/>
+          <a:lstStyle/>
+          <a:p>
+            <a:fld id="{929262FE-7F58-4A1E-8AF3-5A510A86DEBD}" type="slidenum">
+              <a:rPr lang="en-US" smtClean="0"/>
+              <a:t>8</a:t>
+            </a:fld>
+            <a:endParaRPr lang="en-US"/>
+          </a:p>
+        </p:txBody>
+      </p:sp>
+    </p:spTree>
+    <p:extLst>
+      <p:ext uri="{BB962C8B-B14F-4D97-AF65-F5344CB8AC3E}">
+        <p14:creationId xmlns:p14="http://schemas.microsoft.com/office/powerpoint/2010/main" val="313216647"/>
       </p:ext>
     </p:extLst>
   </p:cSld>
